--- a/Documentation/Project_Presentation_210922.pptx
+++ b/Documentation/Project_Presentation_210922.pptx
@@ -255,7 +255,7 @@
           <a:p>
             <a:fld id="{D27A0433-32BF-4123-9CF3-8D802C2E44FE}" type="datetimeFigureOut">
               <a:rPr lang="en-US" smtClean="0"/>
-              <a:t>2/14/2022</a:t>
+              <a:t>2/17/2022</a:t>
             </a:fld>
             <a:endParaRPr lang="en-US"/>
           </a:p>
@@ -669,7 +669,7 @@
           <a:p>
             <a:fld id="{F7328158-037F-4465-8A80-A8C2AF0C271C}" type="datetime1">
               <a:rPr lang="en-US" smtClean="0"/>
-              <a:t>2/14/2022</a:t>
+              <a:t>2/17/2022</a:t>
             </a:fld>
             <a:endParaRPr lang="en-US"/>
           </a:p>
@@ -870,7 +870,7 @@
           <a:p>
             <a:fld id="{9518138F-43A4-49E3-8252-F284EF9DE12D}" type="datetime1">
               <a:rPr lang="en-US" smtClean="0"/>
-              <a:t>2/14/2022</a:t>
+              <a:t>2/17/2022</a:t>
             </a:fld>
             <a:endParaRPr lang="en-US"/>
           </a:p>
@@ -1081,7 +1081,7 @@
           <a:p>
             <a:fld id="{1DC4BDB0-1296-49E3-937B-F30ACA7B4F94}" type="datetime1">
               <a:rPr lang="en-US" smtClean="0"/>
-              <a:t>2/14/2022</a:t>
+              <a:t>2/17/2022</a:t>
             </a:fld>
             <a:endParaRPr lang="en-US"/>
           </a:p>
@@ -1282,7 +1282,7 @@
           <a:p>
             <a:fld id="{A5F007CA-CC09-4561-9FCD-CE44B6E86F3A}" type="datetime1">
               <a:rPr lang="en-US" smtClean="0"/>
-              <a:t>2/14/2022</a:t>
+              <a:t>2/17/2022</a:t>
             </a:fld>
             <a:endParaRPr lang="en-US"/>
           </a:p>
@@ -1560,7 +1560,7 @@
           <a:p>
             <a:fld id="{0603AB62-8B17-445D-8D8A-88DB0F758454}" type="datetime1">
               <a:rPr lang="en-US" smtClean="0"/>
-              <a:t>2/14/2022</a:t>
+              <a:t>2/17/2022</a:t>
             </a:fld>
             <a:endParaRPr lang="en-US"/>
           </a:p>
@@ -1828,7 +1828,7 @@
           <a:p>
             <a:fld id="{514E4CBC-5783-4B54-9449-B92165E29C12}" type="datetime1">
               <a:rPr lang="en-US" smtClean="0"/>
-              <a:t>2/14/2022</a:t>
+              <a:t>2/17/2022</a:t>
             </a:fld>
             <a:endParaRPr lang="en-US"/>
           </a:p>
@@ -2243,7 +2243,7 @@
           <a:p>
             <a:fld id="{E3C588DA-3F3F-4291-8B86-205F2DEEAC6B}" type="datetime1">
               <a:rPr lang="en-US" smtClean="0"/>
-              <a:t>2/14/2022</a:t>
+              <a:t>2/17/2022</a:t>
             </a:fld>
             <a:endParaRPr lang="en-US"/>
           </a:p>
@@ -2387,7 +2387,7 @@
           <a:p>
             <a:fld id="{28A6A5B9-F89B-4BF7-9C1C-7FE4F1BCEA80}" type="datetime1">
               <a:rPr lang="en-US" smtClean="0"/>
-              <a:t>2/14/2022</a:t>
+              <a:t>2/17/2022</a:t>
             </a:fld>
             <a:endParaRPr lang="en-US"/>
           </a:p>
@@ -2503,7 +2503,7 @@
           <a:p>
             <a:fld id="{FC869165-E4FA-4AC3-B6F6-7C413C044D79}" type="datetime1">
               <a:rPr lang="en-US" smtClean="0"/>
-              <a:t>2/14/2022</a:t>
+              <a:t>2/17/2022</a:t>
             </a:fld>
             <a:endParaRPr lang="en-US"/>
           </a:p>
@@ -2817,7 +2817,7 @@
           <a:p>
             <a:fld id="{3427BDA5-E805-4E0B-A261-2FD59BA83138}" type="datetime1">
               <a:rPr lang="en-US" smtClean="0"/>
-              <a:t>2/14/2022</a:t>
+              <a:t>2/17/2022</a:t>
             </a:fld>
             <a:endParaRPr lang="en-US"/>
           </a:p>
@@ -3108,7 +3108,7 @@
           <a:p>
             <a:fld id="{8CD524D6-07C3-47FF-8FC9-4C2AA83B6E8E}" type="datetime1">
               <a:rPr lang="en-US" smtClean="0"/>
-              <a:t>2/14/2022</a:t>
+              <a:t>2/17/2022</a:t>
             </a:fld>
             <a:endParaRPr lang="en-US"/>
           </a:p>
@@ -3352,7 +3352,7 @@
           <a:p>
             <a:fld id="{1234730C-C1B4-4608-B736-62BAB97E72A7}" type="datetime1">
               <a:rPr lang="en-US" smtClean="0"/>
-              <a:t>2/14/2022</a:t>
+              <a:t>2/17/2022</a:t>
             </a:fld>
             <a:endParaRPr lang="en-US"/>
           </a:p>
@@ -3860,7 +3860,7 @@
           <a:p>
             <a:fld id="{18AE8D79-7253-4666-AE66-9FB202CBB517}" type="datetime1">
               <a:rPr lang="en-US" smtClean="0"/>
-              <a:t>2/14/2022</a:t>
+              <a:t>2/17/2022</a:t>
             </a:fld>
             <a:endParaRPr lang="en-US"/>
           </a:p>
@@ -3947,7 +3947,7 @@
           <a:p>
             <a:fld id="{FC869165-E4FA-4AC3-B6F6-7C413C044D79}" type="datetime1">
               <a:rPr lang="en-US" smtClean="0"/>
-              <a:t>2/14/2022</a:t>
+              <a:t>2/17/2022</a:t>
             </a:fld>
             <a:endParaRPr lang="en-US"/>
           </a:p>
@@ -4278,7 +4278,7 @@
           <a:p>
             <a:fld id="{FC869165-E4FA-4AC3-B6F6-7C413C044D79}" type="datetime1">
               <a:rPr lang="en-US" smtClean="0"/>
-              <a:t>2/14/2022</a:t>
+              <a:t>2/17/2022</a:t>
             </a:fld>
             <a:endParaRPr lang="en-US"/>
           </a:p>
@@ -4995,7 +4995,7 @@
           <a:p>
             <a:fld id="{FC869165-E4FA-4AC3-B6F6-7C413C044D79}" type="datetime1">
               <a:rPr lang="en-US" smtClean="0"/>
-              <a:t>2/14/2022</a:t>
+              <a:t>2/17/2022</a:t>
             </a:fld>
             <a:endParaRPr lang="en-US"/>
           </a:p>
@@ -5343,7 +5343,7 @@
           <a:p>
             <a:fld id="{A5F007CA-CC09-4561-9FCD-CE44B6E86F3A}" type="datetime1">
               <a:rPr lang="en-US" smtClean="0"/>
-              <a:t>2/14/2022</a:t>
+              <a:t>2/17/2022</a:t>
             </a:fld>
             <a:endParaRPr lang="en-US"/>
           </a:p>
@@ -5462,9 +5462,88 @@
           <a:p>
             <a:r>
               <a:rPr lang="de-DE" dirty="0"/>
-              <a:t>Stand: 27.09.21</a:t>
+              <a:t>Stand: 17.02.22</a:t>
             </a:r>
             <a:endParaRPr lang="en-US" dirty="0"/>
+          </a:p>
+        </p:txBody>
+      </p:sp>
+      <p:sp>
+        <p:nvSpPr>
+          <p:cNvPr id="2" name="TextBox 1">
+            <a:extLst>
+              <a:ext uri="{FF2B5EF4-FFF2-40B4-BE49-F238E27FC236}">
+                <a16:creationId xmlns:a16="http://schemas.microsoft.com/office/drawing/2014/main" id="{61E8C4F6-6BFD-4FFE-9063-BAA496AED6D1}"/>
+              </a:ext>
+            </a:extLst>
+          </p:cNvPr>
+          <p:cNvSpPr txBox="1"/>
+          <p:nvPr/>
+        </p:nvSpPr>
+        <p:spPr>
+          <a:xfrm>
+            <a:off x="538480" y="1564640"/>
+            <a:ext cx="7498080" cy="1754326"/>
+          </a:xfrm>
+          <a:prstGeom prst="rect">
+            <a:avLst/>
+          </a:prstGeom>
+          <a:noFill/>
+        </p:spPr>
+        <p:txBody>
+          <a:bodyPr wrap="square" rtlCol="0">
+            <a:spAutoFit/>
+          </a:bodyPr>
+          <a:lstStyle/>
+          <a:p>
+            <a:r>
+              <a:rPr lang="de-DE" dirty="0"/>
+              <a:t>Possible Problems:</a:t>
+            </a:r>
+          </a:p>
+          <a:p>
+            <a:pPr marL="285750" indent="-285750">
+              <a:buFontTx/>
+              <a:buChar char="-"/>
+            </a:pPr>
+            <a:r>
+              <a:rPr lang="de-DE" dirty="0"/>
+              <a:t>Addition of Epigenetics</a:t>
+            </a:r>
+          </a:p>
+          <a:p>
+            <a:pPr marL="285750" indent="-285750">
+              <a:buFontTx/>
+              <a:buChar char="-"/>
+            </a:pPr>
+            <a:r>
+              <a:rPr lang="de-DE" dirty="0"/>
+              <a:t>New data sets have errors (e.g. Missed gene ID, etc.)</a:t>
+            </a:r>
+          </a:p>
+          <a:p>
+            <a:pPr marL="285750" indent="-285750">
+              <a:buFontTx/>
+              <a:buChar char="-"/>
+            </a:pPr>
+            <a:r>
+              <a:rPr lang="de-DE" dirty="0"/>
+              <a:t>Additions of columns in WormExp_info (are they shown to the scientist?)</a:t>
+            </a:r>
+          </a:p>
+          <a:p>
+            <a:pPr marL="285750" indent="-285750">
+              <a:buFontTx/>
+              <a:buChar char="-"/>
+            </a:pPr>
+            <a:endParaRPr lang="de-DE" dirty="0"/>
+          </a:p>
+          <a:p>
+            <a:pPr marL="285750" indent="-285750">
+              <a:buFontTx/>
+              <a:buChar char="-"/>
+            </a:pPr>
+            <a:endParaRPr lang="de-DE" dirty="0"/>
           </a:p>
         </p:txBody>
       </p:sp>
@@ -5521,7 +5600,7 @@
           <a:p>
             <a:fld id="{FC869165-E4FA-4AC3-B6F6-7C413C044D79}" type="datetime1">
               <a:rPr lang="en-US" smtClean="0"/>
-              <a:t>2/14/2022</a:t>
+              <a:t>2/17/2022</a:t>
             </a:fld>
             <a:endParaRPr lang="en-US"/>
           </a:p>
@@ -6193,7 +6272,7 @@
           <a:p>
             <a:fld id="{FC869165-E4FA-4AC3-B6F6-7C413C044D79}" type="datetime1">
               <a:rPr lang="en-US" smtClean="0"/>
-              <a:t>2/14/2022</a:t>
+              <a:t>2/17/2022</a:t>
             </a:fld>
             <a:endParaRPr lang="en-US" dirty="0"/>
           </a:p>
@@ -6972,7 +7051,7 @@
           <a:p>
             <a:fld id="{FC869165-E4FA-4AC3-B6F6-7C413C044D79}" type="datetime1">
               <a:rPr lang="en-US" smtClean="0"/>
-              <a:t>2/14/2022</a:t>
+              <a:t>2/17/2022</a:t>
             </a:fld>
             <a:endParaRPr lang="en-US" dirty="0"/>
           </a:p>
@@ -7922,7 +8001,7 @@
           <a:p>
             <a:fld id="{FC869165-E4FA-4AC3-B6F6-7C413C044D79}" type="datetime1">
               <a:rPr lang="en-US" smtClean="0"/>
-              <a:t>2/14/2022</a:t>
+              <a:t>2/17/2022</a:t>
             </a:fld>
             <a:endParaRPr lang="en-US" dirty="0"/>
           </a:p>
@@ -9115,7 +9194,7 @@
           <a:p>
             <a:fld id="{FC869165-E4FA-4AC3-B6F6-7C413C044D79}" type="datetime1">
               <a:rPr lang="en-US" smtClean="0"/>
-              <a:t>2/14/2022</a:t>
+              <a:t>2/17/2022</a:t>
             </a:fld>
             <a:endParaRPr lang="en-US" dirty="0"/>
           </a:p>
@@ -10147,7 +10226,7 @@
           <a:p>
             <a:fld id="{FC869165-E4FA-4AC3-B6F6-7C413C044D79}" type="datetime1">
               <a:rPr lang="en-US" smtClean="0"/>
-              <a:t>2/14/2022</a:t>
+              <a:t>2/17/2022</a:t>
             </a:fld>
             <a:endParaRPr lang="en-US" dirty="0"/>
           </a:p>
@@ -11804,7 +11883,7 @@
           <a:p>
             <a:fld id="{95023EA9-6CCA-4F01-9077-1E2929A4FF9F}" type="datetime1">
               <a:rPr lang="en-US" smtClean="0"/>
-              <a:t>2/14/2022</a:t>
+              <a:t>2/17/2022</a:t>
             </a:fld>
             <a:endParaRPr lang="en-US"/>
           </a:p>
@@ -12734,7 +12813,7 @@
                   <a:spcPts val="600"/>
                 </a:spcAft>
               </a:pPr>
-              <a:t>2/14/2022</a:t>
+              <a:t>2/17/2022</a:t>
             </a:fld>
             <a:endParaRPr lang="en-US"/>
           </a:p>
@@ -13770,7 +13849,7 @@
           <a:p>
             <a:fld id="{FC869165-E4FA-4AC3-B6F6-7C413C044D79}" type="datetime1">
               <a:rPr lang="en-US" smtClean="0"/>
-              <a:t>2/14/2022</a:t>
+              <a:t>2/17/2022</a:t>
             </a:fld>
             <a:endParaRPr lang="en-US"/>
           </a:p>
@@ -14294,7 +14373,7 @@
           <a:p>
             <a:fld id="{FC869165-E4FA-4AC3-B6F6-7C413C044D79}" type="datetime1">
               <a:rPr lang="en-US" smtClean="0"/>
-              <a:t>2/14/2022</a:t>
+              <a:t>2/17/2022</a:t>
             </a:fld>
             <a:endParaRPr lang="en-US"/>
           </a:p>
@@ -14731,7 +14810,7 @@
           <a:p>
             <a:fld id="{A5F007CA-CC09-4561-9FCD-CE44B6E86F3A}" type="datetime1">
               <a:rPr lang="en-US" smtClean="0"/>
-              <a:t>2/14/2022</a:t>
+              <a:t>2/17/2022</a:t>
             </a:fld>
             <a:endParaRPr lang="en-US"/>
           </a:p>
@@ -16785,7 +16864,7 @@
           <a:p>
             <a:fld id="{42D72C0A-7FAF-444B-9537-35FFF7603B2C}" type="datetime1">
               <a:rPr lang="en-US" smtClean="0"/>
-              <a:t>2/14/2022</a:t>
+              <a:t>2/17/2022</a:t>
             </a:fld>
             <a:endParaRPr lang="en-US"/>
           </a:p>
@@ -16925,7 +17004,7 @@
           <p:nvPr/>
         </p:nvPicPr>
         <p:blipFill>
-          <a:blip r:embed="rId3"/>
+          <a:blip r:embed="rId2"/>
           <a:stretch>
             <a:fillRect/>
           </a:stretch>
@@ -16993,7 +17072,7 @@
           <a:p>
             <a:fld id="{A5F007CA-CC09-4561-9FCD-CE44B6E86F3A}" type="datetime1">
               <a:rPr lang="en-US" smtClean="0"/>
-              <a:t>2/14/2022</a:t>
+              <a:t>2/17/2022</a:t>
             </a:fld>
             <a:endParaRPr lang="en-US"/>
           </a:p>
@@ -17593,7 +17672,7 @@
           <a:p>
             <a:fld id="{FC869165-E4FA-4AC3-B6F6-7C413C044D79}" type="datetime1">
               <a:rPr lang="en-US" smtClean="0"/>
-              <a:t>2/14/2022</a:t>
+              <a:t>2/17/2022</a:t>
             </a:fld>
             <a:endParaRPr lang="en-US"/>
           </a:p>
@@ -18791,7 +18870,7 @@
           <a:p>
             <a:fld id="{FC869165-E4FA-4AC3-B6F6-7C413C044D79}" type="datetime1">
               <a:rPr lang="en-US" smtClean="0"/>
-              <a:t>2/14/2022</a:t>
+              <a:t>2/17/2022</a:t>
             </a:fld>
             <a:endParaRPr lang="en-US"/>
           </a:p>
@@ -19028,7 +19107,7 @@
           <a:p>
             <a:fld id="{FC869165-E4FA-4AC3-B6F6-7C413C044D79}" type="datetime1">
               <a:rPr lang="en-US" smtClean="0"/>
-              <a:t>2/14/2022</a:t>
+              <a:t>2/17/2022</a:t>
             </a:fld>
             <a:endParaRPr lang="en-US" dirty="0"/>
           </a:p>
@@ -20064,7 +20143,7 @@
           <a:p>
             <a:fld id="{FC869165-E4FA-4AC3-B6F6-7C413C044D79}" type="datetime1">
               <a:rPr lang="en-US" smtClean="0"/>
-              <a:t>2/14/2022</a:t>
+              <a:t>2/17/2022</a:t>
             </a:fld>
             <a:endParaRPr lang="en-US"/>
           </a:p>

--- a/Documentation/Project_Presentation_210922.pptx
+++ b/Documentation/Project_Presentation_210922.pptx
@@ -5,7 +5,7 @@
     <p:sldMasterId id="2147483648" r:id="rId1"/>
   </p:sldMasterIdLst>
   <p:notesMasterIdLst>
-    <p:notesMasterId r:id="rId24"/>
+    <p:notesMasterId r:id="rId33"/>
   </p:notesMasterIdLst>
   <p:sldIdLst>
     <p:sldId id="256" r:id="rId2"/>
@@ -21,20 +21,29 @@
     <p:sldId id="270" r:id="rId12"/>
     <p:sldId id="277" r:id="rId13"/>
     <p:sldId id="264" r:id="rId14"/>
-    <p:sldId id="266" r:id="rId15"/>
-    <p:sldId id="267" r:id="rId16"/>
-    <p:sldId id="272" r:id="rId17"/>
-    <p:sldId id="274" r:id="rId18"/>
-    <p:sldId id="275" r:id="rId19"/>
-    <p:sldId id="278" r:id="rId20"/>
-    <p:sldId id="262" r:id="rId21"/>
-    <p:sldId id="273" r:id="rId22"/>
-    <p:sldId id="271" r:id="rId23"/>
+    <p:sldId id="279" r:id="rId15"/>
+    <p:sldId id="280" r:id="rId16"/>
+    <p:sldId id="282" r:id="rId17"/>
+    <p:sldId id="281" r:id="rId18"/>
+    <p:sldId id="283" r:id="rId19"/>
+    <p:sldId id="285" r:id="rId20"/>
+    <p:sldId id="284" r:id="rId21"/>
+    <p:sldId id="286" r:id="rId22"/>
+    <p:sldId id="287" r:id="rId23"/>
+    <p:sldId id="266" r:id="rId24"/>
+    <p:sldId id="267" r:id="rId25"/>
+    <p:sldId id="272" r:id="rId26"/>
+    <p:sldId id="274" r:id="rId27"/>
+    <p:sldId id="275" r:id="rId28"/>
+    <p:sldId id="278" r:id="rId29"/>
+    <p:sldId id="262" r:id="rId30"/>
+    <p:sldId id="273" r:id="rId31"/>
+    <p:sldId id="271" r:id="rId32"/>
   </p:sldIdLst>
   <p:sldSz cx="12192000" cy="6858000"/>
   <p:notesSz cx="6858000" cy="9144000"/>
   <p:custDataLst>
-    <p:tags r:id="rId25"/>
+    <p:tags r:id="rId34"/>
   </p:custDataLst>
   <p:defaultTextStyle>
     <a:defPPr>
@@ -149,6 +158,15 @@
             <p14:sldId id="270"/>
             <p14:sldId id="277"/>
             <p14:sldId id="264"/>
+            <p14:sldId id="279"/>
+            <p14:sldId id="280"/>
+            <p14:sldId id="282"/>
+            <p14:sldId id="281"/>
+            <p14:sldId id="283"/>
+            <p14:sldId id="285"/>
+            <p14:sldId id="284"/>
+            <p14:sldId id="286"/>
+            <p14:sldId id="287"/>
             <p14:sldId id="266"/>
             <p14:sldId id="267"/>
             <p14:sldId id="272"/>
@@ -255,7 +273,7 @@
           <a:p>
             <a:fld id="{D27A0433-32BF-4123-9CF3-8D802C2E44FE}" type="datetimeFigureOut">
               <a:rPr lang="en-US" smtClean="0"/>
-              <a:t>2/17/2022</a:t>
+              <a:t>2/24/2022</a:t>
             </a:fld>
             <a:endParaRPr lang="en-US"/>
           </a:p>
@@ -522,6 +540,762 @@
 </p:notesMaster>
 </file>
 
+<file path=ppt/notesSlides/notesSlide1.xml><?xml version="1.0" encoding="utf-8"?>
+<p:notes xmlns:a="http://schemas.openxmlformats.org/drawingml/2006/main" xmlns:r="http://schemas.openxmlformats.org/officeDocument/2006/relationships" xmlns:p="http://schemas.openxmlformats.org/presentationml/2006/main">
+  <p:cSld>
+    <p:spTree>
+      <p:nvGrpSpPr>
+        <p:cNvPr id="1" name=""/>
+        <p:cNvGrpSpPr/>
+        <p:nvPr/>
+      </p:nvGrpSpPr>
+      <p:grpSpPr>
+        <a:xfrm>
+          <a:off x="0" y="0"/>
+          <a:ext cx="0" cy="0"/>
+          <a:chOff x="0" y="0"/>
+          <a:chExt cx="0" cy="0"/>
+        </a:xfrm>
+      </p:grpSpPr>
+      <p:sp>
+        <p:nvSpPr>
+          <p:cNvPr id="2" name="Slide Image Placeholder 1"/>
+          <p:cNvSpPr>
+            <a:spLocks noGrp="1" noRot="1" noChangeAspect="1"/>
+          </p:cNvSpPr>
+          <p:nvPr>
+            <p:ph type="sldImg"/>
+          </p:nvPr>
+        </p:nvSpPr>
+        <p:spPr/>
+      </p:sp>
+      <p:sp>
+        <p:nvSpPr>
+          <p:cNvPr id="3" name="Notes Placeholder 2"/>
+          <p:cNvSpPr>
+            <a:spLocks noGrp="1"/>
+          </p:cNvSpPr>
+          <p:nvPr>
+            <p:ph type="body" idx="1"/>
+          </p:nvPr>
+        </p:nvSpPr>
+        <p:spPr/>
+        <p:txBody>
+          <a:bodyPr/>
+          <a:lstStyle/>
+          <a:p>
+            <a:endParaRPr lang="de-DE" dirty="0"/>
+          </a:p>
+        </p:txBody>
+      </p:sp>
+      <p:sp>
+        <p:nvSpPr>
+          <p:cNvPr id="4" name="Slide Number Placeholder 3"/>
+          <p:cNvSpPr>
+            <a:spLocks noGrp="1"/>
+          </p:cNvSpPr>
+          <p:nvPr>
+            <p:ph type="sldNum" sz="quarter" idx="5"/>
+          </p:nvPr>
+        </p:nvSpPr>
+        <p:spPr/>
+        <p:txBody>
+          <a:bodyPr/>
+          <a:lstStyle/>
+          <a:p>
+            <a:fld id="{3E420C60-E035-4773-AD7D-7085F445A2E6}" type="slidenum">
+              <a:rPr lang="en-US" smtClean="0"/>
+              <a:t>14</a:t>
+            </a:fld>
+            <a:endParaRPr lang="en-US"/>
+          </a:p>
+        </p:txBody>
+      </p:sp>
+    </p:spTree>
+    <p:extLst>
+      <p:ext uri="{BB962C8B-B14F-4D97-AF65-F5344CB8AC3E}">
+        <p14:creationId xmlns:p14="http://schemas.microsoft.com/office/powerpoint/2010/main" val="1226335460"/>
+      </p:ext>
+    </p:extLst>
+  </p:cSld>
+  <p:clrMapOvr>
+    <a:masterClrMapping/>
+  </p:clrMapOvr>
+</p:notes>
+</file>
+
+<file path=ppt/notesSlides/notesSlide2.xml><?xml version="1.0" encoding="utf-8"?>
+<p:notes xmlns:a="http://schemas.openxmlformats.org/drawingml/2006/main" xmlns:r="http://schemas.openxmlformats.org/officeDocument/2006/relationships" xmlns:p="http://schemas.openxmlformats.org/presentationml/2006/main">
+  <p:cSld>
+    <p:spTree>
+      <p:nvGrpSpPr>
+        <p:cNvPr id="1" name=""/>
+        <p:cNvGrpSpPr/>
+        <p:nvPr/>
+      </p:nvGrpSpPr>
+      <p:grpSpPr>
+        <a:xfrm>
+          <a:off x="0" y="0"/>
+          <a:ext cx="0" cy="0"/>
+          <a:chOff x="0" y="0"/>
+          <a:chExt cx="0" cy="0"/>
+        </a:xfrm>
+      </p:grpSpPr>
+      <p:sp>
+        <p:nvSpPr>
+          <p:cNvPr id="2" name="Slide Image Placeholder 1"/>
+          <p:cNvSpPr>
+            <a:spLocks noGrp="1" noRot="1" noChangeAspect="1"/>
+          </p:cNvSpPr>
+          <p:nvPr>
+            <p:ph type="sldImg"/>
+          </p:nvPr>
+        </p:nvSpPr>
+        <p:spPr/>
+      </p:sp>
+      <p:sp>
+        <p:nvSpPr>
+          <p:cNvPr id="3" name="Notes Placeholder 2"/>
+          <p:cNvSpPr>
+            <a:spLocks noGrp="1"/>
+          </p:cNvSpPr>
+          <p:nvPr>
+            <p:ph type="body" idx="1"/>
+          </p:nvPr>
+        </p:nvSpPr>
+        <p:spPr/>
+        <p:txBody>
+          <a:bodyPr/>
+          <a:lstStyle/>
+          <a:p>
+            <a:endParaRPr lang="de-DE" dirty="0"/>
+          </a:p>
+        </p:txBody>
+      </p:sp>
+      <p:sp>
+        <p:nvSpPr>
+          <p:cNvPr id="4" name="Slide Number Placeholder 3"/>
+          <p:cNvSpPr>
+            <a:spLocks noGrp="1"/>
+          </p:cNvSpPr>
+          <p:nvPr>
+            <p:ph type="sldNum" sz="quarter" idx="5"/>
+          </p:nvPr>
+        </p:nvSpPr>
+        <p:spPr/>
+        <p:txBody>
+          <a:bodyPr/>
+          <a:lstStyle/>
+          <a:p>
+            <a:fld id="{3E420C60-E035-4773-AD7D-7085F445A2E6}" type="slidenum">
+              <a:rPr lang="en-US" smtClean="0"/>
+              <a:t>15</a:t>
+            </a:fld>
+            <a:endParaRPr lang="en-US"/>
+          </a:p>
+        </p:txBody>
+      </p:sp>
+    </p:spTree>
+    <p:extLst>
+      <p:ext uri="{BB962C8B-B14F-4D97-AF65-F5344CB8AC3E}">
+        <p14:creationId xmlns:p14="http://schemas.microsoft.com/office/powerpoint/2010/main" val="1023756773"/>
+      </p:ext>
+    </p:extLst>
+  </p:cSld>
+  <p:clrMapOvr>
+    <a:masterClrMapping/>
+  </p:clrMapOvr>
+</p:notes>
+</file>
+
+<file path=ppt/notesSlides/notesSlide3.xml><?xml version="1.0" encoding="utf-8"?>
+<p:notes xmlns:a="http://schemas.openxmlformats.org/drawingml/2006/main" xmlns:r="http://schemas.openxmlformats.org/officeDocument/2006/relationships" xmlns:p="http://schemas.openxmlformats.org/presentationml/2006/main">
+  <p:cSld>
+    <p:spTree>
+      <p:nvGrpSpPr>
+        <p:cNvPr id="1" name=""/>
+        <p:cNvGrpSpPr/>
+        <p:nvPr/>
+      </p:nvGrpSpPr>
+      <p:grpSpPr>
+        <a:xfrm>
+          <a:off x="0" y="0"/>
+          <a:ext cx="0" cy="0"/>
+          <a:chOff x="0" y="0"/>
+          <a:chExt cx="0" cy="0"/>
+        </a:xfrm>
+      </p:grpSpPr>
+      <p:sp>
+        <p:nvSpPr>
+          <p:cNvPr id="2" name="Slide Image Placeholder 1"/>
+          <p:cNvSpPr>
+            <a:spLocks noGrp="1" noRot="1" noChangeAspect="1"/>
+          </p:cNvSpPr>
+          <p:nvPr>
+            <p:ph type="sldImg"/>
+          </p:nvPr>
+        </p:nvSpPr>
+        <p:spPr/>
+      </p:sp>
+      <p:sp>
+        <p:nvSpPr>
+          <p:cNvPr id="3" name="Notes Placeholder 2"/>
+          <p:cNvSpPr>
+            <a:spLocks noGrp="1"/>
+          </p:cNvSpPr>
+          <p:nvPr>
+            <p:ph type="body" idx="1"/>
+          </p:nvPr>
+        </p:nvSpPr>
+        <p:spPr/>
+        <p:txBody>
+          <a:bodyPr/>
+          <a:lstStyle/>
+          <a:p>
+            <a:endParaRPr lang="de-DE" dirty="0"/>
+          </a:p>
+        </p:txBody>
+      </p:sp>
+      <p:sp>
+        <p:nvSpPr>
+          <p:cNvPr id="4" name="Slide Number Placeholder 3"/>
+          <p:cNvSpPr>
+            <a:spLocks noGrp="1"/>
+          </p:cNvSpPr>
+          <p:nvPr>
+            <p:ph type="sldNum" sz="quarter" idx="5"/>
+          </p:nvPr>
+        </p:nvSpPr>
+        <p:spPr/>
+        <p:txBody>
+          <a:bodyPr/>
+          <a:lstStyle/>
+          <a:p>
+            <a:fld id="{3E420C60-E035-4773-AD7D-7085F445A2E6}" type="slidenum">
+              <a:rPr lang="en-US" smtClean="0"/>
+              <a:t>16</a:t>
+            </a:fld>
+            <a:endParaRPr lang="en-US"/>
+          </a:p>
+        </p:txBody>
+      </p:sp>
+    </p:spTree>
+    <p:extLst>
+      <p:ext uri="{BB962C8B-B14F-4D97-AF65-F5344CB8AC3E}">
+        <p14:creationId xmlns:p14="http://schemas.microsoft.com/office/powerpoint/2010/main" val="3804977587"/>
+      </p:ext>
+    </p:extLst>
+  </p:cSld>
+  <p:clrMapOvr>
+    <a:masterClrMapping/>
+  </p:clrMapOvr>
+</p:notes>
+</file>
+
+<file path=ppt/notesSlides/notesSlide4.xml><?xml version="1.0" encoding="utf-8"?>
+<p:notes xmlns:a="http://schemas.openxmlformats.org/drawingml/2006/main" xmlns:r="http://schemas.openxmlformats.org/officeDocument/2006/relationships" xmlns:p="http://schemas.openxmlformats.org/presentationml/2006/main">
+  <p:cSld>
+    <p:spTree>
+      <p:nvGrpSpPr>
+        <p:cNvPr id="1" name=""/>
+        <p:cNvGrpSpPr/>
+        <p:nvPr/>
+      </p:nvGrpSpPr>
+      <p:grpSpPr>
+        <a:xfrm>
+          <a:off x="0" y="0"/>
+          <a:ext cx="0" cy="0"/>
+          <a:chOff x="0" y="0"/>
+          <a:chExt cx="0" cy="0"/>
+        </a:xfrm>
+      </p:grpSpPr>
+      <p:sp>
+        <p:nvSpPr>
+          <p:cNvPr id="2" name="Slide Image Placeholder 1"/>
+          <p:cNvSpPr>
+            <a:spLocks noGrp="1" noRot="1" noChangeAspect="1"/>
+          </p:cNvSpPr>
+          <p:nvPr>
+            <p:ph type="sldImg"/>
+          </p:nvPr>
+        </p:nvSpPr>
+        <p:spPr/>
+      </p:sp>
+      <p:sp>
+        <p:nvSpPr>
+          <p:cNvPr id="3" name="Notes Placeholder 2"/>
+          <p:cNvSpPr>
+            <a:spLocks noGrp="1"/>
+          </p:cNvSpPr>
+          <p:nvPr>
+            <p:ph type="body" idx="1"/>
+          </p:nvPr>
+        </p:nvSpPr>
+        <p:spPr/>
+        <p:txBody>
+          <a:bodyPr/>
+          <a:lstStyle/>
+          <a:p>
+            <a:endParaRPr lang="de-DE" dirty="0"/>
+          </a:p>
+        </p:txBody>
+      </p:sp>
+      <p:sp>
+        <p:nvSpPr>
+          <p:cNvPr id="4" name="Slide Number Placeholder 3"/>
+          <p:cNvSpPr>
+            <a:spLocks noGrp="1"/>
+          </p:cNvSpPr>
+          <p:nvPr>
+            <p:ph type="sldNum" sz="quarter" idx="5"/>
+          </p:nvPr>
+        </p:nvSpPr>
+        <p:spPr/>
+        <p:txBody>
+          <a:bodyPr/>
+          <a:lstStyle/>
+          <a:p>
+            <a:fld id="{3E420C60-E035-4773-AD7D-7085F445A2E6}" type="slidenum">
+              <a:rPr lang="en-US" smtClean="0"/>
+              <a:t>17</a:t>
+            </a:fld>
+            <a:endParaRPr lang="en-US"/>
+          </a:p>
+        </p:txBody>
+      </p:sp>
+    </p:spTree>
+    <p:extLst>
+      <p:ext uri="{BB962C8B-B14F-4D97-AF65-F5344CB8AC3E}">
+        <p14:creationId xmlns:p14="http://schemas.microsoft.com/office/powerpoint/2010/main" val="1558204396"/>
+      </p:ext>
+    </p:extLst>
+  </p:cSld>
+  <p:clrMapOvr>
+    <a:masterClrMapping/>
+  </p:clrMapOvr>
+</p:notes>
+</file>
+
+<file path=ppt/notesSlides/notesSlide5.xml><?xml version="1.0" encoding="utf-8"?>
+<p:notes xmlns:a="http://schemas.openxmlformats.org/drawingml/2006/main" xmlns:r="http://schemas.openxmlformats.org/officeDocument/2006/relationships" xmlns:p="http://schemas.openxmlformats.org/presentationml/2006/main">
+  <p:cSld>
+    <p:spTree>
+      <p:nvGrpSpPr>
+        <p:cNvPr id="1" name=""/>
+        <p:cNvGrpSpPr/>
+        <p:nvPr/>
+      </p:nvGrpSpPr>
+      <p:grpSpPr>
+        <a:xfrm>
+          <a:off x="0" y="0"/>
+          <a:ext cx="0" cy="0"/>
+          <a:chOff x="0" y="0"/>
+          <a:chExt cx="0" cy="0"/>
+        </a:xfrm>
+      </p:grpSpPr>
+      <p:sp>
+        <p:nvSpPr>
+          <p:cNvPr id="2" name="Slide Image Placeholder 1"/>
+          <p:cNvSpPr>
+            <a:spLocks noGrp="1" noRot="1" noChangeAspect="1"/>
+          </p:cNvSpPr>
+          <p:nvPr>
+            <p:ph type="sldImg"/>
+          </p:nvPr>
+        </p:nvSpPr>
+        <p:spPr/>
+      </p:sp>
+      <p:sp>
+        <p:nvSpPr>
+          <p:cNvPr id="3" name="Notes Placeholder 2"/>
+          <p:cNvSpPr>
+            <a:spLocks noGrp="1"/>
+          </p:cNvSpPr>
+          <p:nvPr>
+            <p:ph type="body" idx="1"/>
+          </p:nvPr>
+        </p:nvSpPr>
+        <p:spPr/>
+        <p:txBody>
+          <a:bodyPr/>
+          <a:lstStyle/>
+          <a:p>
+            <a:endParaRPr lang="de-DE" dirty="0"/>
+          </a:p>
+        </p:txBody>
+      </p:sp>
+      <p:sp>
+        <p:nvSpPr>
+          <p:cNvPr id="4" name="Slide Number Placeholder 3"/>
+          <p:cNvSpPr>
+            <a:spLocks noGrp="1"/>
+          </p:cNvSpPr>
+          <p:nvPr>
+            <p:ph type="sldNum" sz="quarter" idx="5"/>
+          </p:nvPr>
+        </p:nvSpPr>
+        <p:spPr/>
+        <p:txBody>
+          <a:bodyPr/>
+          <a:lstStyle/>
+          <a:p>
+            <a:fld id="{3E420C60-E035-4773-AD7D-7085F445A2E6}" type="slidenum">
+              <a:rPr lang="en-US" smtClean="0"/>
+              <a:t>18</a:t>
+            </a:fld>
+            <a:endParaRPr lang="en-US"/>
+          </a:p>
+        </p:txBody>
+      </p:sp>
+    </p:spTree>
+    <p:extLst>
+      <p:ext uri="{BB962C8B-B14F-4D97-AF65-F5344CB8AC3E}">
+        <p14:creationId xmlns:p14="http://schemas.microsoft.com/office/powerpoint/2010/main" val="773287253"/>
+      </p:ext>
+    </p:extLst>
+  </p:cSld>
+  <p:clrMapOvr>
+    <a:masterClrMapping/>
+  </p:clrMapOvr>
+</p:notes>
+</file>
+
+<file path=ppt/notesSlides/notesSlide6.xml><?xml version="1.0" encoding="utf-8"?>
+<p:notes xmlns:a="http://schemas.openxmlformats.org/drawingml/2006/main" xmlns:r="http://schemas.openxmlformats.org/officeDocument/2006/relationships" xmlns:p="http://schemas.openxmlformats.org/presentationml/2006/main">
+  <p:cSld>
+    <p:spTree>
+      <p:nvGrpSpPr>
+        <p:cNvPr id="1" name=""/>
+        <p:cNvGrpSpPr/>
+        <p:nvPr/>
+      </p:nvGrpSpPr>
+      <p:grpSpPr>
+        <a:xfrm>
+          <a:off x="0" y="0"/>
+          <a:ext cx="0" cy="0"/>
+          <a:chOff x="0" y="0"/>
+          <a:chExt cx="0" cy="0"/>
+        </a:xfrm>
+      </p:grpSpPr>
+      <p:sp>
+        <p:nvSpPr>
+          <p:cNvPr id="2" name="Slide Image Placeholder 1"/>
+          <p:cNvSpPr>
+            <a:spLocks noGrp="1" noRot="1" noChangeAspect="1"/>
+          </p:cNvSpPr>
+          <p:nvPr>
+            <p:ph type="sldImg"/>
+          </p:nvPr>
+        </p:nvSpPr>
+        <p:spPr/>
+      </p:sp>
+      <p:sp>
+        <p:nvSpPr>
+          <p:cNvPr id="3" name="Notes Placeholder 2"/>
+          <p:cNvSpPr>
+            <a:spLocks noGrp="1"/>
+          </p:cNvSpPr>
+          <p:nvPr>
+            <p:ph type="body" idx="1"/>
+          </p:nvPr>
+        </p:nvSpPr>
+        <p:spPr/>
+        <p:txBody>
+          <a:bodyPr/>
+          <a:lstStyle/>
+          <a:p>
+            <a:endParaRPr lang="de-DE" dirty="0"/>
+          </a:p>
+        </p:txBody>
+      </p:sp>
+      <p:sp>
+        <p:nvSpPr>
+          <p:cNvPr id="4" name="Slide Number Placeholder 3"/>
+          <p:cNvSpPr>
+            <a:spLocks noGrp="1"/>
+          </p:cNvSpPr>
+          <p:nvPr>
+            <p:ph type="sldNum" sz="quarter" idx="5"/>
+          </p:nvPr>
+        </p:nvSpPr>
+        <p:spPr/>
+        <p:txBody>
+          <a:bodyPr/>
+          <a:lstStyle/>
+          <a:p>
+            <a:fld id="{3E420C60-E035-4773-AD7D-7085F445A2E6}" type="slidenum">
+              <a:rPr lang="en-US" smtClean="0"/>
+              <a:t>19</a:t>
+            </a:fld>
+            <a:endParaRPr lang="en-US"/>
+          </a:p>
+        </p:txBody>
+      </p:sp>
+    </p:spTree>
+    <p:extLst>
+      <p:ext uri="{BB962C8B-B14F-4D97-AF65-F5344CB8AC3E}">
+        <p14:creationId xmlns:p14="http://schemas.microsoft.com/office/powerpoint/2010/main" val="1042437007"/>
+      </p:ext>
+    </p:extLst>
+  </p:cSld>
+  <p:clrMapOvr>
+    <a:masterClrMapping/>
+  </p:clrMapOvr>
+</p:notes>
+</file>
+
+<file path=ppt/notesSlides/notesSlide7.xml><?xml version="1.0" encoding="utf-8"?>
+<p:notes xmlns:a="http://schemas.openxmlformats.org/drawingml/2006/main" xmlns:r="http://schemas.openxmlformats.org/officeDocument/2006/relationships" xmlns:p="http://schemas.openxmlformats.org/presentationml/2006/main">
+  <p:cSld>
+    <p:spTree>
+      <p:nvGrpSpPr>
+        <p:cNvPr id="1" name=""/>
+        <p:cNvGrpSpPr/>
+        <p:nvPr/>
+      </p:nvGrpSpPr>
+      <p:grpSpPr>
+        <a:xfrm>
+          <a:off x="0" y="0"/>
+          <a:ext cx="0" cy="0"/>
+          <a:chOff x="0" y="0"/>
+          <a:chExt cx="0" cy="0"/>
+        </a:xfrm>
+      </p:grpSpPr>
+      <p:sp>
+        <p:nvSpPr>
+          <p:cNvPr id="2" name="Slide Image Placeholder 1"/>
+          <p:cNvSpPr>
+            <a:spLocks noGrp="1" noRot="1" noChangeAspect="1"/>
+          </p:cNvSpPr>
+          <p:nvPr>
+            <p:ph type="sldImg"/>
+          </p:nvPr>
+        </p:nvSpPr>
+        <p:spPr/>
+      </p:sp>
+      <p:sp>
+        <p:nvSpPr>
+          <p:cNvPr id="3" name="Notes Placeholder 2"/>
+          <p:cNvSpPr>
+            <a:spLocks noGrp="1"/>
+          </p:cNvSpPr>
+          <p:nvPr>
+            <p:ph type="body" idx="1"/>
+          </p:nvPr>
+        </p:nvSpPr>
+        <p:spPr/>
+        <p:txBody>
+          <a:bodyPr/>
+          <a:lstStyle/>
+          <a:p>
+            <a:endParaRPr lang="de-DE" dirty="0"/>
+          </a:p>
+        </p:txBody>
+      </p:sp>
+      <p:sp>
+        <p:nvSpPr>
+          <p:cNvPr id="4" name="Slide Number Placeholder 3"/>
+          <p:cNvSpPr>
+            <a:spLocks noGrp="1"/>
+          </p:cNvSpPr>
+          <p:nvPr>
+            <p:ph type="sldNum" sz="quarter" idx="5"/>
+          </p:nvPr>
+        </p:nvSpPr>
+        <p:spPr/>
+        <p:txBody>
+          <a:bodyPr/>
+          <a:lstStyle/>
+          <a:p>
+            <a:fld id="{3E420C60-E035-4773-AD7D-7085F445A2E6}" type="slidenum">
+              <a:rPr lang="en-US" smtClean="0"/>
+              <a:t>20</a:t>
+            </a:fld>
+            <a:endParaRPr lang="en-US"/>
+          </a:p>
+        </p:txBody>
+      </p:sp>
+    </p:spTree>
+    <p:extLst>
+      <p:ext uri="{BB962C8B-B14F-4D97-AF65-F5344CB8AC3E}">
+        <p14:creationId xmlns:p14="http://schemas.microsoft.com/office/powerpoint/2010/main" val="2720359443"/>
+      </p:ext>
+    </p:extLst>
+  </p:cSld>
+  <p:clrMapOvr>
+    <a:masterClrMapping/>
+  </p:clrMapOvr>
+</p:notes>
+</file>
+
+<file path=ppt/notesSlides/notesSlide8.xml><?xml version="1.0" encoding="utf-8"?>
+<p:notes xmlns:a="http://schemas.openxmlformats.org/drawingml/2006/main" xmlns:r="http://schemas.openxmlformats.org/officeDocument/2006/relationships" xmlns:p="http://schemas.openxmlformats.org/presentationml/2006/main">
+  <p:cSld>
+    <p:spTree>
+      <p:nvGrpSpPr>
+        <p:cNvPr id="1" name=""/>
+        <p:cNvGrpSpPr/>
+        <p:nvPr/>
+      </p:nvGrpSpPr>
+      <p:grpSpPr>
+        <a:xfrm>
+          <a:off x="0" y="0"/>
+          <a:ext cx="0" cy="0"/>
+          <a:chOff x="0" y="0"/>
+          <a:chExt cx="0" cy="0"/>
+        </a:xfrm>
+      </p:grpSpPr>
+      <p:sp>
+        <p:nvSpPr>
+          <p:cNvPr id="2" name="Slide Image Placeholder 1"/>
+          <p:cNvSpPr>
+            <a:spLocks noGrp="1" noRot="1" noChangeAspect="1"/>
+          </p:cNvSpPr>
+          <p:nvPr>
+            <p:ph type="sldImg"/>
+          </p:nvPr>
+        </p:nvSpPr>
+        <p:spPr/>
+      </p:sp>
+      <p:sp>
+        <p:nvSpPr>
+          <p:cNvPr id="3" name="Notes Placeholder 2"/>
+          <p:cNvSpPr>
+            <a:spLocks noGrp="1"/>
+          </p:cNvSpPr>
+          <p:nvPr>
+            <p:ph type="body" idx="1"/>
+          </p:nvPr>
+        </p:nvSpPr>
+        <p:spPr/>
+        <p:txBody>
+          <a:bodyPr/>
+          <a:lstStyle/>
+          <a:p>
+            <a:endParaRPr lang="de-DE" dirty="0"/>
+          </a:p>
+        </p:txBody>
+      </p:sp>
+      <p:sp>
+        <p:nvSpPr>
+          <p:cNvPr id="4" name="Slide Number Placeholder 3"/>
+          <p:cNvSpPr>
+            <a:spLocks noGrp="1"/>
+          </p:cNvSpPr>
+          <p:nvPr>
+            <p:ph type="sldNum" sz="quarter" idx="5"/>
+          </p:nvPr>
+        </p:nvSpPr>
+        <p:spPr/>
+        <p:txBody>
+          <a:bodyPr/>
+          <a:lstStyle/>
+          <a:p>
+            <a:fld id="{3E420C60-E035-4773-AD7D-7085F445A2E6}" type="slidenum">
+              <a:rPr lang="en-US" smtClean="0"/>
+              <a:t>21</a:t>
+            </a:fld>
+            <a:endParaRPr lang="en-US"/>
+          </a:p>
+        </p:txBody>
+      </p:sp>
+    </p:spTree>
+    <p:extLst>
+      <p:ext uri="{BB962C8B-B14F-4D97-AF65-F5344CB8AC3E}">
+        <p14:creationId xmlns:p14="http://schemas.microsoft.com/office/powerpoint/2010/main" val="1514178860"/>
+      </p:ext>
+    </p:extLst>
+  </p:cSld>
+  <p:clrMapOvr>
+    <a:masterClrMapping/>
+  </p:clrMapOvr>
+</p:notes>
+</file>
+
+<file path=ppt/notesSlides/notesSlide9.xml><?xml version="1.0" encoding="utf-8"?>
+<p:notes xmlns:a="http://schemas.openxmlformats.org/drawingml/2006/main" xmlns:r="http://schemas.openxmlformats.org/officeDocument/2006/relationships" xmlns:p="http://schemas.openxmlformats.org/presentationml/2006/main">
+  <p:cSld>
+    <p:spTree>
+      <p:nvGrpSpPr>
+        <p:cNvPr id="1" name=""/>
+        <p:cNvGrpSpPr/>
+        <p:nvPr/>
+      </p:nvGrpSpPr>
+      <p:grpSpPr>
+        <a:xfrm>
+          <a:off x="0" y="0"/>
+          <a:ext cx="0" cy="0"/>
+          <a:chOff x="0" y="0"/>
+          <a:chExt cx="0" cy="0"/>
+        </a:xfrm>
+      </p:grpSpPr>
+      <p:sp>
+        <p:nvSpPr>
+          <p:cNvPr id="2" name="Slide Image Placeholder 1"/>
+          <p:cNvSpPr>
+            <a:spLocks noGrp="1" noRot="1" noChangeAspect="1"/>
+          </p:cNvSpPr>
+          <p:nvPr>
+            <p:ph type="sldImg"/>
+          </p:nvPr>
+        </p:nvSpPr>
+        <p:spPr/>
+      </p:sp>
+      <p:sp>
+        <p:nvSpPr>
+          <p:cNvPr id="3" name="Notes Placeholder 2"/>
+          <p:cNvSpPr>
+            <a:spLocks noGrp="1"/>
+          </p:cNvSpPr>
+          <p:nvPr>
+            <p:ph type="body" idx="1"/>
+          </p:nvPr>
+        </p:nvSpPr>
+        <p:spPr/>
+        <p:txBody>
+          <a:bodyPr/>
+          <a:lstStyle/>
+          <a:p>
+            <a:endParaRPr lang="de-DE" dirty="0"/>
+          </a:p>
+        </p:txBody>
+      </p:sp>
+      <p:sp>
+        <p:nvSpPr>
+          <p:cNvPr id="4" name="Slide Number Placeholder 3"/>
+          <p:cNvSpPr>
+            <a:spLocks noGrp="1"/>
+          </p:cNvSpPr>
+          <p:nvPr>
+            <p:ph type="sldNum" sz="quarter" idx="5"/>
+          </p:nvPr>
+        </p:nvSpPr>
+        <p:spPr/>
+        <p:txBody>
+          <a:bodyPr/>
+          <a:lstStyle/>
+          <a:p>
+            <a:fld id="{3E420C60-E035-4773-AD7D-7085F445A2E6}" type="slidenum">
+              <a:rPr lang="en-US" smtClean="0"/>
+              <a:t>22</a:t>
+            </a:fld>
+            <a:endParaRPr lang="en-US"/>
+          </a:p>
+        </p:txBody>
+      </p:sp>
+    </p:spTree>
+    <p:extLst>
+      <p:ext uri="{BB962C8B-B14F-4D97-AF65-F5344CB8AC3E}">
+        <p14:creationId xmlns:p14="http://schemas.microsoft.com/office/powerpoint/2010/main" val="1065922966"/>
+      </p:ext>
+    </p:extLst>
+  </p:cSld>
+  <p:clrMapOvr>
+    <a:masterClrMapping/>
+  </p:clrMapOvr>
+</p:notes>
+</file>
+
 <file path=ppt/slideLayouts/slideLayout1.xml><?xml version="1.0" encoding="utf-8"?>
 <p:sldLayout xmlns:a="http://schemas.openxmlformats.org/drawingml/2006/main" xmlns:r="http://schemas.openxmlformats.org/officeDocument/2006/relationships" xmlns:p="http://schemas.openxmlformats.org/presentationml/2006/main" type="title" preserve="1">
   <p:cSld name="Title Slide">
@@ -669,7 +1443,7 @@
           <a:p>
             <a:fld id="{F7328158-037F-4465-8A80-A8C2AF0C271C}" type="datetime1">
               <a:rPr lang="en-US" smtClean="0"/>
-              <a:t>2/17/2022</a:t>
+              <a:t>2/24/2022</a:t>
             </a:fld>
             <a:endParaRPr lang="en-US"/>
           </a:p>
@@ -870,7 +1644,7 @@
           <a:p>
             <a:fld id="{9518138F-43A4-49E3-8252-F284EF9DE12D}" type="datetime1">
               <a:rPr lang="en-US" smtClean="0"/>
-              <a:t>2/17/2022</a:t>
+              <a:t>2/24/2022</a:t>
             </a:fld>
             <a:endParaRPr lang="en-US"/>
           </a:p>
@@ -1081,7 +1855,7 @@
           <a:p>
             <a:fld id="{1DC4BDB0-1296-49E3-937B-F30ACA7B4F94}" type="datetime1">
               <a:rPr lang="en-US" smtClean="0"/>
-              <a:t>2/17/2022</a:t>
+              <a:t>2/24/2022</a:t>
             </a:fld>
             <a:endParaRPr lang="en-US"/>
           </a:p>
@@ -1282,7 +2056,7 @@
           <a:p>
             <a:fld id="{A5F007CA-CC09-4561-9FCD-CE44B6E86F3A}" type="datetime1">
               <a:rPr lang="en-US" smtClean="0"/>
-              <a:t>2/17/2022</a:t>
+              <a:t>2/24/2022</a:t>
             </a:fld>
             <a:endParaRPr lang="en-US"/>
           </a:p>
@@ -1560,7 +2334,7 @@
           <a:p>
             <a:fld id="{0603AB62-8B17-445D-8D8A-88DB0F758454}" type="datetime1">
               <a:rPr lang="en-US" smtClean="0"/>
-              <a:t>2/17/2022</a:t>
+              <a:t>2/24/2022</a:t>
             </a:fld>
             <a:endParaRPr lang="en-US"/>
           </a:p>
@@ -1828,7 +2602,7 @@
           <a:p>
             <a:fld id="{514E4CBC-5783-4B54-9449-B92165E29C12}" type="datetime1">
               <a:rPr lang="en-US" smtClean="0"/>
-              <a:t>2/17/2022</a:t>
+              <a:t>2/24/2022</a:t>
             </a:fld>
             <a:endParaRPr lang="en-US"/>
           </a:p>
@@ -2243,7 +3017,7 @@
           <a:p>
             <a:fld id="{E3C588DA-3F3F-4291-8B86-205F2DEEAC6B}" type="datetime1">
               <a:rPr lang="en-US" smtClean="0"/>
-              <a:t>2/17/2022</a:t>
+              <a:t>2/24/2022</a:t>
             </a:fld>
             <a:endParaRPr lang="en-US"/>
           </a:p>
@@ -2387,7 +3161,7 @@
           <a:p>
             <a:fld id="{28A6A5B9-F89B-4BF7-9C1C-7FE4F1BCEA80}" type="datetime1">
               <a:rPr lang="en-US" smtClean="0"/>
-              <a:t>2/17/2022</a:t>
+              <a:t>2/24/2022</a:t>
             </a:fld>
             <a:endParaRPr lang="en-US"/>
           </a:p>
@@ -2503,7 +3277,7 @@
           <a:p>
             <a:fld id="{FC869165-E4FA-4AC3-B6F6-7C413C044D79}" type="datetime1">
               <a:rPr lang="en-US" smtClean="0"/>
-              <a:t>2/17/2022</a:t>
+              <a:t>2/24/2022</a:t>
             </a:fld>
             <a:endParaRPr lang="en-US"/>
           </a:p>
@@ -2817,7 +3591,7 @@
           <a:p>
             <a:fld id="{3427BDA5-E805-4E0B-A261-2FD59BA83138}" type="datetime1">
               <a:rPr lang="en-US" smtClean="0"/>
-              <a:t>2/17/2022</a:t>
+              <a:t>2/24/2022</a:t>
             </a:fld>
             <a:endParaRPr lang="en-US"/>
           </a:p>
@@ -3108,7 +3882,7 @@
           <a:p>
             <a:fld id="{8CD524D6-07C3-47FF-8FC9-4C2AA83B6E8E}" type="datetime1">
               <a:rPr lang="en-US" smtClean="0"/>
-              <a:t>2/17/2022</a:t>
+              <a:t>2/24/2022</a:t>
             </a:fld>
             <a:endParaRPr lang="en-US"/>
           </a:p>
@@ -3352,7 +4126,7 @@
           <a:p>
             <a:fld id="{1234730C-C1B4-4608-B736-62BAB97E72A7}" type="datetime1">
               <a:rPr lang="en-US" smtClean="0"/>
-              <a:t>2/17/2022</a:t>
+              <a:t>2/24/2022</a:t>
             </a:fld>
             <a:endParaRPr lang="en-US"/>
           </a:p>
@@ -3860,7 +4634,7 @@
           <a:p>
             <a:fld id="{18AE8D79-7253-4666-AE66-9FB202CBB517}" type="datetime1">
               <a:rPr lang="en-US" smtClean="0"/>
-              <a:t>2/17/2022</a:t>
+              <a:t>2/24/2022</a:t>
             </a:fld>
             <a:endParaRPr lang="en-US"/>
           </a:p>
@@ -3947,7 +4721,7 @@
           <a:p>
             <a:fld id="{FC869165-E4FA-4AC3-B6F6-7C413C044D79}" type="datetime1">
               <a:rPr lang="en-US" smtClean="0"/>
-              <a:t>2/17/2022</a:t>
+              <a:t>2/24/2022</a:t>
             </a:fld>
             <a:endParaRPr lang="en-US"/>
           </a:p>
@@ -4278,7 +5052,7 @@
           <a:p>
             <a:fld id="{FC869165-E4FA-4AC3-B6F6-7C413C044D79}" type="datetime1">
               <a:rPr lang="en-US" smtClean="0"/>
-              <a:t>2/17/2022</a:t>
+              <a:t>2/24/2022</a:t>
             </a:fld>
             <a:endParaRPr lang="en-US"/>
           </a:p>
@@ -4995,7 +5769,7 @@
           <a:p>
             <a:fld id="{FC869165-E4FA-4AC3-B6F6-7C413C044D79}" type="datetime1">
               <a:rPr lang="en-US" smtClean="0"/>
-              <a:t>2/17/2022</a:t>
+              <a:t>2/24/2022</a:t>
             </a:fld>
             <a:endParaRPr lang="en-US"/>
           </a:p>
@@ -5343,7 +6117,7 @@
           <a:p>
             <a:fld id="{A5F007CA-CC09-4561-9FCD-CE44B6E86F3A}" type="datetime1">
               <a:rPr lang="en-US" smtClean="0"/>
-              <a:t>2/17/2022</a:t>
+              <a:t>2/24/2022</a:t>
             </a:fld>
             <a:endParaRPr lang="en-US"/>
           </a:p>
@@ -5462,7 +6236,7 @@
           <a:p>
             <a:r>
               <a:rPr lang="de-DE" dirty="0"/>
-              <a:t>Stand: 17.02.22</a:t>
+              <a:t>Stand: 24.02.22</a:t>
             </a:r>
             <a:endParaRPr lang="en-US" dirty="0"/>
           </a:p>
@@ -5482,8 +6256,8 @@
         </p:nvSpPr>
         <p:spPr>
           <a:xfrm>
-            <a:off x="538480" y="1564640"/>
-            <a:ext cx="7498080" cy="1754326"/>
+            <a:off x="76200" y="825166"/>
+            <a:ext cx="4546600" cy="1754326"/>
           </a:xfrm>
           <a:prstGeom prst="rect">
             <a:avLst/>
@@ -5497,7 +6271,7 @@
           <a:lstStyle/>
           <a:p>
             <a:r>
-              <a:rPr lang="de-DE" dirty="0"/>
+              <a:rPr lang="de-DE" u="sng" dirty="0"/>
               <a:t>Possible Problems:</a:t>
             </a:r>
           </a:p>
@@ -5531,18 +6305,183 @@
               <a:t>Additions of columns in WormExp_info (are they shown to the scientist?)</a:t>
             </a:r>
           </a:p>
+        </p:txBody>
+      </p:sp>
+      <p:sp>
+        <p:nvSpPr>
+          <p:cNvPr id="8" name="TextBox 7">
+            <a:extLst>
+              <a:ext uri="{FF2B5EF4-FFF2-40B4-BE49-F238E27FC236}">
+                <a16:creationId xmlns:a16="http://schemas.microsoft.com/office/drawing/2014/main" id="{AACD1857-E0F3-4F41-8D8E-2AA8AC1DFBCA}"/>
+              </a:ext>
+            </a:extLst>
+          </p:cNvPr>
+          <p:cNvSpPr txBox="1"/>
+          <p:nvPr/>
+        </p:nvSpPr>
+        <p:spPr>
+          <a:xfrm>
+            <a:off x="76200" y="2716563"/>
+            <a:ext cx="4546600" cy="3693319"/>
+          </a:xfrm>
+          <a:prstGeom prst="rect">
+            <a:avLst/>
+          </a:prstGeom>
+          <a:noFill/>
+        </p:spPr>
+        <p:txBody>
+          <a:bodyPr wrap="square" rtlCol="0">
+            <a:spAutoFit/>
+          </a:bodyPr>
+          <a:lstStyle/>
+          <a:p>
+            <a:r>
+              <a:rPr lang="de-DE" u="sng" dirty="0"/>
+              <a:t>Creation of Test:</a:t>
+            </a:r>
+          </a:p>
           <a:p>
             <a:pPr marL="285750" indent="-285750">
               <a:buFontTx/>
               <a:buChar char="-"/>
             </a:pPr>
-            <a:endParaRPr lang="de-DE" dirty="0"/>
+            <a:r>
+              <a:rPr lang="de-DE" dirty="0"/>
+              <a:t>Repeat of „real“ experiment to confirm functionality</a:t>
+            </a:r>
           </a:p>
           <a:p>
             <a:pPr marL="285750" indent="-285750">
               <a:buFontTx/>
               <a:buChar char="-"/>
             </a:pPr>
+            <a:r>
+              <a:rPr lang="de-DE" dirty="0"/>
+              <a:t>Create test sets to test old and fused database separately</a:t>
+            </a:r>
+          </a:p>
+          <a:p>
+            <a:pPr marL="742950" lvl="1" indent="-285750">
+              <a:buFontTx/>
+              <a:buChar char="-"/>
+            </a:pPr>
+            <a:r>
+              <a:rPr lang="de-DE" dirty="0"/>
+              <a:t>Check if upload works correctly</a:t>
+            </a:r>
+          </a:p>
+          <a:p>
+            <a:pPr marL="285750" indent="-285750">
+              <a:buFontTx/>
+              <a:buChar char="-"/>
+            </a:pPr>
+            <a:r>
+              <a:rPr lang="de-DE" dirty="0"/>
+              <a:t>Make enrichment analysis on each category</a:t>
+            </a:r>
+          </a:p>
+          <a:p>
+            <a:pPr marL="742950" lvl="1" indent="-285750">
+              <a:buFontTx/>
+              <a:buChar char="-"/>
+            </a:pPr>
+            <a:r>
+              <a:rPr lang="de-DE" dirty="0"/>
+              <a:t>Take data sets that are in the database </a:t>
+            </a:r>
+          </a:p>
+          <a:p>
+            <a:pPr marL="742950" lvl="1" indent="-285750">
+              <a:buFontTx/>
+              <a:buChar char="-"/>
+            </a:pPr>
+            <a:r>
+              <a:rPr lang="de-DE" dirty="0"/>
+              <a:t>This way, the program should show those data sets first and show FDR and p-values if 0.0</a:t>
+            </a:r>
+          </a:p>
+          <a:p>
+            <a:pPr marL="742950" lvl="1" indent="-285750">
+              <a:buFontTx/>
+              <a:buChar char="-"/>
+            </a:pPr>
+            <a:r>
+              <a:rPr lang="de-DE" dirty="0"/>
+              <a:t>For fused database the program should find both data sets</a:t>
+            </a:r>
+          </a:p>
+        </p:txBody>
+      </p:sp>
+      <p:pic>
+        <p:nvPicPr>
+          <p:cNvPr id="9" name="Picture 8">
+            <a:extLst>
+              <a:ext uri="{FF2B5EF4-FFF2-40B4-BE49-F238E27FC236}">
+                <a16:creationId xmlns:a16="http://schemas.microsoft.com/office/drawing/2014/main" id="{9C3A0EFD-0484-458F-85BA-93499B40995F}"/>
+              </a:ext>
+            </a:extLst>
+          </p:cNvPr>
+          <p:cNvPicPr>
+            <a:picLocks noChangeAspect="1"/>
+          </p:cNvPicPr>
+          <p:nvPr/>
+        </p:nvPicPr>
+        <p:blipFill>
+          <a:blip r:embed="rId2"/>
+          <a:stretch>
+            <a:fillRect/>
+          </a:stretch>
+        </p:blipFill>
+        <p:spPr>
+          <a:xfrm>
+            <a:off x="5220901" y="516648"/>
+            <a:ext cx="6608545" cy="5666390"/>
+          </a:xfrm>
+          <a:prstGeom prst="rect">
+            <a:avLst/>
+          </a:prstGeom>
+        </p:spPr>
+      </p:pic>
+      <p:sp>
+        <p:nvSpPr>
+          <p:cNvPr id="10" name="TextBox 9">
+            <a:extLst>
+              <a:ext uri="{FF2B5EF4-FFF2-40B4-BE49-F238E27FC236}">
+                <a16:creationId xmlns:a16="http://schemas.microsoft.com/office/drawing/2014/main" id="{D6931E4A-FCF3-4B42-B36E-F1D1B3375817}"/>
+              </a:ext>
+            </a:extLst>
+          </p:cNvPr>
+          <p:cNvSpPr txBox="1"/>
+          <p:nvPr/>
+        </p:nvSpPr>
+        <p:spPr>
+          <a:xfrm>
+            <a:off x="5229725" y="64857"/>
+            <a:ext cx="5919537" cy="369332"/>
+          </a:xfrm>
+          <a:prstGeom prst="rect">
+            <a:avLst/>
+          </a:prstGeom>
+          <a:noFill/>
+        </p:spPr>
+        <p:txBody>
+          <a:bodyPr wrap="square" rtlCol="0">
+            <a:spAutoFit/>
+          </a:bodyPr>
+          <a:lstStyle/>
+          <a:p>
+            <a:r>
+              <a:rPr lang="de-DE" u="sng" dirty="0"/>
+              <a:t>Curated test sets</a:t>
+            </a:r>
+            <a:r>
+              <a:rPr lang="de-DE" dirty="0"/>
+              <a:t>: 	</a:t>
+            </a:r>
+            <a:r>
+              <a:rPr lang="de-DE" i="1" dirty="0"/>
+              <a:t>for v2.0 they are fused with v1.0</a:t>
+            </a:r>
             <a:endParaRPr lang="de-DE" dirty="0"/>
           </a:p>
         </p:txBody>
@@ -5579,10 +6518,10 @@
       </p:grpSpPr>
       <p:sp>
         <p:nvSpPr>
-          <p:cNvPr id="2" name="Date Placeholder 1">
-            <a:extLst>
-              <a:ext uri="{FF2B5EF4-FFF2-40B4-BE49-F238E27FC236}">
-                <a16:creationId xmlns:a16="http://schemas.microsoft.com/office/drawing/2014/main" id="{9505F123-4FCE-47F8-B736-6C88E5649988}"/>
+          <p:cNvPr id="4" name="Date Placeholder 3">
+            <a:extLst>
+              <a:ext uri="{FF2B5EF4-FFF2-40B4-BE49-F238E27FC236}">
+                <a16:creationId xmlns:a16="http://schemas.microsoft.com/office/drawing/2014/main" id="{ED95C6E8-8C30-43B2-B19D-3E320E8A5CA0}"/>
               </a:ext>
             </a:extLst>
           </p:cNvPr>
@@ -5598,9 +6537,4828 @@
           <a:bodyPr/>
           <a:lstStyle/>
           <a:p>
+            <a:fld id="{A5F007CA-CC09-4561-9FCD-CE44B6E86F3A}" type="datetime1">
+              <a:rPr lang="en-US" smtClean="0"/>
+              <a:t>2/24/2022</a:t>
+            </a:fld>
+            <a:endParaRPr lang="en-US"/>
+          </a:p>
+        </p:txBody>
+      </p:sp>
+      <p:sp>
+        <p:nvSpPr>
+          <p:cNvPr id="5" name="Footer Placeholder 4">
+            <a:extLst>
+              <a:ext uri="{FF2B5EF4-FFF2-40B4-BE49-F238E27FC236}">
+                <a16:creationId xmlns:a16="http://schemas.microsoft.com/office/drawing/2014/main" id="{DB3088C3-5410-4C9D-AE09-23F1A3CCFD10}"/>
+              </a:ext>
+            </a:extLst>
+          </p:cNvPr>
+          <p:cNvSpPr>
+            <a:spLocks noGrp="1"/>
+          </p:cNvSpPr>
+          <p:nvPr>
+            <p:ph type="ftr" sz="quarter" idx="11"/>
+          </p:nvPr>
+        </p:nvSpPr>
+        <p:spPr/>
+        <p:txBody>
+          <a:bodyPr/>
+          <a:lstStyle/>
+          <a:p>
+            <a:r>
+              <a:rPr lang="en-US"/>
+              <a:t>jennifer.neumaier@t-online.de</a:t>
+            </a:r>
+          </a:p>
+        </p:txBody>
+      </p:sp>
+      <p:sp>
+        <p:nvSpPr>
+          <p:cNvPr id="6" name="Title 123">
+            <a:extLst>
+              <a:ext uri="{FF2B5EF4-FFF2-40B4-BE49-F238E27FC236}">
+                <a16:creationId xmlns:a16="http://schemas.microsoft.com/office/drawing/2014/main" id="{D03DD4DA-597C-467F-AE5A-F15621FABFF5}"/>
+              </a:ext>
+            </a:extLst>
+          </p:cNvPr>
+          <p:cNvSpPr txBox="1">
+            <a:spLocks/>
+          </p:cNvSpPr>
+          <p:nvPr/>
+        </p:nvSpPr>
+        <p:spPr>
+          <a:xfrm>
+            <a:off x="0" y="96941"/>
+            <a:ext cx="4038600" cy="526312"/>
+          </a:xfrm>
+          <a:prstGeom prst="rect">
+            <a:avLst/>
+          </a:prstGeom>
+        </p:spPr>
+        <p:txBody>
+          <a:bodyPr>
+            <a:normAutofit fontScale="90000" lnSpcReduction="10000"/>
+          </a:bodyPr>
+          <a:lstStyle>
+            <a:lvl1pPr algn="l" defTabSz="914400" rtl="0" eaLnBrk="1" latinLnBrk="0" hangingPunct="1">
+              <a:lnSpc>
+                <a:spcPct val="90000"/>
+              </a:lnSpc>
+              <a:spcBef>
+                <a:spcPct val="0"/>
+              </a:spcBef>
+              <a:buNone/>
+              <a:defRPr sz="4400" kern="1200">
+                <a:solidFill>
+                  <a:schemeClr val="tx1"/>
+                </a:solidFill>
+                <a:latin typeface="+mj-lt"/>
+                <a:ea typeface="+mj-ea"/>
+                <a:cs typeface="+mj-cs"/>
+              </a:defRPr>
+            </a:lvl1pPr>
+          </a:lstStyle>
+          <a:p>
+            <a:r>
+              <a:rPr lang="de-DE" sz="3600" b="1" dirty="0"/>
+              <a:t>Pilot Study/Test Run</a:t>
+            </a:r>
+            <a:endParaRPr lang="en-US" sz="3600" b="1" dirty="0"/>
+          </a:p>
+        </p:txBody>
+      </p:sp>
+      <p:sp>
+        <p:nvSpPr>
+          <p:cNvPr id="7" name="TextBox 6">
+            <a:extLst>
+              <a:ext uri="{FF2B5EF4-FFF2-40B4-BE49-F238E27FC236}">
+                <a16:creationId xmlns:a16="http://schemas.microsoft.com/office/drawing/2014/main" id="{06A5ABB4-CE06-4A47-986F-1D45A086F8E0}"/>
+              </a:ext>
+            </a:extLst>
+          </p:cNvPr>
+          <p:cNvSpPr txBox="1"/>
+          <p:nvPr/>
+        </p:nvSpPr>
+        <p:spPr>
+          <a:xfrm>
+            <a:off x="76200" y="494046"/>
+            <a:ext cx="2384981" cy="369332"/>
+          </a:xfrm>
+          <a:prstGeom prst="rect">
+            <a:avLst/>
+          </a:prstGeom>
+          <a:noFill/>
+        </p:spPr>
+        <p:txBody>
+          <a:bodyPr wrap="square" rtlCol="0">
+            <a:spAutoFit/>
+          </a:bodyPr>
+          <a:lstStyle/>
+          <a:p>
+            <a:r>
+              <a:rPr lang="de-DE" dirty="0"/>
+              <a:t>Stand: 24.02.22</a:t>
+            </a:r>
+            <a:endParaRPr lang="en-US" dirty="0"/>
+          </a:p>
+        </p:txBody>
+      </p:sp>
+      <p:pic>
+        <p:nvPicPr>
+          <p:cNvPr id="11" name="Picture 10" descr="Graphical user interface, text, application, table&#10;&#10;Description automatically generated">
+            <a:extLst>
+              <a:ext uri="{FF2B5EF4-FFF2-40B4-BE49-F238E27FC236}">
+                <a16:creationId xmlns:a16="http://schemas.microsoft.com/office/drawing/2014/main" id="{14032514-741D-4970-AACD-ACA6F1E89242}"/>
+              </a:ext>
+            </a:extLst>
+          </p:cNvPr>
+          <p:cNvPicPr/>
+          <p:nvPr/>
+        </p:nvPicPr>
+        <p:blipFill>
+          <a:blip r:embed="rId3"/>
+          <a:stretch>
+            <a:fillRect/>
+          </a:stretch>
+        </p:blipFill>
+        <p:spPr>
+          <a:xfrm>
+            <a:off x="2179763" y="1194751"/>
+            <a:ext cx="4038599" cy="4830226"/>
+          </a:xfrm>
+          <a:prstGeom prst="rect">
+            <a:avLst/>
+          </a:prstGeom>
+          <a:noFill/>
+          <a:ln>
+            <a:noFill/>
+            <a:prstDash/>
+          </a:ln>
+        </p:spPr>
+      </p:pic>
+      <p:sp>
+        <p:nvSpPr>
+          <p:cNvPr id="12" name="TextBox 11">
+            <a:extLst>
+              <a:ext uri="{FF2B5EF4-FFF2-40B4-BE49-F238E27FC236}">
+                <a16:creationId xmlns:a16="http://schemas.microsoft.com/office/drawing/2014/main" id="{A0B26888-B150-4A82-8CC3-997B020D6E9B}"/>
+              </a:ext>
+            </a:extLst>
+          </p:cNvPr>
+          <p:cNvSpPr txBox="1"/>
+          <p:nvPr/>
+        </p:nvSpPr>
+        <p:spPr>
+          <a:xfrm>
+            <a:off x="3529833" y="733086"/>
+            <a:ext cx="2384981" cy="461665"/>
+          </a:xfrm>
+          <a:prstGeom prst="rect">
+            <a:avLst/>
+          </a:prstGeom>
+          <a:noFill/>
+        </p:spPr>
+        <p:txBody>
+          <a:bodyPr wrap="square" rtlCol="0">
+            <a:spAutoFit/>
+          </a:bodyPr>
+          <a:lstStyle/>
+          <a:p>
+            <a:r>
+              <a:rPr lang="de-DE" sz="2400" u="sng" dirty="0"/>
+              <a:t>V1.0</a:t>
+            </a:r>
+            <a:endParaRPr lang="de-DE" sz="2400" dirty="0"/>
+          </a:p>
+        </p:txBody>
+      </p:sp>
+      <p:sp>
+        <p:nvSpPr>
+          <p:cNvPr id="13" name="TextBox 12">
+            <a:extLst>
+              <a:ext uri="{FF2B5EF4-FFF2-40B4-BE49-F238E27FC236}">
+                <a16:creationId xmlns:a16="http://schemas.microsoft.com/office/drawing/2014/main" id="{72CF06CB-7761-4847-93BC-44E117F0CCFB}"/>
+              </a:ext>
+            </a:extLst>
+          </p:cNvPr>
+          <p:cNvSpPr txBox="1"/>
+          <p:nvPr/>
+        </p:nvSpPr>
+        <p:spPr>
+          <a:xfrm>
+            <a:off x="8783053" y="768211"/>
+            <a:ext cx="2384981" cy="461665"/>
+          </a:xfrm>
+          <a:prstGeom prst="rect">
+            <a:avLst/>
+          </a:prstGeom>
+          <a:noFill/>
+        </p:spPr>
+        <p:txBody>
+          <a:bodyPr wrap="square" rtlCol="0">
+            <a:spAutoFit/>
+          </a:bodyPr>
+          <a:lstStyle/>
+          <a:p>
+            <a:r>
+              <a:rPr lang="de-DE" sz="2400" u="sng" dirty="0"/>
+              <a:t>V2.0</a:t>
+            </a:r>
+            <a:endParaRPr lang="de-DE" sz="2400" dirty="0"/>
+          </a:p>
+        </p:txBody>
+      </p:sp>
+      <p:pic>
+        <p:nvPicPr>
+          <p:cNvPr id="14" name="Picture 13" descr="Graphical user interface, table&#10;&#10;Description automatically generated with medium confidence">
+            <a:extLst>
+              <a:ext uri="{FF2B5EF4-FFF2-40B4-BE49-F238E27FC236}">
+                <a16:creationId xmlns:a16="http://schemas.microsoft.com/office/drawing/2014/main" id="{837FC880-CFAD-47D3-8051-E7A67D9DFC2A}"/>
+              </a:ext>
+            </a:extLst>
+          </p:cNvPr>
+          <p:cNvPicPr/>
+          <p:nvPr/>
+        </p:nvPicPr>
+        <p:blipFill>
+          <a:blip r:embed="rId4"/>
+          <a:stretch>
+            <a:fillRect/>
+          </a:stretch>
+        </p:blipFill>
+        <p:spPr>
+          <a:xfrm>
+            <a:off x="7287014" y="1170658"/>
+            <a:ext cx="3881020" cy="4649944"/>
+          </a:xfrm>
+          <a:prstGeom prst="rect">
+            <a:avLst/>
+          </a:prstGeom>
+          <a:noFill/>
+          <a:ln>
+            <a:noFill/>
+            <a:prstDash/>
+          </a:ln>
+        </p:spPr>
+      </p:pic>
+      <p:sp>
+        <p:nvSpPr>
+          <p:cNvPr id="15" name="TextBox 14">
+            <a:extLst>
+              <a:ext uri="{FF2B5EF4-FFF2-40B4-BE49-F238E27FC236}">
+                <a16:creationId xmlns:a16="http://schemas.microsoft.com/office/drawing/2014/main" id="{EE6A8643-783A-47E0-BDD5-F9A49BDCC717}"/>
+              </a:ext>
+            </a:extLst>
+          </p:cNvPr>
+          <p:cNvSpPr txBox="1"/>
+          <p:nvPr/>
+        </p:nvSpPr>
+        <p:spPr>
+          <a:xfrm>
+            <a:off x="4277852" y="5858956"/>
+            <a:ext cx="4949672" cy="461665"/>
+          </a:xfrm>
+          <a:prstGeom prst="rect">
+            <a:avLst/>
+          </a:prstGeom>
+          <a:noFill/>
+        </p:spPr>
+        <p:txBody>
+          <a:bodyPr wrap="square" rtlCol="0">
+            <a:spAutoFit/>
+          </a:bodyPr>
+          <a:lstStyle/>
+          <a:p>
+            <a:r>
+              <a:rPr lang="de-DE" sz="2400" dirty="0"/>
+              <a:t>#number only shows unique gene sets</a:t>
+            </a:r>
+          </a:p>
+        </p:txBody>
+      </p:sp>
+      <p:sp>
+        <p:nvSpPr>
+          <p:cNvPr id="16" name="TextBox 15">
+            <a:extLst>
+              <a:ext uri="{FF2B5EF4-FFF2-40B4-BE49-F238E27FC236}">
+                <a16:creationId xmlns:a16="http://schemas.microsoft.com/office/drawing/2014/main" id="{F300E7D0-15EE-46D4-A308-D2CCBD26C124}"/>
+              </a:ext>
+            </a:extLst>
+          </p:cNvPr>
+          <p:cNvSpPr txBox="1"/>
+          <p:nvPr/>
+        </p:nvSpPr>
+        <p:spPr>
+          <a:xfrm>
+            <a:off x="298710" y="3069830"/>
+            <a:ext cx="1939960" cy="1967391"/>
+          </a:xfrm>
+          <a:prstGeom prst="rect">
+            <a:avLst/>
+          </a:prstGeom>
+          <a:noFill/>
+        </p:spPr>
+        <p:txBody>
+          <a:bodyPr wrap="square" rtlCol="0">
+            <a:spAutoFit/>
+          </a:bodyPr>
+          <a:lstStyle/>
+          <a:p>
+            <a:r>
+              <a:rPr lang="de-DE" sz="2400" dirty="0"/>
+              <a:t>Categories w/o updates:</a:t>
+            </a:r>
+          </a:p>
+          <a:p>
+            <a:r>
+              <a:rPr lang="de-DE" sz="2400" dirty="0"/>
+              <a:t>Other and Kim Mountains</a:t>
+            </a:r>
+          </a:p>
+        </p:txBody>
+      </p:sp>
+    </p:spTree>
+    <p:extLst>
+      <p:ext uri="{BB962C8B-B14F-4D97-AF65-F5344CB8AC3E}">
+        <p14:creationId xmlns:p14="http://schemas.microsoft.com/office/powerpoint/2010/main" val="3983816817"/>
+      </p:ext>
+    </p:extLst>
+  </p:cSld>
+  <p:clrMapOvr>
+    <a:masterClrMapping/>
+  </p:clrMapOvr>
+</p:sld>
+</file>
+
+<file path=ppt/slides/slide15.xml><?xml version="1.0" encoding="utf-8"?>
+<p:sld xmlns:a="http://schemas.openxmlformats.org/drawingml/2006/main" xmlns:r="http://schemas.openxmlformats.org/officeDocument/2006/relationships" xmlns:p="http://schemas.openxmlformats.org/presentationml/2006/main">
+  <p:cSld>
+    <p:spTree>
+      <p:nvGrpSpPr>
+        <p:cNvPr id="1" name=""/>
+        <p:cNvGrpSpPr/>
+        <p:nvPr/>
+      </p:nvGrpSpPr>
+      <p:grpSpPr>
+        <a:xfrm>
+          <a:off x="0" y="0"/>
+          <a:ext cx="0" cy="0"/>
+          <a:chOff x="0" y="0"/>
+          <a:chExt cx="0" cy="0"/>
+        </a:xfrm>
+      </p:grpSpPr>
+      <p:sp>
+        <p:nvSpPr>
+          <p:cNvPr id="4" name="Date Placeholder 3">
+            <a:extLst>
+              <a:ext uri="{FF2B5EF4-FFF2-40B4-BE49-F238E27FC236}">
+                <a16:creationId xmlns:a16="http://schemas.microsoft.com/office/drawing/2014/main" id="{ED95C6E8-8C30-43B2-B19D-3E320E8A5CA0}"/>
+              </a:ext>
+            </a:extLst>
+          </p:cNvPr>
+          <p:cNvSpPr>
+            <a:spLocks noGrp="1"/>
+          </p:cNvSpPr>
+          <p:nvPr>
+            <p:ph type="dt" sz="half" idx="10"/>
+          </p:nvPr>
+        </p:nvSpPr>
+        <p:spPr/>
+        <p:txBody>
+          <a:bodyPr/>
+          <a:lstStyle/>
+          <a:p>
+            <a:fld id="{A5F007CA-CC09-4561-9FCD-CE44B6E86F3A}" type="datetime1">
+              <a:rPr lang="en-US" smtClean="0"/>
+              <a:t>2/24/2022</a:t>
+            </a:fld>
+            <a:endParaRPr lang="en-US"/>
+          </a:p>
+        </p:txBody>
+      </p:sp>
+      <p:sp>
+        <p:nvSpPr>
+          <p:cNvPr id="5" name="Footer Placeholder 4">
+            <a:extLst>
+              <a:ext uri="{FF2B5EF4-FFF2-40B4-BE49-F238E27FC236}">
+                <a16:creationId xmlns:a16="http://schemas.microsoft.com/office/drawing/2014/main" id="{DB3088C3-5410-4C9D-AE09-23F1A3CCFD10}"/>
+              </a:ext>
+            </a:extLst>
+          </p:cNvPr>
+          <p:cNvSpPr>
+            <a:spLocks noGrp="1"/>
+          </p:cNvSpPr>
+          <p:nvPr>
+            <p:ph type="ftr" sz="quarter" idx="11"/>
+          </p:nvPr>
+        </p:nvSpPr>
+        <p:spPr/>
+        <p:txBody>
+          <a:bodyPr/>
+          <a:lstStyle/>
+          <a:p>
+            <a:r>
+              <a:rPr lang="en-US"/>
+              <a:t>jennifer.neumaier@t-online.de</a:t>
+            </a:r>
+          </a:p>
+        </p:txBody>
+      </p:sp>
+      <p:sp>
+        <p:nvSpPr>
+          <p:cNvPr id="6" name="Title 123">
+            <a:extLst>
+              <a:ext uri="{FF2B5EF4-FFF2-40B4-BE49-F238E27FC236}">
+                <a16:creationId xmlns:a16="http://schemas.microsoft.com/office/drawing/2014/main" id="{D03DD4DA-597C-467F-AE5A-F15621FABFF5}"/>
+              </a:ext>
+            </a:extLst>
+          </p:cNvPr>
+          <p:cNvSpPr txBox="1">
+            <a:spLocks/>
+          </p:cNvSpPr>
+          <p:nvPr/>
+        </p:nvSpPr>
+        <p:spPr>
+          <a:xfrm>
+            <a:off x="0" y="96941"/>
+            <a:ext cx="4038600" cy="526312"/>
+          </a:xfrm>
+          <a:prstGeom prst="rect">
+            <a:avLst/>
+          </a:prstGeom>
+        </p:spPr>
+        <p:txBody>
+          <a:bodyPr>
+            <a:normAutofit fontScale="90000" lnSpcReduction="10000"/>
+          </a:bodyPr>
+          <a:lstStyle>
+            <a:lvl1pPr algn="l" defTabSz="914400" rtl="0" eaLnBrk="1" latinLnBrk="0" hangingPunct="1">
+              <a:lnSpc>
+                <a:spcPct val="90000"/>
+              </a:lnSpc>
+              <a:spcBef>
+                <a:spcPct val="0"/>
+              </a:spcBef>
+              <a:buNone/>
+              <a:defRPr sz="4400" kern="1200">
+                <a:solidFill>
+                  <a:schemeClr val="tx1"/>
+                </a:solidFill>
+                <a:latin typeface="+mj-lt"/>
+                <a:ea typeface="+mj-ea"/>
+                <a:cs typeface="+mj-cs"/>
+              </a:defRPr>
+            </a:lvl1pPr>
+          </a:lstStyle>
+          <a:p>
+            <a:r>
+              <a:rPr lang="de-DE" sz="3600" b="1" dirty="0"/>
+              <a:t>Pilot Study/Test Run</a:t>
+            </a:r>
+            <a:endParaRPr lang="en-US" sz="3600" b="1" dirty="0"/>
+          </a:p>
+        </p:txBody>
+      </p:sp>
+      <p:sp>
+        <p:nvSpPr>
+          <p:cNvPr id="7" name="TextBox 6">
+            <a:extLst>
+              <a:ext uri="{FF2B5EF4-FFF2-40B4-BE49-F238E27FC236}">
+                <a16:creationId xmlns:a16="http://schemas.microsoft.com/office/drawing/2014/main" id="{06A5ABB4-CE06-4A47-986F-1D45A086F8E0}"/>
+              </a:ext>
+            </a:extLst>
+          </p:cNvPr>
+          <p:cNvSpPr txBox="1"/>
+          <p:nvPr/>
+        </p:nvSpPr>
+        <p:spPr>
+          <a:xfrm>
+            <a:off x="76200" y="494046"/>
+            <a:ext cx="2384981" cy="369332"/>
+          </a:xfrm>
+          <a:prstGeom prst="rect">
+            <a:avLst/>
+          </a:prstGeom>
+          <a:noFill/>
+        </p:spPr>
+        <p:txBody>
+          <a:bodyPr wrap="square" rtlCol="0">
+            <a:spAutoFit/>
+          </a:bodyPr>
+          <a:lstStyle/>
+          <a:p>
+            <a:r>
+              <a:rPr lang="de-DE" dirty="0"/>
+              <a:t>Stand: 24.02.22</a:t>
+            </a:r>
+            <a:endParaRPr lang="en-US" dirty="0"/>
+          </a:p>
+        </p:txBody>
+      </p:sp>
+      <p:sp>
+        <p:nvSpPr>
+          <p:cNvPr id="12" name="TextBox 11">
+            <a:extLst>
+              <a:ext uri="{FF2B5EF4-FFF2-40B4-BE49-F238E27FC236}">
+                <a16:creationId xmlns:a16="http://schemas.microsoft.com/office/drawing/2014/main" id="{A0B26888-B150-4A82-8CC3-997B020D6E9B}"/>
+              </a:ext>
+            </a:extLst>
+          </p:cNvPr>
+          <p:cNvSpPr txBox="1"/>
+          <p:nvPr/>
+        </p:nvSpPr>
+        <p:spPr>
+          <a:xfrm>
+            <a:off x="2057400" y="738305"/>
+            <a:ext cx="2384981" cy="461665"/>
+          </a:xfrm>
+          <a:prstGeom prst="rect">
+            <a:avLst/>
+          </a:prstGeom>
+          <a:noFill/>
+        </p:spPr>
+        <p:txBody>
+          <a:bodyPr wrap="square" rtlCol="0">
+            <a:spAutoFit/>
+          </a:bodyPr>
+          <a:lstStyle/>
+          <a:p>
+            <a:r>
+              <a:rPr lang="de-DE" sz="2400" u="sng" dirty="0"/>
+              <a:t>V1.0</a:t>
+            </a:r>
+            <a:endParaRPr lang="de-DE" sz="2400" dirty="0"/>
+          </a:p>
+        </p:txBody>
+      </p:sp>
+      <p:sp>
+        <p:nvSpPr>
+          <p:cNvPr id="13" name="TextBox 12">
+            <a:extLst>
+              <a:ext uri="{FF2B5EF4-FFF2-40B4-BE49-F238E27FC236}">
+                <a16:creationId xmlns:a16="http://schemas.microsoft.com/office/drawing/2014/main" id="{72CF06CB-7761-4847-93BC-44E117F0CCFB}"/>
+              </a:ext>
+            </a:extLst>
+          </p:cNvPr>
+          <p:cNvSpPr txBox="1"/>
+          <p:nvPr/>
+        </p:nvSpPr>
+        <p:spPr>
+          <a:xfrm>
+            <a:off x="8942109" y="738304"/>
+            <a:ext cx="2384981" cy="461665"/>
+          </a:xfrm>
+          <a:prstGeom prst="rect">
+            <a:avLst/>
+          </a:prstGeom>
+          <a:noFill/>
+        </p:spPr>
+        <p:txBody>
+          <a:bodyPr wrap="square" rtlCol="0">
+            <a:spAutoFit/>
+          </a:bodyPr>
+          <a:lstStyle/>
+          <a:p>
+            <a:r>
+              <a:rPr lang="de-DE" sz="2400" u="sng" dirty="0"/>
+              <a:t>V2.0</a:t>
+            </a:r>
+            <a:endParaRPr lang="de-DE" sz="2400" dirty="0"/>
+          </a:p>
+        </p:txBody>
+      </p:sp>
+      <p:sp>
+        <p:nvSpPr>
+          <p:cNvPr id="15" name="TextBox 14">
+            <a:extLst>
+              <a:ext uri="{FF2B5EF4-FFF2-40B4-BE49-F238E27FC236}">
+                <a16:creationId xmlns:a16="http://schemas.microsoft.com/office/drawing/2014/main" id="{EE6A8643-783A-47E0-BDD5-F9A49BDCC717}"/>
+              </a:ext>
+            </a:extLst>
+          </p:cNvPr>
+          <p:cNvSpPr txBox="1"/>
+          <p:nvPr/>
+        </p:nvSpPr>
+        <p:spPr>
+          <a:xfrm>
+            <a:off x="6308672" y="5725897"/>
+            <a:ext cx="4949672" cy="461665"/>
+          </a:xfrm>
+          <a:prstGeom prst="rect">
+            <a:avLst/>
+          </a:prstGeom>
+          <a:noFill/>
+        </p:spPr>
+        <p:txBody>
+          <a:bodyPr wrap="square" rtlCol="0">
+            <a:spAutoFit/>
+          </a:bodyPr>
+          <a:lstStyle/>
+          <a:p>
+            <a:r>
+              <a:rPr lang="de-DE" sz="2400" dirty="0"/>
+              <a:t>Nicely shows all 4 data sets</a:t>
+            </a:r>
+          </a:p>
+        </p:txBody>
+      </p:sp>
+      <p:sp>
+        <p:nvSpPr>
+          <p:cNvPr id="16" name="TextBox 15">
+            <a:extLst>
+              <a:ext uri="{FF2B5EF4-FFF2-40B4-BE49-F238E27FC236}">
+                <a16:creationId xmlns:a16="http://schemas.microsoft.com/office/drawing/2014/main" id="{F300E7D0-15EE-46D4-A308-D2CCBD26C124}"/>
+              </a:ext>
+            </a:extLst>
+          </p:cNvPr>
+          <p:cNvSpPr txBox="1"/>
+          <p:nvPr/>
+        </p:nvSpPr>
+        <p:spPr>
+          <a:xfrm>
+            <a:off x="5931495" y="124714"/>
+            <a:ext cx="1642385" cy="830997"/>
+          </a:xfrm>
+          <a:prstGeom prst="rect">
+            <a:avLst/>
+          </a:prstGeom>
+          <a:noFill/>
+        </p:spPr>
+        <p:txBody>
+          <a:bodyPr wrap="square" rtlCol="0">
+            <a:spAutoFit/>
+          </a:bodyPr>
+          <a:lstStyle/>
+          <a:p>
+            <a:r>
+              <a:rPr lang="de-DE" sz="2400" b="1" dirty="0"/>
+              <a:t>Chemicals/stress</a:t>
+            </a:r>
+          </a:p>
+        </p:txBody>
+      </p:sp>
+      <p:pic>
+        <p:nvPicPr>
+          <p:cNvPr id="17" name="Picture 16" descr="Text&#10;&#10;Description automatically generated with medium confidence">
+            <a:extLst>
+              <a:ext uri="{FF2B5EF4-FFF2-40B4-BE49-F238E27FC236}">
+                <a16:creationId xmlns:a16="http://schemas.microsoft.com/office/drawing/2014/main" id="{28C18BF7-A20F-4DC2-BA9C-9D92224992D8}"/>
+              </a:ext>
+            </a:extLst>
+          </p:cNvPr>
+          <p:cNvPicPr/>
+          <p:nvPr/>
+        </p:nvPicPr>
+        <p:blipFill>
+          <a:blip r:embed="rId3"/>
+          <a:stretch>
+            <a:fillRect/>
+          </a:stretch>
+        </p:blipFill>
+        <p:spPr>
+          <a:xfrm>
+            <a:off x="1525127" y="1237104"/>
+            <a:ext cx="2752725" cy="1104265"/>
+          </a:xfrm>
+          <a:prstGeom prst="rect">
+            <a:avLst/>
+          </a:prstGeom>
+          <a:noFill/>
+          <a:ln>
+            <a:noFill/>
+            <a:prstDash/>
+          </a:ln>
+        </p:spPr>
+      </p:pic>
+      <p:pic>
+        <p:nvPicPr>
+          <p:cNvPr id="18" name="Picture 17" descr="Graphical user interface, application, table&#10;&#10;Description automatically generated">
+            <a:extLst>
+              <a:ext uri="{FF2B5EF4-FFF2-40B4-BE49-F238E27FC236}">
+                <a16:creationId xmlns:a16="http://schemas.microsoft.com/office/drawing/2014/main" id="{384D774D-FFD7-4939-8380-4D513FACB5ED}"/>
+              </a:ext>
+            </a:extLst>
+          </p:cNvPr>
+          <p:cNvPicPr/>
+          <p:nvPr/>
+        </p:nvPicPr>
+        <p:blipFill>
+          <a:blip r:embed="rId4"/>
+          <a:stretch>
+            <a:fillRect/>
+          </a:stretch>
+        </p:blipFill>
+        <p:spPr>
+          <a:xfrm>
+            <a:off x="382189" y="2301338"/>
+            <a:ext cx="5164574" cy="3597649"/>
+          </a:xfrm>
+          <a:prstGeom prst="rect">
+            <a:avLst/>
+          </a:prstGeom>
+          <a:noFill/>
+          <a:ln>
+            <a:noFill/>
+            <a:prstDash/>
+          </a:ln>
+        </p:spPr>
+      </p:pic>
+      <p:pic>
+        <p:nvPicPr>
+          <p:cNvPr id="19" name="Picture 18" descr="Text&#10;&#10;Description automatically generated with medium confidence">
+            <a:extLst>
+              <a:ext uri="{FF2B5EF4-FFF2-40B4-BE49-F238E27FC236}">
+                <a16:creationId xmlns:a16="http://schemas.microsoft.com/office/drawing/2014/main" id="{488B5488-F0CC-4FEC-911E-67F46FF0B321}"/>
+              </a:ext>
+            </a:extLst>
+          </p:cNvPr>
+          <p:cNvPicPr/>
+          <p:nvPr/>
+        </p:nvPicPr>
+        <p:blipFill>
+          <a:blip r:embed="rId5"/>
+          <a:stretch>
+            <a:fillRect/>
+          </a:stretch>
+        </p:blipFill>
+        <p:spPr>
+          <a:xfrm>
+            <a:off x="5654214" y="2861628"/>
+            <a:ext cx="6258588" cy="2678446"/>
+          </a:xfrm>
+          <a:prstGeom prst="rect">
+            <a:avLst/>
+          </a:prstGeom>
+          <a:noFill/>
+          <a:ln>
+            <a:noFill/>
+            <a:prstDash/>
+          </a:ln>
+        </p:spPr>
+      </p:pic>
+      <p:pic>
+        <p:nvPicPr>
+          <p:cNvPr id="20" name="Picture 19" descr="Graphical user interface, text&#10;&#10;Description automatically generated with medium confidence">
+            <a:extLst>
+              <a:ext uri="{FF2B5EF4-FFF2-40B4-BE49-F238E27FC236}">
+                <a16:creationId xmlns:a16="http://schemas.microsoft.com/office/drawing/2014/main" id="{66D419F0-6B22-42BB-B00E-D8E275702036}"/>
+              </a:ext>
+            </a:extLst>
+          </p:cNvPr>
+          <p:cNvPicPr/>
+          <p:nvPr/>
+        </p:nvPicPr>
+        <p:blipFill>
+          <a:blip r:embed="rId6"/>
+          <a:stretch>
+            <a:fillRect/>
+          </a:stretch>
+        </p:blipFill>
+        <p:spPr>
+          <a:xfrm>
+            <a:off x="8413387" y="1157528"/>
+            <a:ext cx="2589136" cy="1104265"/>
+          </a:xfrm>
+          <a:prstGeom prst="rect">
+            <a:avLst/>
+          </a:prstGeom>
+          <a:noFill/>
+          <a:ln>
+            <a:noFill/>
+            <a:prstDash/>
+          </a:ln>
+        </p:spPr>
+      </p:pic>
+    </p:spTree>
+    <p:extLst>
+      <p:ext uri="{BB962C8B-B14F-4D97-AF65-F5344CB8AC3E}">
+        <p14:creationId xmlns:p14="http://schemas.microsoft.com/office/powerpoint/2010/main" val="1964661195"/>
+      </p:ext>
+    </p:extLst>
+  </p:cSld>
+  <p:clrMapOvr>
+    <a:masterClrMapping/>
+  </p:clrMapOvr>
+</p:sld>
+</file>
+
+<file path=ppt/slides/slide16.xml><?xml version="1.0" encoding="utf-8"?>
+<p:sld xmlns:a="http://schemas.openxmlformats.org/drawingml/2006/main" xmlns:r="http://schemas.openxmlformats.org/officeDocument/2006/relationships" xmlns:p="http://schemas.openxmlformats.org/presentationml/2006/main">
+  <p:cSld>
+    <p:spTree>
+      <p:nvGrpSpPr>
+        <p:cNvPr id="1" name=""/>
+        <p:cNvGrpSpPr/>
+        <p:nvPr/>
+      </p:nvGrpSpPr>
+      <p:grpSpPr>
+        <a:xfrm>
+          <a:off x="0" y="0"/>
+          <a:ext cx="0" cy="0"/>
+          <a:chOff x="0" y="0"/>
+          <a:chExt cx="0" cy="0"/>
+        </a:xfrm>
+      </p:grpSpPr>
+      <p:sp>
+        <p:nvSpPr>
+          <p:cNvPr id="4" name="Date Placeholder 3">
+            <a:extLst>
+              <a:ext uri="{FF2B5EF4-FFF2-40B4-BE49-F238E27FC236}">
+                <a16:creationId xmlns:a16="http://schemas.microsoft.com/office/drawing/2014/main" id="{ED95C6E8-8C30-43B2-B19D-3E320E8A5CA0}"/>
+              </a:ext>
+            </a:extLst>
+          </p:cNvPr>
+          <p:cNvSpPr>
+            <a:spLocks noGrp="1"/>
+          </p:cNvSpPr>
+          <p:nvPr>
+            <p:ph type="dt" sz="half" idx="10"/>
+          </p:nvPr>
+        </p:nvSpPr>
+        <p:spPr/>
+        <p:txBody>
+          <a:bodyPr/>
+          <a:lstStyle/>
+          <a:p>
+            <a:fld id="{A5F007CA-CC09-4561-9FCD-CE44B6E86F3A}" type="datetime1">
+              <a:rPr lang="en-US" smtClean="0"/>
+              <a:t>2/24/2022</a:t>
+            </a:fld>
+            <a:endParaRPr lang="en-US"/>
+          </a:p>
+        </p:txBody>
+      </p:sp>
+      <p:sp>
+        <p:nvSpPr>
+          <p:cNvPr id="5" name="Footer Placeholder 4">
+            <a:extLst>
+              <a:ext uri="{FF2B5EF4-FFF2-40B4-BE49-F238E27FC236}">
+                <a16:creationId xmlns:a16="http://schemas.microsoft.com/office/drawing/2014/main" id="{DB3088C3-5410-4C9D-AE09-23F1A3CCFD10}"/>
+              </a:ext>
+            </a:extLst>
+          </p:cNvPr>
+          <p:cNvSpPr>
+            <a:spLocks noGrp="1"/>
+          </p:cNvSpPr>
+          <p:nvPr>
+            <p:ph type="ftr" sz="quarter" idx="11"/>
+          </p:nvPr>
+        </p:nvSpPr>
+        <p:spPr/>
+        <p:txBody>
+          <a:bodyPr/>
+          <a:lstStyle/>
+          <a:p>
+            <a:r>
+              <a:rPr lang="en-US"/>
+              <a:t>jennifer.neumaier@t-online.de</a:t>
+            </a:r>
+          </a:p>
+        </p:txBody>
+      </p:sp>
+      <p:sp>
+        <p:nvSpPr>
+          <p:cNvPr id="6" name="Title 123">
+            <a:extLst>
+              <a:ext uri="{FF2B5EF4-FFF2-40B4-BE49-F238E27FC236}">
+                <a16:creationId xmlns:a16="http://schemas.microsoft.com/office/drawing/2014/main" id="{D03DD4DA-597C-467F-AE5A-F15621FABFF5}"/>
+              </a:ext>
+            </a:extLst>
+          </p:cNvPr>
+          <p:cNvSpPr txBox="1">
+            <a:spLocks/>
+          </p:cNvSpPr>
+          <p:nvPr/>
+        </p:nvSpPr>
+        <p:spPr>
+          <a:xfrm>
+            <a:off x="0" y="96941"/>
+            <a:ext cx="4038600" cy="526312"/>
+          </a:xfrm>
+          <a:prstGeom prst="rect">
+            <a:avLst/>
+          </a:prstGeom>
+        </p:spPr>
+        <p:txBody>
+          <a:bodyPr>
+            <a:normAutofit fontScale="90000" lnSpcReduction="10000"/>
+          </a:bodyPr>
+          <a:lstStyle>
+            <a:lvl1pPr algn="l" defTabSz="914400" rtl="0" eaLnBrk="1" latinLnBrk="0" hangingPunct="1">
+              <a:lnSpc>
+                <a:spcPct val="90000"/>
+              </a:lnSpc>
+              <a:spcBef>
+                <a:spcPct val="0"/>
+              </a:spcBef>
+              <a:buNone/>
+              <a:defRPr sz="4400" kern="1200">
+                <a:solidFill>
+                  <a:schemeClr val="tx1"/>
+                </a:solidFill>
+                <a:latin typeface="+mj-lt"/>
+                <a:ea typeface="+mj-ea"/>
+                <a:cs typeface="+mj-cs"/>
+              </a:defRPr>
+            </a:lvl1pPr>
+          </a:lstStyle>
+          <a:p>
+            <a:r>
+              <a:rPr lang="de-DE" sz="3600" b="1" dirty="0"/>
+              <a:t>Pilot Study/Test Run</a:t>
+            </a:r>
+            <a:endParaRPr lang="en-US" sz="3600" b="1" dirty="0"/>
+          </a:p>
+        </p:txBody>
+      </p:sp>
+      <p:sp>
+        <p:nvSpPr>
+          <p:cNvPr id="7" name="TextBox 6">
+            <a:extLst>
+              <a:ext uri="{FF2B5EF4-FFF2-40B4-BE49-F238E27FC236}">
+                <a16:creationId xmlns:a16="http://schemas.microsoft.com/office/drawing/2014/main" id="{06A5ABB4-CE06-4A47-986F-1D45A086F8E0}"/>
+              </a:ext>
+            </a:extLst>
+          </p:cNvPr>
+          <p:cNvSpPr txBox="1"/>
+          <p:nvPr/>
+        </p:nvSpPr>
+        <p:spPr>
+          <a:xfrm>
+            <a:off x="76200" y="494046"/>
+            <a:ext cx="2384981" cy="369332"/>
+          </a:xfrm>
+          <a:prstGeom prst="rect">
+            <a:avLst/>
+          </a:prstGeom>
+          <a:noFill/>
+        </p:spPr>
+        <p:txBody>
+          <a:bodyPr wrap="square" rtlCol="0">
+            <a:spAutoFit/>
+          </a:bodyPr>
+          <a:lstStyle/>
+          <a:p>
+            <a:r>
+              <a:rPr lang="de-DE" dirty="0"/>
+              <a:t>Stand: 24.02.22</a:t>
+            </a:r>
+            <a:endParaRPr lang="en-US" dirty="0"/>
+          </a:p>
+        </p:txBody>
+      </p:sp>
+      <p:sp>
+        <p:nvSpPr>
+          <p:cNvPr id="12" name="TextBox 11">
+            <a:extLst>
+              <a:ext uri="{FF2B5EF4-FFF2-40B4-BE49-F238E27FC236}">
+                <a16:creationId xmlns:a16="http://schemas.microsoft.com/office/drawing/2014/main" id="{A0B26888-B150-4A82-8CC3-997B020D6E9B}"/>
+              </a:ext>
+            </a:extLst>
+          </p:cNvPr>
+          <p:cNvSpPr txBox="1"/>
+          <p:nvPr/>
+        </p:nvSpPr>
+        <p:spPr>
+          <a:xfrm>
+            <a:off x="2057400" y="738305"/>
+            <a:ext cx="2384981" cy="461665"/>
+          </a:xfrm>
+          <a:prstGeom prst="rect">
+            <a:avLst/>
+          </a:prstGeom>
+          <a:noFill/>
+        </p:spPr>
+        <p:txBody>
+          <a:bodyPr wrap="square" rtlCol="0">
+            <a:spAutoFit/>
+          </a:bodyPr>
+          <a:lstStyle/>
+          <a:p>
+            <a:r>
+              <a:rPr lang="de-DE" sz="2400" u="sng" dirty="0"/>
+              <a:t>V1.0</a:t>
+            </a:r>
+            <a:endParaRPr lang="de-DE" sz="2400" dirty="0"/>
+          </a:p>
+        </p:txBody>
+      </p:sp>
+      <p:sp>
+        <p:nvSpPr>
+          <p:cNvPr id="13" name="TextBox 12">
+            <a:extLst>
+              <a:ext uri="{FF2B5EF4-FFF2-40B4-BE49-F238E27FC236}">
+                <a16:creationId xmlns:a16="http://schemas.microsoft.com/office/drawing/2014/main" id="{72CF06CB-7761-4847-93BC-44E117F0CCFB}"/>
+              </a:ext>
+            </a:extLst>
+          </p:cNvPr>
+          <p:cNvSpPr txBox="1"/>
+          <p:nvPr/>
+        </p:nvSpPr>
+        <p:spPr>
+          <a:xfrm>
+            <a:off x="8950479" y="369763"/>
+            <a:ext cx="2384981" cy="461665"/>
+          </a:xfrm>
+          <a:prstGeom prst="rect">
+            <a:avLst/>
+          </a:prstGeom>
+          <a:noFill/>
+        </p:spPr>
+        <p:txBody>
+          <a:bodyPr wrap="square" rtlCol="0">
+            <a:spAutoFit/>
+          </a:bodyPr>
+          <a:lstStyle/>
+          <a:p>
+            <a:r>
+              <a:rPr lang="de-DE" sz="2400" u="sng" dirty="0"/>
+              <a:t>V2.0</a:t>
+            </a:r>
+            <a:endParaRPr lang="de-DE" sz="2400" dirty="0"/>
+          </a:p>
+        </p:txBody>
+      </p:sp>
+      <p:sp>
+        <p:nvSpPr>
+          <p:cNvPr id="15" name="TextBox 14">
+            <a:extLst>
+              <a:ext uri="{FF2B5EF4-FFF2-40B4-BE49-F238E27FC236}">
+                <a16:creationId xmlns:a16="http://schemas.microsoft.com/office/drawing/2014/main" id="{EE6A8643-783A-47E0-BDD5-F9A49BDCC717}"/>
+              </a:ext>
+            </a:extLst>
+          </p:cNvPr>
+          <p:cNvSpPr txBox="1"/>
+          <p:nvPr/>
+        </p:nvSpPr>
+        <p:spPr>
+          <a:xfrm>
+            <a:off x="6308672" y="5725897"/>
+            <a:ext cx="4949672" cy="461665"/>
+          </a:xfrm>
+          <a:prstGeom prst="rect">
+            <a:avLst/>
+          </a:prstGeom>
+          <a:noFill/>
+        </p:spPr>
+        <p:txBody>
+          <a:bodyPr wrap="square" rtlCol="0">
+            <a:spAutoFit/>
+          </a:bodyPr>
+          <a:lstStyle/>
+          <a:p>
+            <a:r>
+              <a:rPr lang="de-DE" sz="2400" dirty="0"/>
+              <a:t>Nicely shows all 4 data sets</a:t>
+            </a:r>
+          </a:p>
+        </p:txBody>
+      </p:sp>
+      <p:sp>
+        <p:nvSpPr>
+          <p:cNvPr id="16" name="TextBox 15">
+            <a:extLst>
+              <a:ext uri="{FF2B5EF4-FFF2-40B4-BE49-F238E27FC236}">
+                <a16:creationId xmlns:a16="http://schemas.microsoft.com/office/drawing/2014/main" id="{F300E7D0-15EE-46D4-A308-D2CCBD26C124}"/>
+              </a:ext>
+            </a:extLst>
+          </p:cNvPr>
+          <p:cNvSpPr txBox="1"/>
+          <p:nvPr/>
+        </p:nvSpPr>
+        <p:spPr>
+          <a:xfrm>
+            <a:off x="4442381" y="336201"/>
+            <a:ext cx="3902316" cy="461665"/>
+          </a:xfrm>
+          <a:prstGeom prst="rect">
+            <a:avLst/>
+          </a:prstGeom>
+          <a:noFill/>
+        </p:spPr>
+        <p:txBody>
+          <a:bodyPr wrap="square" rtlCol="0">
+            <a:spAutoFit/>
+          </a:bodyPr>
+          <a:lstStyle/>
+          <a:p>
+            <a:r>
+              <a:rPr lang="de-DE" sz="2400" b="1" dirty="0"/>
+              <a:t>DAF/Insulin/food</a:t>
+            </a:r>
+          </a:p>
+        </p:txBody>
+      </p:sp>
+      <p:pic>
+        <p:nvPicPr>
+          <p:cNvPr id="17" name="Picture 16" descr="Text&#10;&#10;Description automatically generated with low confidence">
+            <a:extLst>
+              <a:ext uri="{FF2B5EF4-FFF2-40B4-BE49-F238E27FC236}">
+                <a16:creationId xmlns:a16="http://schemas.microsoft.com/office/drawing/2014/main" id="{11C7ED7B-82EC-46AC-9E52-9B88C660D3F6}"/>
+              </a:ext>
+            </a:extLst>
+          </p:cNvPr>
+          <p:cNvPicPr/>
+          <p:nvPr/>
+        </p:nvPicPr>
+        <p:blipFill>
+          <a:blip r:embed="rId3"/>
+          <a:stretch>
+            <a:fillRect/>
+          </a:stretch>
+        </p:blipFill>
+        <p:spPr>
+          <a:xfrm>
+            <a:off x="1236121" y="1199969"/>
+            <a:ext cx="2761615" cy="1095375"/>
+          </a:xfrm>
+          <a:prstGeom prst="rect">
+            <a:avLst/>
+          </a:prstGeom>
+          <a:noFill/>
+          <a:ln>
+            <a:noFill/>
+            <a:prstDash/>
+          </a:ln>
+        </p:spPr>
+      </p:pic>
+      <p:pic>
+        <p:nvPicPr>
+          <p:cNvPr id="18" name="Picture 17" descr="Graphical user interface, text, application&#10;&#10;Description automatically generated">
+            <a:extLst>
+              <a:ext uri="{FF2B5EF4-FFF2-40B4-BE49-F238E27FC236}">
+                <a16:creationId xmlns:a16="http://schemas.microsoft.com/office/drawing/2014/main" id="{28C775E8-5FC1-46DE-BBEC-0034C1B76F62}"/>
+              </a:ext>
+            </a:extLst>
+          </p:cNvPr>
+          <p:cNvPicPr/>
+          <p:nvPr/>
+        </p:nvPicPr>
+        <p:blipFill>
+          <a:blip r:embed="rId4"/>
+          <a:stretch>
+            <a:fillRect/>
+          </a:stretch>
+        </p:blipFill>
+        <p:spPr>
+          <a:xfrm>
+            <a:off x="522834" y="2365238"/>
+            <a:ext cx="5760720" cy="3414395"/>
+          </a:xfrm>
+          <a:prstGeom prst="rect">
+            <a:avLst/>
+          </a:prstGeom>
+          <a:noFill/>
+          <a:ln>
+            <a:noFill/>
+            <a:prstDash/>
+          </a:ln>
+        </p:spPr>
+      </p:pic>
+      <p:pic>
+        <p:nvPicPr>
+          <p:cNvPr id="19" name="Picture 18" descr="Text&#10;&#10;Description automatically generated with medium confidence">
+            <a:extLst>
+              <a:ext uri="{FF2B5EF4-FFF2-40B4-BE49-F238E27FC236}">
+                <a16:creationId xmlns:a16="http://schemas.microsoft.com/office/drawing/2014/main" id="{10FD198D-6FB4-4814-AE57-81245A7C4AF2}"/>
+              </a:ext>
+            </a:extLst>
+          </p:cNvPr>
+          <p:cNvPicPr/>
+          <p:nvPr/>
+        </p:nvPicPr>
+        <p:blipFill>
+          <a:blip r:embed="rId5"/>
+          <a:stretch>
+            <a:fillRect/>
+          </a:stretch>
+        </p:blipFill>
+        <p:spPr>
+          <a:xfrm>
+            <a:off x="8344697" y="768073"/>
+            <a:ext cx="2924175" cy="1447165"/>
+          </a:xfrm>
+          <a:prstGeom prst="rect">
+            <a:avLst/>
+          </a:prstGeom>
+          <a:noFill/>
+          <a:ln>
+            <a:noFill/>
+            <a:prstDash/>
+          </a:ln>
+        </p:spPr>
+      </p:pic>
+      <p:pic>
+        <p:nvPicPr>
+          <p:cNvPr id="20" name="Picture 19" descr="Graphical user interface&#10;&#10;Description automatically generated with medium confidence">
+            <a:extLst>
+              <a:ext uri="{FF2B5EF4-FFF2-40B4-BE49-F238E27FC236}">
+                <a16:creationId xmlns:a16="http://schemas.microsoft.com/office/drawing/2014/main" id="{CF582977-8777-44AE-B152-BE3D75B37E1E}"/>
+              </a:ext>
+            </a:extLst>
+          </p:cNvPr>
+          <p:cNvPicPr/>
+          <p:nvPr/>
+        </p:nvPicPr>
+        <p:blipFill>
+          <a:blip r:embed="rId6"/>
+          <a:stretch>
+            <a:fillRect/>
+          </a:stretch>
+        </p:blipFill>
+        <p:spPr>
+          <a:xfrm>
+            <a:off x="6326276" y="1969275"/>
+            <a:ext cx="5760720" cy="1972945"/>
+          </a:xfrm>
+          <a:prstGeom prst="rect">
+            <a:avLst/>
+          </a:prstGeom>
+          <a:noFill/>
+          <a:ln>
+            <a:noFill/>
+            <a:prstDash/>
+          </a:ln>
+        </p:spPr>
+      </p:pic>
+      <p:pic>
+        <p:nvPicPr>
+          <p:cNvPr id="24" name="Picture 23" descr="Graphical user interface, text&#10;&#10;Description automatically generated with medium confidence">
+            <a:extLst>
+              <a:ext uri="{FF2B5EF4-FFF2-40B4-BE49-F238E27FC236}">
+                <a16:creationId xmlns:a16="http://schemas.microsoft.com/office/drawing/2014/main" id="{945CB1A1-EF71-4999-98F7-A61704D0A898}"/>
+              </a:ext>
+            </a:extLst>
+          </p:cNvPr>
+          <p:cNvPicPr/>
+          <p:nvPr/>
+        </p:nvPicPr>
+        <p:blipFill>
+          <a:blip r:embed="rId7"/>
+          <a:stretch>
+            <a:fillRect/>
+          </a:stretch>
+        </p:blipFill>
+        <p:spPr>
+          <a:xfrm>
+            <a:off x="6096000" y="4060993"/>
+            <a:ext cx="5760720" cy="2261235"/>
+          </a:xfrm>
+          <a:prstGeom prst="rect">
+            <a:avLst/>
+          </a:prstGeom>
+          <a:noFill/>
+          <a:ln>
+            <a:noFill/>
+            <a:prstDash/>
+          </a:ln>
+        </p:spPr>
+      </p:pic>
+      <p:sp>
+        <p:nvSpPr>
+          <p:cNvPr id="25" name="TextBox 24">
+            <a:extLst>
+              <a:ext uri="{FF2B5EF4-FFF2-40B4-BE49-F238E27FC236}">
+                <a16:creationId xmlns:a16="http://schemas.microsoft.com/office/drawing/2014/main" id="{A37A371D-D2AE-4824-A93D-07660B4C6D3E}"/>
+              </a:ext>
+            </a:extLst>
+          </p:cNvPr>
+          <p:cNvSpPr txBox="1"/>
+          <p:nvPr/>
+        </p:nvSpPr>
+        <p:spPr>
+          <a:xfrm>
+            <a:off x="444726" y="5930062"/>
+            <a:ext cx="5990996" cy="830997"/>
+          </a:xfrm>
+          <a:prstGeom prst="rect">
+            <a:avLst/>
+          </a:prstGeom>
+          <a:noFill/>
+        </p:spPr>
+        <p:txBody>
+          <a:bodyPr wrap="square" rtlCol="0">
+            <a:spAutoFit/>
+          </a:bodyPr>
+          <a:lstStyle/>
+          <a:p>
+            <a:r>
+              <a:rPr lang="de-DE" sz="2400" dirty="0"/>
+              <a:t>Can find data sets only after „mutants“ was included</a:t>
+            </a:r>
+          </a:p>
+        </p:txBody>
+      </p:sp>
+    </p:spTree>
+    <p:extLst>
+      <p:ext uri="{BB962C8B-B14F-4D97-AF65-F5344CB8AC3E}">
+        <p14:creationId xmlns:p14="http://schemas.microsoft.com/office/powerpoint/2010/main" val="3948137758"/>
+      </p:ext>
+    </p:extLst>
+  </p:cSld>
+  <p:clrMapOvr>
+    <a:masterClrMapping/>
+  </p:clrMapOvr>
+</p:sld>
+</file>
+
+<file path=ppt/slides/slide17.xml><?xml version="1.0" encoding="utf-8"?>
+<p:sld xmlns:a="http://schemas.openxmlformats.org/drawingml/2006/main" xmlns:r="http://schemas.openxmlformats.org/officeDocument/2006/relationships" xmlns:p="http://schemas.openxmlformats.org/presentationml/2006/main">
+  <p:cSld>
+    <p:spTree>
+      <p:nvGrpSpPr>
+        <p:cNvPr id="1" name=""/>
+        <p:cNvGrpSpPr/>
+        <p:nvPr/>
+      </p:nvGrpSpPr>
+      <p:grpSpPr>
+        <a:xfrm>
+          <a:off x="0" y="0"/>
+          <a:ext cx="0" cy="0"/>
+          <a:chOff x="0" y="0"/>
+          <a:chExt cx="0" cy="0"/>
+        </a:xfrm>
+      </p:grpSpPr>
+      <p:sp>
+        <p:nvSpPr>
+          <p:cNvPr id="4" name="Date Placeholder 3">
+            <a:extLst>
+              <a:ext uri="{FF2B5EF4-FFF2-40B4-BE49-F238E27FC236}">
+                <a16:creationId xmlns:a16="http://schemas.microsoft.com/office/drawing/2014/main" id="{ED95C6E8-8C30-43B2-B19D-3E320E8A5CA0}"/>
+              </a:ext>
+            </a:extLst>
+          </p:cNvPr>
+          <p:cNvSpPr>
+            <a:spLocks noGrp="1"/>
+          </p:cNvSpPr>
+          <p:nvPr>
+            <p:ph type="dt" sz="half" idx="10"/>
+          </p:nvPr>
+        </p:nvSpPr>
+        <p:spPr/>
+        <p:txBody>
+          <a:bodyPr/>
+          <a:lstStyle/>
+          <a:p>
+            <a:fld id="{A5F007CA-CC09-4561-9FCD-CE44B6E86F3A}" type="datetime1">
+              <a:rPr lang="en-US" smtClean="0"/>
+              <a:t>2/24/2022</a:t>
+            </a:fld>
+            <a:endParaRPr lang="en-US"/>
+          </a:p>
+        </p:txBody>
+      </p:sp>
+      <p:sp>
+        <p:nvSpPr>
+          <p:cNvPr id="5" name="Footer Placeholder 4">
+            <a:extLst>
+              <a:ext uri="{FF2B5EF4-FFF2-40B4-BE49-F238E27FC236}">
+                <a16:creationId xmlns:a16="http://schemas.microsoft.com/office/drawing/2014/main" id="{DB3088C3-5410-4C9D-AE09-23F1A3CCFD10}"/>
+              </a:ext>
+            </a:extLst>
+          </p:cNvPr>
+          <p:cNvSpPr>
+            <a:spLocks noGrp="1"/>
+          </p:cNvSpPr>
+          <p:nvPr>
+            <p:ph type="ftr" sz="quarter" idx="11"/>
+          </p:nvPr>
+        </p:nvSpPr>
+        <p:spPr/>
+        <p:txBody>
+          <a:bodyPr/>
+          <a:lstStyle/>
+          <a:p>
+            <a:r>
+              <a:rPr lang="en-US"/>
+              <a:t>jennifer.neumaier@t-online.de</a:t>
+            </a:r>
+          </a:p>
+        </p:txBody>
+      </p:sp>
+      <p:sp>
+        <p:nvSpPr>
+          <p:cNvPr id="6" name="Title 123">
+            <a:extLst>
+              <a:ext uri="{FF2B5EF4-FFF2-40B4-BE49-F238E27FC236}">
+                <a16:creationId xmlns:a16="http://schemas.microsoft.com/office/drawing/2014/main" id="{D03DD4DA-597C-467F-AE5A-F15621FABFF5}"/>
+              </a:ext>
+            </a:extLst>
+          </p:cNvPr>
+          <p:cNvSpPr txBox="1">
+            <a:spLocks/>
+          </p:cNvSpPr>
+          <p:nvPr/>
+        </p:nvSpPr>
+        <p:spPr>
+          <a:xfrm>
+            <a:off x="0" y="96941"/>
+            <a:ext cx="4038600" cy="526312"/>
+          </a:xfrm>
+          <a:prstGeom prst="rect">
+            <a:avLst/>
+          </a:prstGeom>
+        </p:spPr>
+        <p:txBody>
+          <a:bodyPr>
+            <a:normAutofit fontScale="90000" lnSpcReduction="10000"/>
+          </a:bodyPr>
+          <a:lstStyle>
+            <a:lvl1pPr algn="l" defTabSz="914400" rtl="0" eaLnBrk="1" latinLnBrk="0" hangingPunct="1">
+              <a:lnSpc>
+                <a:spcPct val="90000"/>
+              </a:lnSpc>
+              <a:spcBef>
+                <a:spcPct val="0"/>
+              </a:spcBef>
+              <a:buNone/>
+              <a:defRPr sz="4400" kern="1200">
+                <a:solidFill>
+                  <a:schemeClr val="tx1"/>
+                </a:solidFill>
+                <a:latin typeface="+mj-lt"/>
+                <a:ea typeface="+mj-ea"/>
+                <a:cs typeface="+mj-cs"/>
+              </a:defRPr>
+            </a:lvl1pPr>
+          </a:lstStyle>
+          <a:p>
+            <a:r>
+              <a:rPr lang="de-DE" sz="3600" b="1" dirty="0"/>
+              <a:t>Pilot Study/Test Run</a:t>
+            </a:r>
+            <a:endParaRPr lang="en-US" sz="3600" b="1" dirty="0"/>
+          </a:p>
+        </p:txBody>
+      </p:sp>
+      <p:sp>
+        <p:nvSpPr>
+          <p:cNvPr id="7" name="TextBox 6">
+            <a:extLst>
+              <a:ext uri="{FF2B5EF4-FFF2-40B4-BE49-F238E27FC236}">
+                <a16:creationId xmlns:a16="http://schemas.microsoft.com/office/drawing/2014/main" id="{06A5ABB4-CE06-4A47-986F-1D45A086F8E0}"/>
+              </a:ext>
+            </a:extLst>
+          </p:cNvPr>
+          <p:cNvSpPr txBox="1"/>
+          <p:nvPr/>
+        </p:nvSpPr>
+        <p:spPr>
+          <a:xfrm>
+            <a:off x="76200" y="494046"/>
+            <a:ext cx="2384981" cy="369332"/>
+          </a:xfrm>
+          <a:prstGeom prst="rect">
+            <a:avLst/>
+          </a:prstGeom>
+          <a:noFill/>
+        </p:spPr>
+        <p:txBody>
+          <a:bodyPr wrap="square" rtlCol="0">
+            <a:spAutoFit/>
+          </a:bodyPr>
+          <a:lstStyle/>
+          <a:p>
+            <a:r>
+              <a:rPr lang="de-DE" dirty="0"/>
+              <a:t>Stand: 24.02.22</a:t>
+            </a:r>
+            <a:endParaRPr lang="en-US" dirty="0"/>
+          </a:p>
+        </p:txBody>
+      </p:sp>
+      <p:sp>
+        <p:nvSpPr>
+          <p:cNvPr id="12" name="TextBox 11">
+            <a:extLst>
+              <a:ext uri="{FF2B5EF4-FFF2-40B4-BE49-F238E27FC236}">
+                <a16:creationId xmlns:a16="http://schemas.microsoft.com/office/drawing/2014/main" id="{A0B26888-B150-4A82-8CC3-997B020D6E9B}"/>
+              </a:ext>
+            </a:extLst>
+          </p:cNvPr>
+          <p:cNvSpPr txBox="1"/>
+          <p:nvPr/>
+        </p:nvSpPr>
+        <p:spPr>
+          <a:xfrm>
+            <a:off x="2057400" y="738305"/>
+            <a:ext cx="2384981" cy="461665"/>
+          </a:xfrm>
+          <a:prstGeom prst="rect">
+            <a:avLst/>
+          </a:prstGeom>
+          <a:noFill/>
+        </p:spPr>
+        <p:txBody>
+          <a:bodyPr wrap="square" rtlCol="0">
+            <a:spAutoFit/>
+          </a:bodyPr>
+          <a:lstStyle/>
+          <a:p>
+            <a:r>
+              <a:rPr lang="de-DE" sz="2400" u="sng" dirty="0"/>
+              <a:t>V1.0</a:t>
+            </a:r>
+            <a:endParaRPr lang="de-DE" sz="2400" dirty="0"/>
+          </a:p>
+        </p:txBody>
+      </p:sp>
+      <p:sp>
+        <p:nvSpPr>
+          <p:cNvPr id="13" name="TextBox 12">
+            <a:extLst>
+              <a:ext uri="{FF2B5EF4-FFF2-40B4-BE49-F238E27FC236}">
+                <a16:creationId xmlns:a16="http://schemas.microsoft.com/office/drawing/2014/main" id="{72CF06CB-7761-4847-93BC-44E117F0CCFB}"/>
+              </a:ext>
+            </a:extLst>
+          </p:cNvPr>
+          <p:cNvSpPr txBox="1"/>
+          <p:nvPr/>
+        </p:nvSpPr>
+        <p:spPr>
+          <a:xfrm>
+            <a:off x="8942109" y="738304"/>
+            <a:ext cx="2384981" cy="461665"/>
+          </a:xfrm>
+          <a:prstGeom prst="rect">
+            <a:avLst/>
+          </a:prstGeom>
+          <a:noFill/>
+        </p:spPr>
+        <p:txBody>
+          <a:bodyPr wrap="square" rtlCol="0">
+            <a:spAutoFit/>
+          </a:bodyPr>
+          <a:lstStyle/>
+          <a:p>
+            <a:r>
+              <a:rPr lang="de-DE" sz="2400" u="sng" dirty="0"/>
+              <a:t>V2.0</a:t>
+            </a:r>
+            <a:endParaRPr lang="de-DE" sz="2400" dirty="0"/>
+          </a:p>
+        </p:txBody>
+      </p:sp>
+      <p:sp>
+        <p:nvSpPr>
+          <p:cNvPr id="15" name="TextBox 14">
+            <a:extLst>
+              <a:ext uri="{FF2B5EF4-FFF2-40B4-BE49-F238E27FC236}">
+                <a16:creationId xmlns:a16="http://schemas.microsoft.com/office/drawing/2014/main" id="{EE6A8643-783A-47E0-BDD5-F9A49BDCC717}"/>
+              </a:ext>
+            </a:extLst>
+          </p:cNvPr>
+          <p:cNvSpPr txBox="1"/>
+          <p:nvPr/>
+        </p:nvSpPr>
+        <p:spPr>
+          <a:xfrm>
+            <a:off x="6872798" y="5036008"/>
+            <a:ext cx="4949672" cy="461665"/>
+          </a:xfrm>
+          <a:prstGeom prst="rect">
+            <a:avLst/>
+          </a:prstGeom>
+          <a:noFill/>
+        </p:spPr>
+        <p:txBody>
+          <a:bodyPr wrap="square" rtlCol="0">
+            <a:spAutoFit/>
+          </a:bodyPr>
+          <a:lstStyle/>
+          <a:p>
+            <a:r>
+              <a:rPr lang="de-DE" sz="2400" dirty="0"/>
+              <a:t>Nicely shows all 4 data sets</a:t>
+            </a:r>
+          </a:p>
+        </p:txBody>
+      </p:sp>
+      <p:sp>
+        <p:nvSpPr>
+          <p:cNvPr id="16" name="TextBox 15">
+            <a:extLst>
+              <a:ext uri="{FF2B5EF4-FFF2-40B4-BE49-F238E27FC236}">
+                <a16:creationId xmlns:a16="http://schemas.microsoft.com/office/drawing/2014/main" id="{F300E7D0-15EE-46D4-A308-D2CCBD26C124}"/>
+              </a:ext>
+            </a:extLst>
+          </p:cNvPr>
+          <p:cNvSpPr txBox="1"/>
+          <p:nvPr/>
+        </p:nvSpPr>
+        <p:spPr>
+          <a:xfrm>
+            <a:off x="4442381" y="336201"/>
+            <a:ext cx="3902316" cy="461665"/>
+          </a:xfrm>
+          <a:prstGeom prst="rect">
+            <a:avLst/>
+          </a:prstGeom>
+          <a:noFill/>
+        </p:spPr>
+        <p:txBody>
+          <a:bodyPr wrap="square" rtlCol="0">
+            <a:spAutoFit/>
+          </a:bodyPr>
+          <a:lstStyle/>
+          <a:p>
+            <a:r>
+              <a:rPr lang="de-DE" sz="2400" b="1" dirty="0"/>
+              <a:t>Development/Dauer/Aging</a:t>
+            </a:r>
+          </a:p>
+        </p:txBody>
+      </p:sp>
+      <p:pic>
+        <p:nvPicPr>
+          <p:cNvPr id="14" name="Picture 13" descr="A picture containing text&#10;&#10;Description automatically generated">
+            <a:extLst>
+              <a:ext uri="{FF2B5EF4-FFF2-40B4-BE49-F238E27FC236}">
+                <a16:creationId xmlns:a16="http://schemas.microsoft.com/office/drawing/2014/main" id="{2DC4C688-2D46-4B04-9C2D-70D0EB9C2589}"/>
+              </a:ext>
+            </a:extLst>
+          </p:cNvPr>
+          <p:cNvPicPr/>
+          <p:nvPr/>
+        </p:nvPicPr>
+        <p:blipFill>
+          <a:blip r:embed="rId3"/>
+          <a:stretch>
+            <a:fillRect/>
+          </a:stretch>
+        </p:blipFill>
+        <p:spPr>
+          <a:xfrm>
+            <a:off x="8194265" y="1127248"/>
+            <a:ext cx="2771140" cy="1323975"/>
+          </a:xfrm>
+          <a:prstGeom prst="rect">
+            <a:avLst/>
+          </a:prstGeom>
+          <a:noFill/>
+          <a:ln>
+            <a:noFill/>
+            <a:prstDash/>
+          </a:ln>
+        </p:spPr>
+      </p:pic>
+      <p:pic>
+        <p:nvPicPr>
+          <p:cNvPr id="21" name="Picture 20" descr="Table&#10;&#10;Description automatically generated with medium confidence">
+            <a:extLst>
+              <a:ext uri="{FF2B5EF4-FFF2-40B4-BE49-F238E27FC236}">
+                <a16:creationId xmlns:a16="http://schemas.microsoft.com/office/drawing/2014/main" id="{1263211A-657E-4EE1-B7A5-147C0BF5545D}"/>
+              </a:ext>
+            </a:extLst>
+          </p:cNvPr>
+          <p:cNvPicPr/>
+          <p:nvPr/>
+        </p:nvPicPr>
+        <p:blipFill>
+          <a:blip r:embed="rId4"/>
+          <a:stretch>
+            <a:fillRect/>
+          </a:stretch>
+        </p:blipFill>
+        <p:spPr>
+          <a:xfrm>
+            <a:off x="6645239" y="2876549"/>
+            <a:ext cx="5760720" cy="1791335"/>
+          </a:xfrm>
+          <a:prstGeom prst="rect">
+            <a:avLst/>
+          </a:prstGeom>
+          <a:noFill/>
+          <a:ln>
+            <a:noFill/>
+            <a:prstDash/>
+          </a:ln>
+        </p:spPr>
+      </p:pic>
+      <p:pic>
+        <p:nvPicPr>
+          <p:cNvPr id="22" name="Picture 21" descr="Text&#10;&#10;Description automatically generated with medium confidence">
+            <a:extLst>
+              <a:ext uri="{FF2B5EF4-FFF2-40B4-BE49-F238E27FC236}">
+                <a16:creationId xmlns:a16="http://schemas.microsoft.com/office/drawing/2014/main" id="{419EF9CE-183C-44DF-ADB0-EFC539E366B3}"/>
+              </a:ext>
+            </a:extLst>
+          </p:cNvPr>
+          <p:cNvPicPr/>
+          <p:nvPr/>
+        </p:nvPicPr>
+        <p:blipFill>
+          <a:blip r:embed="rId5"/>
+          <a:stretch>
+            <a:fillRect/>
+          </a:stretch>
+        </p:blipFill>
+        <p:spPr>
+          <a:xfrm>
+            <a:off x="1454561" y="1176933"/>
+            <a:ext cx="2543175" cy="1095375"/>
+          </a:xfrm>
+          <a:prstGeom prst="rect">
+            <a:avLst/>
+          </a:prstGeom>
+          <a:noFill/>
+          <a:ln>
+            <a:noFill/>
+            <a:prstDash/>
+          </a:ln>
+        </p:spPr>
+      </p:pic>
+      <p:pic>
+        <p:nvPicPr>
+          <p:cNvPr id="23" name="Picture 22" descr="Graphical user interface&#10;&#10;Description automatically generated">
+            <a:extLst>
+              <a:ext uri="{FF2B5EF4-FFF2-40B4-BE49-F238E27FC236}">
+                <a16:creationId xmlns:a16="http://schemas.microsoft.com/office/drawing/2014/main" id="{E22C2894-EF10-40F4-9E64-B5B7C340D68A}"/>
+              </a:ext>
+            </a:extLst>
+          </p:cNvPr>
+          <p:cNvPicPr/>
+          <p:nvPr/>
+        </p:nvPicPr>
+        <p:blipFill>
+          <a:blip r:embed="rId6"/>
+          <a:stretch>
+            <a:fillRect/>
+          </a:stretch>
+        </p:blipFill>
+        <p:spPr>
+          <a:xfrm>
+            <a:off x="369530" y="2441096"/>
+            <a:ext cx="5760720" cy="3085465"/>
+          </a:xfrm>
+          <a:prstGeom prst="rect">
+            <a:avLst/>
+          </a:prstGeom>
+          <a:noFill/>
+          <a:ln>
+            <a:noFill/>
+            <a:prstDash/>
+          </a:ln>
+        </p:spPr>
+      </p:pic>
+    </p:spTree>
+    <p:extLst>
+      <p:ext uri="{BB962C8B-B14F-4D97-AF65-F5344CB8AC3E}">
+        <p14:creationId xmlns:p14="http://schemas.microsoft.com/office/powerpoint/2010/main" val="805384724"/>
+      </p:ext>
+    </p:extLst>
+  </p:cSld>
+  <p:clrMapOvr>
+    <a:masterClrMapping/>
+  </p:clrMapOvr>
+</p:sld>
+</file>
+
+<file path=ppt/slides/slide18.xml><?xml version="1.0" encoding="utf-8"?>
+<p:sld xmlns:a="http://schemas.openxmlformats.org/drawingml/2006/main" xmlns:r="http://schemas.openxmlformats.org/officeDocument/2006/relationships" xmlns:p="http://schemas.openxmlformats.org/presentationml/2006/main">
+  <p:cSld>
+    <p:spTree>
+      <p:nvGrpSpPr>
+        <p:cNvPr id="1" name=""/>
+        <p:cNvGrpSpPr/>
+        <p:nvPr/>
+      </p:nvGrpSpPr>
+      <p:grpSpPr>
+        <a:xfrm>
+          <a:off x="0" y="0"/>
+          <a:ext cx="0" cy="0"/>
+          <a:chOff x="0" y="0"/>
+          <a:chExt cx="0" cy="0"/>
+        </a:xfrm>
+      </p:grpSpPr>
+      <p:sp>
+        <p:nvSpPr>
+          <p:cNvPr id="4" name="Date Placeholder 3">
+            <a:extLst>
+              <a:ext uri="{FF2B5EF4-FFF2-40B4-BE49-F238E27FC236}">
+                <a16:creationId xmlns:a16="http://schemas.microsoft.com/office/drawing/2014/main" id="{ED95C6E8-8C30-43B2-B19D-3E320E8A5CA0}"/>
+              </a:ext>
+            </a:extLst>
+          </p:cNvPr>
+          <p:cNvSpPr>
+            <a:spLocks noGrp="1"/>
+          </p:cNvSpPr>
+          <p:nvPr>
+            <p:ph type="dt" sz="half" idx="10"/>
+          </p:nvPr>
+        </p:nvSpPr>
+        <p:spPr/>
+        <p:txBody>
+          <a:bodyPr/>
+          <a:lstStyle/>
+          <a:p>
+            <a:fld id="{A5F007CA-CC09-4561-9FCD-CE44B6E86F3A}" type="datetime1">
+              <a:rPr lang="en-US" smtClean="0"/>
+              <a:t>2/24/2022</a:t>
+            </a:fld>
+            <a:endParaRPr lang="en-US"/>
+          </a:p>
+        </p:txBody>
+      </p:sp>
+      <p:sp>
+        <p:nvSpPr>
+          <p:cNvPr id="5" name="Footer Placeholder 4">
+            <a:extLst>
+              <a:ext uri="{FF2B5EF4-FFF2-40B4-BE49-F238E27FC236}">
+                <a16:creationId xmlns:a16="http://schemas.microsoft.com/office/drawing/2014/main" id="{DB3088C3-5410-4C9D-AE09-23F1A3CCFD10}"/>
+              </a:ext>
+            </a:extLst>
+          </p:cNvPr>
+          <p:cNvSpPr>
+            <a:spLocks noGrp="1"/>
+          </p:cNvSpPr>
+          <p:nvPr>
+            <p:ph type="ftr" sz="quarter" idx="11"/>
+          </p:nvPr>
+        </p:nvSpPr>
+        <p:spPr/>
+        <p:txBody>
+          <a:bodyPr/>
+          <a:lstStyle/>
+          <a:p>
+            <a:r>
+              <a:rPr lang="en-US"/>
+              <a:t>jennifer.neumaier@t-online.de</a:t>
+            </a:r>
+          </a:p>
+        </p:txBody>
+      </p:sp>
+      <p:sp>
+        <p:nvSpPr>
+          <p:cNvPr id="6" name="Title 123">
+            <a:extLst>
+              <a:ext uri="{FF2B5EF4-FFF2-40B4-BE49-F238E27FC236}">
+                <a16:creationId xmlns:a16="http://schemas.microsoft.com/office/drawing/2014/main" id="{D03DD4DA-597C-467F-AE5A-F15621FABFF5}"/>
+              </a:ext>
+            </a:extLst>
+          </p:cNvPr>
+          <p:cNvSpPr txBox="1">
+            <a:spLocks/>
+          </p:cNvSpPr>
+          <p:nvPr/>
+        </p:nvSpPr>
+        <p:spPr>
+          <a:xfrm>
+            <a:off x="0" y="96941"/>
+            <a:ext cx="4038600" cy="526312"/>
+          </a:xfrm>
+          <a:prstGeom prst="rect">
+            <a:avLst/>
+          </a:prstGeom>
+        </p:spPr>
+        <p:txBody>
+          <a:bodyPr>
+            <a:normAutofit fontScale="90000" lnSpcReduction="10000"/>
+          </a:bodyPr>
+          <a:lstStyle>
+            <a:lvl1pPr algn="l" defTabSz="914400" rtl="0" eaLnBrk="1" latinLnBrk="0" hangingPunct="1">
+              <a:lnSpc>
+                <a:spcPct val="90000"/>
+              </a:lnSpc>
+              <a:spcBef>
+                <a:spcPct val="0"/>
+              </a:spcBef>
+              <a:buNone/>
+              <a:defRPr sz="4400" kern="1200">
+                <a:solidFill>
+                  <a:schemeClr val="tx1"/>
+                </a:solidFill>
+                <a:latin typeface="+mj-lt"/>
+                <a:ea typeface="+mj-ea"/>
+                <a:cs typeface="+mj-cs"/>
+              </a:defRPr>
+            </a:lvl1pPr>
+          </a:lstStyle>
+          <a:p>
+            <a:r>
+              <a:rPr lang="de-DE" sz="3600" b="1" dirty="0"/>
+              <a:t>Pilot Study/Test Run</a:t>
+            </a:r>
+            <a:endParaRPr lang="en-US" sz="3600" b="1" dirty="0"/>
+          </a:p>
+        </p:txBody>
+      </p:sp>
+      <p:sp>
+        <p:nvSpPr>
+          <p:cNvPr id="7" name="TextBox 6">
+            <a:extLst>
+              <a:ext uri="{FF2B5EF4-FFF2-40B4-BE49-F238E27FC236}">
+                <a16:creationId xmlns:a16="http://schemas.microsoft.com/office/drawing/2014/main" id="{06A5ABB4-CE06-4A47-986F-1D45A086F8E0}"/>
+              </a:ext>
+            </a:extLst>
+          </p:cNvPr>
+          <p:cNvSpPr txBox="1"/>
+          <p:nvPr/>
+        </p:nvSpPr>
+        <p:spPr>
+          <a:xfrm>
+            <a:off x="76200" y="494046"/>
+            <a:ext cx="2384981" cy="369332"/>
+          </a:xfrm>
+          <a:prstGeom prst="rect">
+            <a:avLst/>
+          </a:prstGeom>
+          <a:noFill/>
+        </p:spPr>
+        <p:txBody>
+          <a:bodyPr wrap="square" rtlCol="0">
+            <a:spAutoFit/>
+          </a:bodyPr>
+          <a:lstStyle/>
+          <a:p>
+            <a:r>
+              <a:rPr lang="de-DE" dirty="0"/>
+              <a:t>Stand: 24.02.22</a:t>
+            </a:r>
+            <a:endParaRPr lang="en-US" dirty="0"/>
+          </a:p>
+        </p:txBody>
+      </p:sp>
+      <p:sp>
+        <p:nvSpPr>
+          <p:cNvPr id="13" name="TextBox 12">
+            <a:extLst>
+              <a:ext uri="{FF2B5EF4-FFF2-40B4-BE49-F238E27FC236}">
+                <a16:creationId xmlns:a16="http://schemas.microsoft.com/office/drawing/2014/main" id="{72CF06CB-7761-4847-93BC-44E117F0CCFB}"/>
+              </a:ext>
+            </a:extLst>
+          </p:cNvPr>
+          <p:cNvSpPr txBox="1"/>
+          <p:nvPr/>
+        </p:nvSpPr>
+        <p:spPr>
+          <a:xfrm>
+            <a:off x="8942109" y="738304"/>
+            <a:ext cx="2384981" cy="461665"/>
+          </a:xfrm>
+          <a:prstGeom prst="rect">
+            <a:avLst/>
+          </a:prstGeom>
+          <a:noFill/>
+        </p:spPr>
+        <p:txBody>
+          <a:bodyPr wrap="square" rtlCol="0">
+            <a:spAutoFit/>
+          </a:bodyPr>
+          <a:lstStyle/>
+          <a:p>
+            <a:r>
+              <a:rPr lang="de-DE" sz="2400" u="sng" dirty="0"/>
+              <a:t>V2.0</a:t>
+            </a:r>
+            <a:endParaRPr lang="de-DE" sz="2400" dirty="0"/>
+          </a:p>
+        </p:txBody>
+      </p:sp>
+      <p:sp>
+        <p:nvSpPr>
+          <p:cNvPr id="15" name="TextBox 14">
+            <a:extLst>
+              <a:ext uri="{FF2B5EF4-FFF2-40B4-BE49-F238E27FC236}">
+                <a16:creationId xmlns:a16="http://schemas.microsoft.com/office/drawing/2014/main" id="{EE6A8643-783A-47E0-BDD5-F9A49BDCC717}"/>
+              </a:ext>
+            </a:extLst>
+          </p:cNvPr>
+          <p:cNvSpPr txBox="1"/>
+          <p:nvPr/>
+        </p:nvSpPr>
+        <p:spPr>
+          <a:xfrm>
+            <a:off x="6096000" y="4380933"/>
+            <a:ext cx="4949672" cy="461665"/>
+          </a:xfrm>
+          <a:prstGeom prst="rect">
+            <a:avLst/>
+          </a:prstGeom>
+          <a:noFill/>
+        </p:spPr>
+        <p:txBody>
+          <a:bodyPr wrap="square" rtlCol="0">
+            <a:spAutoFit/>
+          </a:bodyPr>
+          <a:lstStyle/>
+          <a:p>
+            <a:r>
+              <a:rPr lang="de-DE" sz="2400" dirty="0"/>
+              <a:t>Same Problem as DAF</a:t>
+            </a:r>
+          </a:p>
+        </p:txBody>
+      </p:sp>
+      <p:sp>
+        <p:nvSpPr>
+          <p:cNvPr id="16" name="TextBox 15">
+            <a:extLst>
+              <a:ext uri="{FF2B5EF4-FFF2-40B4-BE49-F238E27FC236}">
+                <a16:creationId xmlns:a16="http://schemas.microsoft.com/office/drawing/2014/main" id="{F300E7D0-15EE-46D4-A308-D2CCBD26C124}"/>
+              </a:ext>
+            </a:extLst>
+          </p:cNvPr>
+          <p:cNvSpPr txBox="1"/>
+          <p:nvPr/>
+        </p:nvSpPr>
+        <p:spPr>
+          <a:xfrm>
+            <a:off x="4442381" y="336201"/>
+            <a:ext cx="3902316" cy="461665"/>
+          </a:xfrm>
+          <a:prstGeom prst="rect">
+            <a:avLst/>
+          </a:prstGeom>
+          <a:noFill/>
+        </p:spPr>
+        <p:txBody>
+          <a:bodyPr wrap="square" rtlCol="0">
+            <a:spAutoFit/>
+          </a:bodyPr>
+          <a:lstStyle/>
+          <a:p>
+            <a:r>
+              <a:rPr lang="de-DE" sz="2400" b="1" dirty="0"/>
+              <a:t>Epigenetics</a:t>
+            </a:r>
+          </a:p>
+        </p:txBody>
+      </p:sp>
+      <p:pic>
+        <p:nvPicPr>
+          <p:cNvPr id="17" name="Picture 16" descr="Text&#10;&#10;Description automatically generated">
+            <a:extLst>
+              <a:ext uri="{FF2B5EF4-FFF2-40B4-BE49-F238E27FC236}">
+                <a16:creationId xmlns:a16="http://schemas.microsoft.com/office/drawing/2014/main" id="{9518C603-2641-40DF-968C-463718802E33}"/>
+              </a:ext>
+            </a:extLst>
+          </p:cNvPr>
+          <p:cNvPicPr/>
+          <p:nvPr/>
+        </p:nvPicPr>
+        <p:blipFill>
+          <a:blip r:embed="rId3"/>
+          <a:stretch>
+            <a:fillRect/>
+          </a:stretch>
+        </p:blipFill>
+        <p:spPr>
+          <a:xfrm>
+            <a:off x="7952539" y="1176933"/>
+            <a:ext cx="2790190" cy="1390015"/>
+          </a:xfrm>
+          <a:prstGeom prst="rect">
+            <a:avLst/>
+          </a:prstGeom>
+          <a:noFill/>
+          <a:ln>
+            <a:noFill/>
+            <a:prstDash/>
+          </a:ln>
+        </p:spPr>
+      </p:pic>
+      <p:pic>
+        <p:nvPicPr>
+          <p:cNvPr id="18" name="Picture 17" descr="A picture containing graphical user interface&#10;&#10;Description automatically generated">
+            <a:extLst>
+              <a:ext uri="{FF2B5EF4-FFF2-40B4-BE49-F238E27FC236}">
+                <a16:creationId xmlns:a16="http://schemas.microsoft.com/office/drawing/2014/main" id="{3637AD62-2FE2-4D87-9FC8-C3F6F867C834}"/>
+              </a:ext>
+            </a:extLst>
+          </p:cNvPr>
+          <p:cNvPicPr/>
+          <p:nvPr/>
+        </p:nvPicPr>
+        <p:blipFill>
+          <a:blip r:embed="rId4"/>
+          <a:stretch>
+            <a:fillRect/>
+          </a:stretch>
+        </p:blipFill>
+        <p:spPr>
+          <a:xfrm>
+            <a:off x="5566370" y="2777687"/>
+            <a:ext cx="5760720" cy="1012825"/>
+          </a:xfrm>
+          <a:prstGeom prst="rect">
+            <a:avLst/>
+          </a:prstGeom>
+          <a:noFill/>
+          <a:ln>
+            <a:noFill/>
+            <a:prstDash/>
+          </a:ln>
+        </p:spPr>
+      </p:pic>
+    </p:spTree>
+    <p:extLst>
+      <p:ext uri="{BB962C8B-B14F-4D97-AF65-F5344CB8AC3E}">
+        <p14:creationId xmlns:p14="http://schemas.microsoft.com/office/powerpoint/2010/main" val="2757070248"/>
+      </p:ext>
+    </p:extLst>
+  </p:cSld>
+  <p:clrMapOvr>
+    <a:masterClrMapping/>
+  </p:clrMapOvr>
+</p:sld>
+</file>
+
+<file path=ppt/slides/slide19.xml><?xml version="1.0" encoding="utf-8"?>
+<p:sld xmlns:a="http://schemas.openxmlformats.org/drawingml/2006/main" xmlns:r="http://schemas.openxmlformats.org/officeDocument/2006/relationships" xmlns:p="http://schemas.openxmlformats.org/presentationml/2006/main">
+  <p:cSld>
+    <p:spTree>
+      <p:nvGrpSpPr>
+        <p:cNvPr id="1" name=""/>
+        <p:cNvGrpSpPr/>
+        <p:nvPr/>
+      </p:nvGrpSpPr>
+      <p:grpSpPr>
+        <a:xfrm>
+          <a:off x="0" y="0"/>
+          <a:ext cx="0" cy="0"/>
+          <a:chOff x="0" y="0"/>
+          <a:chExt cx="0" cy="0"/>
+        </a:xfrm>
+      </p:grpSpPr>
+      <p:sp>
+        <p:nvSpPr>
+          <p:cNvPr id="4" name="Date Placeholder 3">
+            <a:extLst>
+              <a:ext uri="{FF2B5EF4-FFF2-40B4-BE49-F238E27FC236}">
+                <a16:creationId xmlns:a16="http://schemas.microsoft.com/office/drawing/2014/main" id="{ED95C6E8-8C30-43B2-B19D-3E320E8A5CA0}"/>
+              </a:ext>
+            </a:extLst>
+          </p:cNvPr>
+          <p:cNvSpPr>
+            <a:spLocks noGrp="1"/>
+          </p:cNvSpPr>
+          <p:nvPr>
+            <p:ph type="dt" sz="half" idx="10"/>
+          </p:nvPr>
+        </p:nvSpPr>
+        <p:spPr/>
+        <p:txBody>
+          <a:bodyPr/>
+          <a:lstStyle/>
+          <a:p>
+            <a:fld id="{A5F007CA-CC09-4561-9FCD-CE44B6E86F3A}" type="datetime1">
+              <a:rPr lang="en-US" smtClean="0"/>
+              <a:t>2/24/2022</a:t>
+            </a:fld>
+            <a:endParaRPr lang="en-US"/>
+          </a:p>
+        </p:txBody>
+      </p:sp>
+      <p:sp>
+        <p:nvSpPr>
+          <p:cNvPr id="5" name="Footer Placeholder 4">
+            <a:extLst>
+              <a:ext uri="{FF2B5EF4-FFF2-40B4-BE49-F238E27FC236}">
+                <a16:creationId xmlns:a16="http://schemas.microsoft.com/office/drawing/2014/main" id="{DB3088C3-5410-4C9D-AE09-23F1A3CCFD10}"/>
+              </a:ext>
+            </a:extLst>
+          </p:cNvPr>
+          <p:cNvSpPr>
+            <a:spLocks noGrp="1"/>
+          </p:cNvSpPr>
+          <p:nvPr>
+            <p:ph type="ftr" sz="quarter" idx="11"/>
+          </p:nvPr>
+        </p:nvSpPr>
+        <p:spPr/>
+        <p:txBody>
+          <a:bodyPr/>
+          <a:lstStyle/>
+          <a:p>
+            <a:r>
+              <a:rPr lang="en-US"/>
+              <a:t>jennifer.neumaier@t-online.de</a:t>
+            </a:r>
+          </a:p>
+        </p:txBody>
+      </p:sp>
+      <p:sp>
+        <p:nvSpPr>
+          <p:cNvPr id="6" name="Title 123">
+            <a:extLst>
+              <a:ext uri="{FF2B5EF4-FFF2-40B4-BE49-F238E27FC236}">
+                <a16:creationId xmlns:a16="http://schemas.microsoft.com/office/drawing/2014/main" id="{D03DD4DA-597C-467F-AE5A-F15621FABFF5}"/>
+              </a:ext>
+            </a:extLst>
+          </p:cNvPr>
+          <p:cNvSpPr txBox="1">
+            <a:spLocks/>
+          </p:cNvSpPr>
+          <p:nvPr/>
+        </p:nvSpPr>
+        <p:spPr>
+          <a:xfrm>
+            <a:off x="0" y="96941"/>
+            <a:ext cx="4038600" cy="526312"/>
+          </a:xfrm>
+          <a:prstGeom prst="rect">
+            <a:avLst/>
+          </a:prstGeom>
+        </p:spPr>
+        <p:txBody>
+          <a:bodyPr>
+            <a:normAutofit fontScale="90000" lnSpcReduction="10000"/>
+          </a:bodyPr>
+          <a:lstStyle>
+            <a:lvl1pPr algn="l" defTabSz="914400" rtl="0" eaLnBrk="1" latinLnBrk="0" hangingPunct="1">
+              <a:lnSpc>
+                <a:spcPct val="90000"/>
+              </a:lnSpc>
+              <a:spcBef>
+                <a:spcPct val="0"/>
+              </a:spcBef>
+              <a:buNone/>
+              <a:defRPr sz="4400" kern="1200">
+                <a:solidFill>
+                  <a:schemeClr val="tx1"/>
+                </a:solidFill>
+                <a:latin typeface="+mj-lt"/>
+                <a:ea typeface="+mj-ea"/>
+                <a:cs typeface="+mj-cs"/>
+              </a:defRPr>
+            </a:lvl1pPr>
+          </a:lstStyle>
+          <a:p>
+            <a:r>
+              <a:rPr lang="de-DE" sz="3600" b="1" dirty="0"/>
+              <a:t>Pilot Study/Test Run</a:t>
+            </a:r>
+            <a:endParaRPr lang="en-US" sz="3600" b="1" dirty="0"/>
+          </a:p>
+        </p:txBody>
+      </p:sp>
+      <p:sp>
+        <p:nvSpPr>
+          <p:cNvPr id="7" name="TextBox 6">
+            <a:extLst>
+              <a:ext uri="{FF2B5EF4-FFF2-40B4-BE49-F238E27FC236}">
+                <a16:creationId xmlns:a16="http://schemas.microsoft.com/office/drawing/2014/main" id="{06A5ABB4-CE06-4A47-986F-1D45A086F8E0}"/>
+              </a:ext>
+            </a:extLst>
+          </p:cNvPr>
+          <p:cNvSpPr txBox="1"/>
+          <p:nvPr/>
+        </p:nvSpPr>
+        <p:spPr>
+          <a:xfrm>
+            <a:off x="76200" y="494046"/>
+            <a:ext cx="2384981" cy="369332"/>
+          </a:xfrm>
+          <a:prstGeom prst="rect">
+            <a:avLst/>
+          </a:prstGeom>
+          <a:noFill/>
+        </p:spPr>
+        <p:txBody>
+          <a:bodyPr wrap="square" rtlCol="0">
+            <a:spAutoFit/>
+          </a:bodyPr>
+          <a:lstStyle/>
+          <a:p>
+            <a:r>
+              <a:rPr lang="de-DE" dirty="0"/>
+              <a:t>Stand: 24.02.22</a:t>
+            </a:r>
+            <a:endParaRPr lang="en-US" dirty="0"/>
+          </a:p>
+        </p:txBody>
+      </p:sp>
+      <p:sp>
+        <p:nvSpPr>
+          <p:cNvPr id="12" name="TextBox 11">
+            <a:extLst>
+              <a:ext uri="{FF2B5EF4-FFF2-40B4-BE49-F238E27FC236}">
+                <a16:creationId xmlns:a16="http://schemas.microsoft.com/office/drawing/2014/main" id="{A0B26888-B150-4A82-8CC3-997B020D6E9B}"/>
+              </a:ext>
+            </a:extLst>
+          </p:cNvPr>
+          <p:cNvSpPr txBox="1"/>
+          <p:nvPr/>
+        </p:nvSpPr>
+        <p:spPr>
+          <a:xfrm>
+            <a:off x="2057400" y="738305"/>
+            <a:ext cx="2384981" cy="461665"/>
+          </a:xfrm>
+          <a:prstGeom prst="rect">
+            <a:avLst/>
+          </a:prstGeom>
+          <a:noFill/>
+        </p:spPr>
+        <p:txBody>
+          <a:bodyPr wrap="square" rtlCol="0">
+            <a:spAutoFit/>
+          </a:bodyPr>
+          <a:lstStyle/>
+          <a:p>
+            <a:r>
+              <a:rPr lang="de-DE" sz="2400" u="sng" dirty="0"/>
+              <a:t>V1.0</a:t>
+            </a:r>
+            <a:endParaRPr lang="de-DE" sz="2400" dirty="0"/>
+          </a:p>
+        </p:txBody>
+      </p:sp>
+      <p:sp>
+        <p:nvSpPr>
+          <p:cNvPr id="13" name="TextBox 12">
+            <a:extLst>
+              <a:ext uri="{FF2B5EF4-FFF2-40B4-BE49-F238E27FC236}">
+                <a16:creationId xmlns:a16="http://schemas.microsoft.com/office/drawing/2014/main" id="{72CF06CB-7761-4847-93BC-44E117F0CCFB}"/>
+              </a:ext>
+            </a:extLst>
+          </p:cNvPr>
+          <p:cNvSpPr txBox="1"/>
+          <p:nvPr/>
+        </p:nvSpPr>
+        <p:spPr>
+          <a:xfrm>
+            <a:off x="8942109" y="738304"/>
+            <a:ext cx="2384981" cy="461665"/>
+          </a:xfrm>
+          <a:prstGeom prst="rect">
+            <a:avLst/>
+          </a:prstGeom>
+          <a:noFill/>
+        </p:spPr>
+        <p:txBody>
+          <a:bodyPr wrap="square" rtlCol="0">
+            <a:spAutoFit/>
+          </a:bodyPr>
+          <a:lstStyle/>
+          <a:p>
+            <a:r>
+              <a:rPr lang="de-DE" sz="2400" u="sng" dirty="0"/>
+              <a:t>V2.0</a:t>
+            </a:r>
+            <a:endParaRPr lang="de-DE" sz="2400" dirty="0"/>
+          </a:p>
+        </p:txBody>
+      </p:sp>
+      <p:sp>
+        <p:nvSpPr>
+          <p:cNvPr id="16" name="TextBox 15">
+            <a:extLst>
+              <a:ext uri="{FF2B5EF4-FFF2-40B4-BE49-F238E27FC236}">
+                <a16:creationId xmlns:a16="http://schemas.microsoft.com/office/drawing/2014/main" id="{F300E7D0-15EE-46D4-A308-D2CCBD26C124}"/>
+              </a:ext>
+            </a:extLst>
+          </p:cNvPr>
+          <p:cNvSpPr txBox="1"/>
+          <p:nvPr/>
+        </p:nvSpPr>
+        <p:spPr>
+          <a:xfrm>
+            <a:off x="4442381" y="336201"/>
+            <a:ext cx="3902316" cy="461665"/>
+          </a:xfrm>
+          <a:prstGeom prst="rect">
+            <a:avLst/>
+          </a:prstGeom>
+          <a:noFill/>
+        </p:spPr>
+        <p:txBody>
+          <a:bodyPr wrap="square" rtlCol="0">
+            <a:spAutoFit/>
+          </a:bodyPr>
+          <a:lstStyle/>
+          <a:p>
+            <a:r>
+              <a:rPr lang="de-DE" sz="2400" b="1" dirty="0"/>
+              <a:t>Microbes</a:t>
+            </a:r>
+          </a:p>
+        </p:txBody>
+      </p:sp>
+      <p:pic>
+        <p:nvPicPr>
+          <p:cNvPr id="17" name="Picture 16" descr="Text&#10;&#10;Description automatically generated with medium confidence">
+            <a:extLst>
+              <a:ext uri="{FF2B5EF4-FFF2-40B4-BE49-F238E27FC236}">
+                <a16:creationId xmlns:a16="http://schemas.microsoft.com/office/drawing/2014/main" id="{C4D92E29-3C44-436A-9FC8-CCF85F06030F}"/>
+              </a:ext>
+            </a:extLst>
+          </p:cNvPr>
+          <p:cNvPicPr/>
+          <p:nvPr/>
+        </p:nvPicPr>
+        <p:blipFill>
+          <a:blip r:embed="rId3"/>
+          <a:stretch>
+            <a:fillRect/>
+          </a:stretch>
+        </p:blipFill>
+        <p:spPr>
+          <a:xfrm>
+            <a:off x="8344697" y="1360327"/>
+            <a:ext cx="2590165" cy="1266825"/>
+          </a:xfrm>
+          <a:prstGeom prst="rect">
+            <a:avLst/>
+          </a:prstGeom>
+          <a:noFill/>
+          <a:ln>
+            <a:noFill/>
+            <a:prstDash/>
+          </a:ln>
+        </p:spPr>
+      </p:pic>
+      <p:pic>
+        <p:nvPicPr>
+          <p:cNvPr id="18" name="Picture 17" descr="Table&#10;&#10;Description automatically generated">
+            <a:extLst>
+              <a:ext uri="{FF2B5EF4-FFF2-40B4-BE49-F238E27FC236}">
+                <a16:creationId xmlns:a16="http://schemas.microsoft.com/office/drawing/2014/main" id="{6807C022-4969-4F45-B7EB-F25A563DF283}"/>
+              </a:ext>
+            </a:extLst>
+          </p:cNvPr>
+          <p:cNvPicPr/>
+          <p:nvPr/>
+        </p:nvPicPr>
+        <p:blipFill>
+          <a:blip r:embed="rId4"/>
+          <a:stretch>
+            <a:fillRect/>
+          </a:stretch>
+        </p:blipFill>
+        <p:spPr>
+          <a:xfrm>
+            <a:off x="6155073" y="3054159"/>
+            <a:ext cx="5760720" cy="1521460"/>
+          </a:xfrm>
+          <a:prstGeom prst="rect">
+            <a:avLst/>
+          </a:prstGeom>
+          <a:noFill/>
+          <a:ln>
+            <a:noFill/>
+            <a:prstDash/>
+          </a:ln>
+        </p:spPr>
+      </p:pic>
+      <p:pic>
+        <p:nvPicPr>
+          <p:cNvPr id="19" name="Picture 18" descr="Text&#10;&#10;Description automatically generated">
+            <a:extLst>
+              <a:ext uri="{FF2B5EF4-FFF2-40B4-BE49-F238E27FC236}">
+                <a16:creationId xmlns:a16="http://schemas.microsoft.com/office/drawing/2014/main" id="{1C41133A-A583-4FCE-A96D-F5DA1748CB08}"/>
+              </a:ext>
+            </a:extLst>
+          </p:cNvPr>
+          <p:cNvPicPr/>
+          <p:nvPr/>
+        </p:nvPicPr>
+        <p:blipFill>
+          <a:blip r:embed="rId5"/>
+          <a:stretch>
+            <a:fillRect/>
+          </a:stretch>
+        </p:blipFill>
+        <p:spPr>
+          <a:xfrm>
+            <a:off x="1137523" y="1141542"/>
+            <a:ext cx="2647315" cy="1171575"/>
+          </a:xfrm>
+          <a:prstGeom prst="rect">
+            <a:avLst/>
+          </a:prstGeom>
+          <a:noFill/>
+          <a:ln>
+            <a:noFill/>
+            <a:prstDash/>
+          </a:ln>
+        </p:spPr>
+      </p:pic>
+      <p:pic>
+        <p:nvPicPr>
+          <p:cNvPr id="20" name="Picture 19" descr="Graphical user interface, application&#10;&#10;Description automatically generated">
+            <a:extLst>
+              <a:ext uri="{FF2B5EF4-FFF2-40B4-BE49-F238E27FC236}">
+                <a16:creationId xmlns:a16="http://schemas.microsoft.com/office/drawing/2014/main" id="{5F18C86A-2BC8-4E96-9558-D168C79953AE}"/>
+              </a:ext>
+            </a:extLst>
+          </p:cNvPr>
+          <p:cNvPicPr/>
+          <p:nvPr/>
+        </p:nvPicPr>
+        <p:blipFill>
+          <a:blip r:embed="rId6"/>
+          <a:stretch>
+            <a:fillRect/>
+          </a:stretch>
+        </p:blipFill>
+        <p:spPr>
+          <a:xfrm>
+            <a:off x="304048" y="2299198"/>
+            <a:ext cx="5760720" cy="3480435"/>
+          </a:xfrm>
+          <a:prstGeom prst="rect">
+            <a:avLst/>
+          </a:prstGeom>
+          <a:noFill/>
+          <a:ln>
+            <a:noFill/>
+            <a:prstDash/>
+          </a:ln>
+        </p:spPr>
+      </p:pic>
+      <p:sp>
+        <p:nvSpPr>
+          <p:cNvPr id="14" name="TextBox 13">
+            <a:extLst>
+              <a:ext uri="{FF2B5EF4-FFF2-40B4-BE49-F238E27FC236}">
+                <a16:creationId xmlns:a16="http://schemas.microsoft.com/office/drawing/2014/main" id="{C922ABEF-14A3-4BA5-8EDB-2A57423BA6EA}"/>
+              </a:ext>
+            </a:extLst>
+          </p:cNvPr>
+          <p:cNvSpPr txBox="1"/>
+          <p:nvPr/>
+        </p:nvSpPr>
+        <p:spPr>
+          <a:xfrm>
+            <a:off x="6393539" y="5036008"/>
+            <a:ext cx="4949672" cy="461665"/>
+          </a:xfrm>
+          <a:prstGeom prst="rect">
+            <a:avLst/>
+          </a:prstGeom>
+          <a:noFill/>
+        </p:spPr>
+        <p:txBody>
+          <a:bodyPr wrap="square" rtlCol="0">
+            <a:spAutoFit/>
+          </a:bodyPr>
+          <a:lstStyle/>
+          <a:p>
+            <a:r>
+              <a:rPr lang="de-DE" sz="2400" dirty="0"/>
+              <a:t>Same Problem as DAF</a:t>
+            </a:r>
+          </a:p>
+        </p:txBody>
+      </p:sp>
+    </p:spTree>
+    <p:extLst>
+      <p:ext uri="{BB962C8B-B14F-4D97-AF65-F5344CB8AC3E}">
+        <p14:creationId xmlns:p14="http://schemas.microsoft.com/office/powerpoint/2010/main" val="2464276405"/>
+      </p:ext>
+    </p:extLst>
+  </p:cSld>
+  <p:clrMapOvr>
+    <a:masterClrMapping/>
+  </p:clrMapOvr>
+</p:sld>
+</file>
+
+<file path=ppt/slides/slide2.xml><?xml version="1.0" encoding="utf-8"?>
+<p:sld xmlns:a="http://schemas.openxmlformats.org/drawingml/2006/main" xmlns:r="http://schemas.openxmlformats.org/officeDocument/2006/relationships" xmlns:p="http://schemas.openxmlformats.org/presentationml/2006/main">
+  <p:cSld>
+    <p:spTree>
+      <p:nvGrpSpPr>
+        <p:cNvPr id="1" name=""/>
+        <p:cNvGrpSpPr/>
+        <p:nvPr/>
+      </p:nvGrpSpPr>
+      <p:grpSpPr>
+        <a:xfrm>
+          <a:off x="0" y="0"/>
+          <a:ext cx="0" cy="0"/>
+          <a:chOff x="0" y="0"/>
+          <a:chExt cx="0" cy="0"/>
+        </a:xfrm>
+      </p:grpSpPr>
+      <p:grpSp>
+        <p:nvGrpSpPr>
+          <p:cNvPr id="26" name="Group 25">
+            <a:extLst>
+              <a:ext uri="{FF2B5EF4-FFF2-40B4-BE49-F238E27FC236}">
+                <a16:creationId xmlns:a16="http://schemas.microsoft.com/office/drawing/2014/main" id="{97713F4B-CCF9-48C4-B0B5-570E0463CC1E}"/>
+              </a:ext>
+            </a:extLst>
+          </p:cNvPr>
+          <p:cNvGrpSpPr/>
+          <p:nvPr/>
+        </p:nvGrpSpPr>
+        <p:grpSpPr>
+          <a:xfrm>
+            <a:off x="537326" y="768781"/>
+            <a:ext cx="11117347" cy="5320438"/>
+            <a:chOff x="537323" y="1254942"/>
+            <a:chExt cx="11117347" cy="5320438"/>
+          </a:xfrm>
+        </p:grpSpPr>
+        <p:sp>
+          <p:nvSpPr>
+            <p:cNvPr id="13" name="Arrow: Pentagon 12">
+              <a:extLst>
+                <a:ext uri="{FF2B5EF4-FFF2-40B4-BE49-F238E27FC236}">
+                  <a16:creationId xmlns:a16="http://schemas.microsoft.com/office/drawing/2014/main" id="{821A169C-1628-4673-8940-A5C6AA0CCFE9}"/>
+                </a:ext>
+              </a:extLst>
+            </p:cNvPr>
+            <p:cNvSpPr/>
+            <p:nvPr/>
+          </p:nvSpPr>
+          <p:spPr>
+            <a:xfrm>
+              <a:off x="537329" y="1254942"/>
+              <a:ext cx="2978869" cy="922649"/>
+            </a:xfrm>
+            <a:prstGeom prst="homePlate">
+              <a:avLst/>
+            </a:prstGeom>
+          </p:spPr>
+          <p:style>
+            <a:lnRef idx="2">
+              <a:schemeClr val="accent1">
+                <a:shade val="50000"/>
+              </a:schemeClr>
+            </a:lnRef>
+            <a:fillRef idx="1">
+              <a:schemeClr val="accent1"/>
+            </a:fillRef>
+            <a:effectRef idx="0">
+              <a:schemeClr val="accent1"/>
+            </a:effectRef>
+            <a:fontRef idx="minor">
+              <a:schemeClr val="lt1"/>
+            </a:fontRef>
+          </p:style>
+          <p:txBody>
+            <a:bodyPr numCol="1" rtlCol="0" anchor="ctr"/>
+            <a:lstStyle/>
+            <a:p>
+              <a:pPr algn="just"/>
+              <a:r>
+                <a:rPr lang="de-DE" sz="6000" b="1" dirty="0"/>
+                <a:t>S</a:t>
+              </a:r>
+              <a:r>
+                <a:rPr lang="de-DE" sz="2800" dirty="0"/>
+                <a:t>pecifc</a:t>
+              </a:r>
+              <a:endParaRPr lang="en-US" sz="6000" dirty="0"/>
+            </a:p>
+          </p:txBody>
+        </p:sp>
+        <p:sp>
+          <p:nvSpPr>
+            <p:cNvPr id="14" name="Arrow: Pentagon 13">
+              <a:extLst>
+                <a:ext uri="{FF2B5EF4-FFF2-40B4-BE49-F238E27FC236}">
+                  <a16:creationId xmlns:a16="http://schemas.microsoft.com/office/drawing/2014/main" id="{66B897CC-EEEA-4BDE-9AE6-5B6EC7D7729B}"/>
+                </a:ext>
+              </a:extLst>
+            </p:cNvPr>
+            <p:cNvSpPr/>
+            <p:nvPr/>
+          </p:nvSpPr>
+          <p:spPr>
+            <a:xfrm>
+              <a:off x="537328" y="2312315"/>
+              <a:ext cx="2978869" cy="922649"/>
+            </a:xfrm>
+            <a:prstGeom prst="homePlate">
+              <a:avLst/>
+            </a:prstGeom>
+            <a:solidFill>
+              <a:srgbClr val="92D050"/>
+            </a:solidFill>
+            <a:ln>
+              <a:solidFill>
+                <a:srgbClr val="92D050"/>
+              </a:solidFill>
+            </a:ln>
+          </p:spPr>
+          <p:style>
+            <a:lnRef idx="2">
+              <a:schemeClr val="accent1">
+                <a:shade val="50000"/>
+              </a:schemeClr>
+            </a:lnRef>
+            <a:fillRef idx="1">
+              <a:schemeClr val="accent1"/>
+            </a:fillRef>
+            <a:effectRef idx="0">
+              <a:schemeClr val="accent1"/>
+            </a:effectRef>
+            <a:fontRef idx="minor">
+              <a:schemeClr val="lt1"/>
+            </a:fontRef>
+          </p:style>
+          <p:txBody>
+            <a:bodyPr numCol="1" rtlCol="0" anchor="ctr"/>
+            <a:lstStyle/>
+            <a:p>
+              <a:pPr algn="just"/>
+              <a:r>
+                <a:rPr lang="de-DE" sz="6000" b="1" dirty="0"/>
+                <a:t>M</a:t>
+              </a:r>
+              <a:r>
+                <a:rPr lang="de-DE" sz="2800" dirty="0"/>
+                <a:t>easurable</a:t>
+              </a:r>
+              <a:endParaRPr lang="en-US" sz="2800" dirty="0"/>
+            </a:p>
+          </p:txBody>
+        </p:sp>
+        <p:sp>
+          <p:nvSpPr>
+            <p:cNvPr id="15" name="Arrow: Pentagon 14">
+              <a:extLst>
+                <a:ext uri="{FF2B5EF4-FFF2-40B4-BE49-F238E27FC236}">
+                  <a16:creationId xmlns:a16="http://schemas.microsoft.com/office/drawing/2014/main" id="{D5226AD4-336E-44A2-86FD-AF8C429B32AD}"/>
+                </a:ext>
+              </a:extLst>
+            </p:cNvPr>
+            <p:cNvSpPr/>
+            <p:nvPr/>
+          </p:nvSpPr>
+          <p:spPr>
+            <a:xfrm>
+              <a:off x="537327" y="3425627"/>
+              <a:ext cx="2978869" cy="922649"/>
+            </a:xfrm>
+            <a:prstGeom prst="homePlate">
+              <a:avLst/>
+            </a:prstGeom>
+            <a:solidFill>
+              <a:srgbClr val="FFC000"/>
+            </a:solidFill>
+            <a:ln>
+              <a:solidFill>
+                <a:srgbClr val="FFC000"/>
+              </a:solidFill>
+            </a:ln>
+          </p:spPr>
+          <p:style>
+            <a:lnRef idx="2">
+              <a:schemeClr val="accent1">
+                <a:shade val="50000"/>
+              </a:schemeClr>
+            </a:lnRef>
+            <a:fillRef idx="1">
+              <a:schemeClr val="accent1"/>
+            </a:fillRef>
+            <a:effectRef idx="0">
+              <a:schemeClr val="accent1"/>
+            </a:effectRef>
+            <a:fontRef idx="minor">
+              <a:schemeClr val="lt1"/>
+            </a:fontRef>
+          </p:style>
+          <p:txBody>
+            <a:bodyPr numCol="1" rtlCol="0" anchor="ctr"/>
+            <a:lstStyle/>
+            <a:p>
+              <a:pPr algn="just"/>
+              <a:r>
+                <a:rPr lang="de-DE" sz="6000" b="1" dirty="0"/>
+                <a:t>A</a:t>
+              </a:r>
+              <a:r>
+                <a:rPr lang="de-DE" sz="2800" dirty="0"/>
+                <a:t>chievable</a:t>
+              </a:r>
+              <a:endParaRPr lang="en-US" sz="2800" dirty="0"/>
+            </a:p>
+          </p:txBody>
+        </p:sp>
+        <p:sp>
+          <p:nvSpPr>
+            <p:cNvPr id="16" name="Arrow: Pentagon 15">
+              <a:extLst>
+                <a:ext uri="{FF2B5EF4-FFF2-40B4-BE49-F238E27FC236}">
+                  <a16:creationId xmlns:a16="http://schemas.microsoft.com/office/drawing/2014/main" id="{8997B09E-B3DA-4DE6-96C1-8DA9E142784D}"/>
+                </a:ext>
+              </a:extLst>
+            </p:cNvPr>
+            <p:cNvSpPr/>
+            <p:nvPr/>
+          </p:nvSpPr>
+          <p:spPr>
+            <a:xfrm>
+              <a:off x="537326" y="4538939"/>
+              <a:ext cx="2978869" cy="922649"/>
+            </a:xfrm>
+            <a:prstGeom prst="homePlate">
+              <a:avLst/>
+            </a:prstGeom>
+            <a:solidFill>
+              <a:srgbClr val="7030A0"/>
+            </a:solidFill>
+            <a:ln>
+              <a:solidFill>
+                <a:srgbClr val="7030A0"/>
+              </a:solidFill>
+            </a:ln>
+          </p:spPr>
+          <p:style>
+            <a:lnRef idx="2">
+              <a:schemeClr val="accent1">
+                <a:shade val="50000"/>
+              </a:schemeClr>
+            </a:lnRef>
+            <a:fillRef idx="1">
+              <a:schemeClr val="accent1"/>
+            </a:fillRef>
+            <a:effectRef idx="0">
+              <a:schemeClr val="accent1"/>
+            </a:effectRef>
+            <a:fontRef idx="minor">
+              <a:schemeClr val="lt1"/>
+            </a:fontRef>
+          </p:style>
+          <p:txBody>
+            <a:bodyPr numCol="1" rtlCol="0" anchor="ctr"/>
+            <a:lstStyle/>
+            <a:p>
+              <a:pPr algn="just"/>
+              <a:r>
+                <a:rPr lang="de-DE" sz="6000" b="1" dirty="0"/>
+                <a:t>R</a:t>
+              </a:r>
+              <a:r>
+                <a:rPr lang="de-DE" sz="2800" dirty="0"/>
+                <a:t>elevant</a:t>
+              </a:r>
+              <a:endParaRPr lang="en-US" sz="2800" dirty="0"/>
+            </a:p>
+          </p:txBody>
+        </p:sp>
+        <p:sp>
+          <p:nvSpPr>
+            <p:cNvPr id="17" name="Arrow: Pentagon 16">
+              <a:extLst>
+                <a:ext uri="{FF2B5EF4-FFF2-40B4-BE49-F238E27FC236}">
+                  <a16:creationId xmlns:a16="http://schemas.microsoft.com/office/drawing/2014/main" id="{D9A2C620-7FFB-4369-B5B8-BDD6C25C8539}"/>
+                </a:ext>
+              </a:extLst>
+            </p:cNvPr>
+            <p:cNvSpPr/>
+            <p:nvPr/>
+          </p:nvSpPr>
+          <p:spPr>
+            <a:xfrm>
+              <a:off x="537326" y="5652251"/>
+              <a:ext cx="2978869" cy="922649"/>
+            </a:xfrm>
+            <a:prstGeom prst="homePlate">
+              <a:avLst/>
+            </a:prstGeom>
+            <a:solidFill>
+              <a:srgbClr val="C00000"/>
+            </a:solidFill>
+          </p:spPr>
+          <p:style>
+            <a:lnRef idx="2">
+              <a:schemeClr val="accent1">
+                <a:shade val="50000"/>
+              </a:schemeClr>
+            </a:lnRef>
+            <a:fillRef idx="1">
+              <a:schemeClr val="accent1"/>
+            </a:fillRef>
+            <a:effectRef idx="0">
+              <a:schemeClr val="accent1"/>
+            </a:effectRef>
+            <a:fontRef idx="minor">
+              <a:schemeClr val="lt1"/>
+            </a:fontRef>
+          </p:style>
+          <p:txBody>
+            <a:bodyPr numCol="1" rtlCol="0" anchor="ctr"/>
+            <a:lstStyle/>
+            <a:p>
+              <a:pPr algn="just"/>
+              <a:r>
+                <a:rPr lang="de-DE" sz="6000" b="1" dirty="0"/>
+                <a:t>T</a:t>
+              </a:r>
+              <a:r>
+                <a:rPr lang="de-DE" sz="2800" dirty="0"/>
+                <a:t>ime-bound</a:t>
+              </a:r>
+              <a:endParaRPr lang="en-US" sz="2800" dirty="0"/>
+            </a:p>
+          </p:txBody>
+        </p:sp>
+        <p:sp>
+          <p:nvSpPr>
+            <p:cNvPr id="18" name="Rectangle 17">
+              <a:extLst>
+                <a:ext uri="{FF2B5EF4-FFF2-40B4-BE49-F238E27FC236}">
+                  <a16:creationId xmlns:a16="http://schemas.microsoft.com/office/drawing/2014/main" id="{593CECE5-CC65-4874-8918-420ABDE2648B}"/>
+                </a:ext>
+              </a:extLst>
+            </p:cNvPr>
+            <p:cNvSpPr/>
+            <p:nvPr/>
+          </p:nvSpPr>
+          <p:spPr>
+            <a:xfrm>
+              <a:off x="537325" y="1254942"/>
+              <a:ext cx="11117345" cy="922649"/>
+            </a:xfrm>
+            <a:prstGeom prst="rect">
+              <a:avLst/>
+            </a:prstGeom>
+            <a:noFill/>
+            <a:ln w="19050">
+              <a:solidFill>
+                <a:srgbClr val="0070C0"/>
+              </a:solidFill>
+            </a:ln>
+          </p:spPr>
+          <p:style>
+            <a:lnRef idx="2">
+              <a:schemeClr val="accent1">
+                <a:shade val="50000"/>
+              </a:schemeClr>
+            </a:lnRef>
+            <a:fillRef idx="1">
+              <a:schemeClr val="accent1"/>
+            </a:fillRef>
+            <a:effectRef idx="0">
+              <a:schemeClr val="accent1"/>
+            </a:effectRef>
+            <a:fontRef idx="minor">
+              <a:schemeClr val="lt1"/>
+            </a:fontRef>
+          </p:style>
+          <p:txBody>
+            <a:bodyPr rtlCol="0" anchor="ctr"/>
+            <a:lstStyle/>
+            <a:p>
+              <a:pPr algn="ctr"/>
+              <a:endParaRPr lang="en-US"/>
+            </a:p>
+          </p:txBody>
+        </p:sp>
+        <p:sp>
+          <p:nvSpPr>
+            <p:cNvPr id="19" name="Rectangle 18">
+              <a:extLst>
+                <a:ext uri="{FF2B5EF4-FFF2-40B4-BE49-F238E27FC236}">
+                  <a16:creationId xmlns:a16="http://schemas.microsoft.com/office/drawing/2014/main" id="{AE312F73-25C6-4224-A06A-E87B4F0A6C05}"/>
+                </a:ext>
+              </a:extLst>
+            </p:cNvPr>
+            <p:cNvSpPr/>
+            <p:nvPr/>
+          </p:nvSpPr>
+          <p:spPr>
+            <a:xfrm>
+              <a:off x="537325" y="2319061"/>
+              <a:ext cx="11117345" cy="922649"/>
+            </a:xfrm>
+            <a:prstGeom prst="rect">
+              <a:avLst/>
+            </a:prstGeom>
+            <a:noFill/>
+            <a:ln w="19050">
+              <a:solidFill>
+                <a:srgbClr val="92D050"/>
+              </a:solidFill>
+            </a:ln>
+          </p:spPr>
+          <p:style>
+            <a:lnRef idx="2">
+              <a:schemeClr val="accent1">
+                <a:shade val="50000"/>
+              </a:schemeClr>
+            </a:lnRef>
+            <a:fillRef idx="1">
+              <a:schemeClr val="accent1"/>
+            </a:fillRef>
+            <a:effectRef idx="0">
+              <a:schemeClr val="accent1"/>
+            </a:effectRef>
+            <a:fontRef idx="minor">
+              <a:schemeClr val="lt1"/>
+            </a:fontRef>
+          </p:style>
+          <p:txBody>
+            <a:bodyPr rtlCol="0" anchor="ctr"/>
+            <a:lstStyle/>
+            <a:p>
+              <a:pPr algn="ctr"/>
+              <a:endParaRPr lang="en-US"/>
+            </a:p>
+          </p:txBody>
+        </p:sp>
+        <p:sp>
+          <p:nvSpPr>
+            <p:cNvPr id="20" name="Rectangle 19">
+              <a:extLst>
+                <a:ext uri="{FF2B5EF4-FFF2-40B4-BE49-F238E27FC236}">
+                  <a16:creationId xmlns:a16="http://schemas.microsoft.com/office/drawing/2014/main" id="{15976351-135D-4A02-B219-62E3E901AF48}"/>
+                </a:ext>
+              </a:extLst>
+            </p:cNvPr>
+            <p:cNvSpPr/>
+            <p:nvPr/>
+          </p:nvSpPr>
+          <p:spPr>
+            <a:xfrm>
+              <a:off x="537324" y="3425626"/>
+              <a:ext cx="11117345" cy="922649"/>
+            </a:xfrm>
+            <a:prstGeom prst="rect">
+              <a:avLst/>
+            </a:prstGeom>
+            <a:noFill/>
+            <a:ln w="19050">
+              <a:solidFill>
+                <a:srgbClr val="FFC000"/>
+              </a:solidFill>
+            </a:ln>
+          </p:spPr>
+          <p:style>
+            <a:lnRef idx="2">
+              <a:schemeClr val="accent1">
+                <a:shade val="50000"/>
+              </a:schemeClr>
+            </a:lnRef>
+            <a:fillRef idx="1">
+              <a:schemeClr val="accent1"/>
+            </a:fillRef>
+            <a:effectRef idx="0">
+              <a:schemeClr val="accent1"/>
+            </a:effectRef>
+            <a:fontRef idx="minor">
+              <a:schemeClr val="lt1"/>
+            </a:fontRef>
+          </p:style>
+          <p:txBody>
+            <a:bodyPr rtlCol="0" anchor="ctr"/>
+            <a:lstStyle/>
+            <a:p>
+              <a:pPr algn="ctr"/>
+              <a:endParaRPr lang="en-US"/>
+            </a:p>
+          </p:txBody>
+        </p:sp>
+        <p:sp>
+          <p:nvSpPr>
+            <p:cNvPr id="21" name="Rectangle 20">
+              <a:extLst>
+                <a:ext uri="{FF2B5EF4-FFF2-40B4-BE49-F238E27FC236}">
+                  <a16:creationId xmlns:a16="http://schemas.microsoft.com/office/drawing/2014/main" id="{36FB0822-87FB-4ED8-8460-B40CE5BB5E86}"/>
+                </a:ext>
+              </a:extLst>
+            </p:cNvPr>
+            <p:cNvSpPr/>
+            <p:nvPr/>
+          </p:nvSpPr>
+          <p:spPr>
+            <a:xfrm>
+              <a:off x="537323" y="4538939"/>
+              <a:ext cx="11117345" cy="922649"/>
+            </a:xfrm>
+            <a:prstGeom prst="rect">
+              <a:avLst/>
+            </a:prstGeom>
+            <a:noFill/>
+            <a:ln w="19050">
+              <a:solidFill>
+                <a:srgbClr val="7030A0"/>
+              </a:solidFill>
+            </a:ln>
+          </p:spPr>
+          <p:style>
+            <a:lnRef idx="2">
+              <a:schemeClr val="accent1">
+                <a:shade val="50000"/>
+              </a:schemeClr>
+            </a:lnRef>
+            <a:fillRef idx="1">
+              <a:schemeClr val="accent1"/>
+            </a:fillRef>
+            <a:effectRef idx="0">
+              <a:schemeClr val="accent1"/>
+            </a:effectRef>
+            <a:fontRef idx="minor">
+              <a:schemeClr val="lt1"/>
+            </a:fontRef>
+          </p:style>
+          <p:txBody>
+            <a:bodyPr rtlCol="0" anchor="ctr"/>
+            <a:lstStyle/>
+            <a:p>
+              <a:pPr algn="ctr"/>
+              <a:endParaRPr lang="en-US"/>
+            </a:p>
+          </p:txBody>
+        </p:sp>
+        <p:sp>
+          <p:nvSpPr>
+            <p:cNvPr id="22" name="Rectangle 21">
+              <a:extLst>
+                <a:ext uri="{FF2B5EF4-FFF2-40B4-BE49-F238E27FC236}">
+                  <a16:creationId xmlns:a16="http://schemas.microsoft.com/office/drawing/2014/main" id="{2708E00B-9A5A-4509-85E3-F04E0FBE01EF}"/>
+                </a:ext>
+              </a:extLst>
+            </p:cNvPr>
+            <p:cNvSpPr/>
+            <p:nvPr/>
+          </p:nvSpPr>
+          <p:spPr>
+            <a:xfrm>
+              <a:off x="537323" y="5652731"/>
+              <a:ext cx="11117345" cy="922649"/>
+            </a:xfrm>
+            <a:prstGeom prst="rect">
+              <a:avLst/>
+            </a:prstGeom>
+            <a:noFill/>
+            <a:ln w="19050">
+              <a:solidFill>
+                <a:srgbClr val="C00000"/>
+              </a:solidFill>
+            </a:ln>
+          </p:spPr>
+          <p:style>
+            <a:lnRef idx="2">
+              <a:schemeClr val="accent1">
+                <a:shade val="50000"/>
+              </a:schemeClr>
+            </a:lnRef>
+            <a:fillRef idx="1">
+              <a:schemeClr val="accent1"/>
+            </a:fillRef>
+            <a:effectRef idx="0">
+              <a:schemeClr val="accent1"/>
+            </a:effectRef>
+            <a:fontRef idx="minor">
+              <a:schemeClr val="lt1"/>
+            </a:fontRef>
+          </p:style>
+          <p:txBody>
+            <a:bodyPr rtlCol="0" anchor="ctr"/>
+            <a:lstStyle/>
+            <a:p>
+              <a:pPr algn="ctr"/>
+              <a:endParaRPr lang="en-US"/>
+            </a:p>
+          </p:txBody>
+        </p:sp>
+      </p:grpSp>
+      <p:sp>
+        <p:nvSpPr>
+          <p:cNvPr id="27" name="Date Placeholder 26">
+            <a:extLst>
+              <a:ext uri="{FF2B5EF4-FFF2-40B4-BE49-F238E27FC236}">
+                <a16:creationId xmlns:a16="http://schemas.microsoft.com/office/drawing/2014/main" id="{C96FE97D-0E6E-45B1-ACF1-74DC0CBAC26E}"/>
+              </a:ext>
+            </a:extLst>
+          </p:cNvPr>
+          <p:cNvSpPr>
+            <a:spLocks noGrp="1"/>
+          </p:cNvSpPr>
+          <p:nvPr>
+            <p:ph type="dt" sz="half" idx="10"/>
+          </p:nvPr>
+        </p:nvSpPr>
+        <p:spPr/>
+        <p:txBody>
+          <a:bodyPr/>
+          <a:lstStyle/>
+          <a:p>
+            <a:fld id="{95023EA9-6CCA-4F01-9077-1E2929A4FF9F}" type="datetime1">
+              <a:rPr lang="en-US" smtClean="0"/>
+              <a:t>2/24/2022</a:t>
+            </a:fld>
+            <a:endParaRPr lang="en-US"/>
+          </a:p>
+        </p:txBody>
+      </p:sp>
+      <p:sp>
+        <p:nvSpPr>
+          <p:cNvPr id="28" name="Footer Placeholder 27">
+            <a:extLst>
+              <a:ext uri="{FF2B5EF4-FFF2-40B4-BE49-F238E27FC236}">
+                <a16:creationId xmlns:a16="http://schemas.microsoft.com/office/drawing/2014/main" id="{2EDB7B61-C283-444D-8105-BC814490CCA9}"/>
+              </a:ext>
+            </a:extLst>
+          </p:cNvPr>
+          <p:cNvSpPr>
+            <a:spLocks noGrp="1"/>
+          </p:cNvSpPr>
+          <p:nvPr>
+            <p:ph type="ftr" sz="quarter" idx="11"/>
+          </p:nvPr>
+        </p:nvSpPr>
+        <p:spPr/>
+        <p:txBody>
+          <a:bodyPr/>
+          <a:lstStyle/>
+          <a:p>
+            <a:r>
+              <a:rPr lang="en-US"/>
+              <a:t>jennifer.neumaier@t-online.de</a:t>
+            </a:r>
+          </a:p>
+        </p:txBody>
+      </p:sp>
+      <p:sp>
+        <p:nvSpPr>
+          <p:cNvPr id="31" name="TextBox 30">
+            <a:extLst>
+              <a:ext uri="{FF2B5EF4-FFF2-40B4-BE49-F238E27FC236}">
+                <a16:creationId xmlns:a16="http://schemas.microsoft.com/office/drawing/2014/main" id="{088F52A1-F5F4-4FFC-9883-124D3565B26A}"/>
+              </a:ext>
+            </a:extLst>
+          </p:cNvPr>
+          <p:cNvSpPr txBox="1"/>
+          <p:nvPr/>
+        </p:nvSpPr>
+        <p:spPr>
+          <a:xfrm>
+            <a:off x="3581400" y="768781"/>
+            <a:ext cx="8073268" cy="923330"/>
+          </a:xfrm>
+          <a:prstGeom prst="rect">
+            <a:avLst/>
+          </a:prstGeom>
+          <a:noFill/>
+        </p:spPr>
+        <p:txBody>
+          <a:bodyPr wrap="square" rtlCol="0">
+            <a:spAutoFit/>
+          </a:bodyPr>
+          <a:lstStyle/>
+          <a:p>
+            <a:r>
+              <a:rPr lang="de-DE" dirty="0"/>
+              <a:t>WormExp is a transcriptomics database for Caenorhabditis elegans (C. elegans). Here, all data that has been published all over the world are collected and sorted. The database was updated last 2017 and no new datasets were added since then.</a:t>
+            </a:r>
+            <a:endParaRPr lang="en-US" dirty="0"/>
+          </a:p>
+        </p:txBody>
+      </p:sp>
+      <p:sp>
+        <p:nvSpPr>
+          <p:cNvPr id="32" name="TextBox 31">
+            <a:extLst>
+              <a:ext uri="{FF2B5EF4-FFF2-40B4-BE49-F238E27FC236}">
+                <a16:creationId xmlns:a16="http://schemas.microsoft.com/office/drawing/2014/main" id="{6D8ADDF4-B020-4926-B8AE-2DFB840DD145}"/>
+              </a:ext>
+            </a:extLst>
+          </p:cNvPr>
+          <p:cNvSpPr txBox="1"/>
+          <p:nvPr/>
+        </p:nvSpPr>
+        <p:spPr>
+          <a:xfrm>
+            <a:off x="3581400" y="1824992"/>
+            <a:ext cx="8073268" cy="923330"/>
+          </a:xfrm>
+          <a:prstGeom prst="rect">
+            <a:avLst/>
+          </a:prstGeom>
+          <a:noFill/>
+        </p:spPr>
+        <p:txBody>
+          <a:bodyPr wrap="square" rtlCol="0">
+            <a:spAutoFit/>
+          </a:bodyPr>
+          <a:lstStyle/>
+          <a:p>
+            <a:r>
+              <a:rPr lang="de-DE" dirty="0"/>
+              <a:t>By the time of March 2022, the database will be updated, so that all recent published data (since 2017) has been added. Additionally, by then features will be implemented, to help regularly updating the database.</a:t>
+            </a:r>
+            <a:endParaRPr lang="en-US" dirty="0"/>
+          </a:p>
+        </p:txBody>
+      </p:sp>
+      <p:sp>
+        <p:nvSpPr>
+          <p:cNvPr id="33" name="TextBox 32">
+            <a:extLst>
+              <a:ext uri="{FF2B5EF4-FFF2-40B4-BE49-F238E27FC236}">
+                <a16:creationId xmlns:a16="http://schemas.microsoft.com/office/drawing/2014/main" id="{D9986957-BEA0-430E-9637-49894233EFAD}"/>
+              </a:ext>
+            </a:extLst>
+          </p:cNvPr>
+          <p:cNvSpPr txBox="1"/>
+          <p:nvPr/>
+        </p:nvSpPr>
+        <p:spPr>
+          <a:xfrm>
+            <a:off x="3581400" y="2945530"/>
+            <a:ext cx="8073268" cy="923330"/>
+          </a:xfrm>
+          <a:prstGeom prst="rect">
+            <a:avLst/>
+          </a:prstGeom>
+          <a:noFill/>
+        </p:spPr>
+        <p:txBody>
+          <a:bodyPr wrap="square" rtlCol="0">
+            <a:spAutoFit/>
+          </a:bodyPr>
+          <a:lstStyle/>
+          <a:p>
+            <a:r>
+              <a:rPr lang="de-DE" dirty="0"/>
+              <a:t>Updating the database is instrumental for gene enrichment data analysis on C. elegans. Time should be spent to correctly identify good and useable data sets and how a database is set up. This will improve the quality of future experiments. </a:t>
+            </a:r>
+            <a:endParaRPr lang="en-US" dirty="0"/>
+          </a:p>
+        </p:txBody>
+      </p:sp>
+      <p:sp>
+        <p:nvSpPr>
+          <p:cNvPr id="34" name="TextBox 33">
+            <a:extLst>
+              <a:ext uri="{FF2B5EF4-FFF2-40B4-BE49-F238E27FC236}">
+                <a16:creationId xmlns:a16="http://schemas.microsoft.com/office/drawing/2014/main" id="{4A6FB9E5-5094-42C7-A3E6-573A1D2D308D}"/>
+              </a:ext>
+            </a:extLst>
+          </p:cNvPr>
+          <p:cNvSpPr txBox="1"/>
+          <p:nvPr/>
+        </p:nvSpPr>
+        <p:spPr>
+          <a:xfrm>
+            <a:off x="3584104" y="4059524"/>
+            <a:ext cx="8073268" cy="923330"/>
+          </a:xfrm>
+          <a:prstGeom prst="rect">
+            <a:avLst/>
+          </a:prstGeom>
+          <a:noFill/>
+        </p:spPr>
+        <p:txBody>
+          <a:bodyPr wrap="square" rtlCol="0">
+            <a:spAutoFit/>
+          </a:bodyPr>
+          <a:lstStyle/>
+          <a:p>
+            <a:r>
+              <a:rPr lang="de-DE" dirty="0"/>
+              <a:t>Using databases and transcriptomics data is an integral part for experiments on C. elegans. It is therefore vital, that such a database is correctly set up and regularly updated.</a:t>
+            </a:r>
+            <a:endParaRPr lang="en-US" dirty="0"/>
+          </a:p>
+        </p:txBody>
+      </p:sp>
+      <p:sp>
+        <p:nvSpPr>
+          <p:cNvPr id="35" name="TextBox 34">
+            <a:extLst>
+              <a:ext uri="{FF2B5EF4-FFF2-40B4-BE49-F238E27FC236}">
+                <a16:creationId xmlns:a16="http://schemas.microsoft.com/office/drawing/2014/main" id="{10C131A0-CA4D-4CC6-91FF-AE1C06451EA9}"/>
+              </a:ext>
+            </a:extLst>
+          </p:cNvPr>
+          <p:cNvSpPr txBox="1"/>
+          <p:nvPr/>
+        </p:nvSpPr>
+        <p:spPr>
+          <a:xfrm>
+            <a:off x="3581400" y="5147837"/>
+            <a:ext cx="8073268" cy="923330"/>
+          </a:xfrm>
+          <a:prstGeom prst="rect">
+            <a:avLst/>
+          </a:prstGeom>
+          <a:noFill/>
+        </p:spPr>
+        <p:txBody>
+          <a:bodyPr wrap="square" rtlCol="0">
+            <a:spAutoFit/>
+          </a:bodyPr>
+          <a:lstStyle/>
+          <a:p>
+            <a:r>
+              <a:rPr lang="de-DE" dirty="0"/>
+              <a:t>In six month, the database should be updated, so it includes all recent publications, and additionally include features to make updating the database easier. This should reduce the work of a student for 6-months to only a few hours a month.</a:t>
+            </a:r>
+            <a:endParaRPr lang="en-US" dirty="0"/>
+          </a:p>
+        </p:txBody>
+      </p:sp>
+    </p:spTree>
+    <p:extLst>
+      <p:ext uri="{BB962C8B-B14F-4D97-AF65-F5344CB8AC3E}">
+        <p14:creationId xmlns:p14="http://schemas.microsoft.com/office/powerpoint/2010/main" val="2495016902"/>
+      </p:ext>
+    </p:extLst>
+  </p:cSld>
+  <p:clrMapOvr>
+    <a:masterClrMapping/>
+  </p:clrMapOvr>
+</p:sld>
+</file>
+
+<file path=ppt/slides/slide20.xml><?xml version="1.0" encoding="utf-8"?>
+<p:sld xmlns:a="http://schemas.openxmlformats.org/drawingml/2006/main" xmlns:r="http://schemas.openxmlformats.org/officeDocument/2006/relationships" xmlns:p="http://schemas.openxmlformats.org/presentationml/2006/main">
+  <p:cSld>
+    <p:spTree>
+      <p:nvGrpSpPr>
+        <p:cNvPr id="1" name=""/>
+        <p:cNvGrpSpPr/>
+        <p:nvPr/>
+      </p:nvGrpSpPr>
+      <p:grpSpPr>
+        <a:xfrm>
+          <a:off x="0" y="0"/>
+          <a:ext cx="0" cy="0"/>
+          <a:chOff x="0" y="0"/>
+          <a:chExt cx="0" cy="0"/>
+        </a:xfrm>
+      </p:grpSpPr>
+      <p:sp>
+        <p:nvSpPr>
+          <p:cNvPr id="4" name="Date Placeholder 3">
+            <a:extLst>
+              <a:ext uri="{FF2B5EF4-FFF2-40B4-BE49-F238E27FC236}">
+                <a16:creationId xmlns:a16="http://schemas.microsoft.com/office/drawing/2014/main" id="{ED95C6E8-8C30-43B2-B19D-3E320E8A5CA0}"/>
+              </a:ext>
+            </a:extLst>
+          </p:cNvPr>
+          <p:cNvSpPr>
+            <a:spLocks noGrp="1"/>
+          </p:cNvSpPr>
+          <p:nvPr>
+            <p:ph type="dt" sz="half" idx="10"/>
+          </p:nvPr>
+        </p:nvSpPr>
+        <p:spPr/>
+        <p:txBody>
+          <a:bodyPr/>
+          <a:lstStyle/>
+          <a:p>
+            <a:fld id="{A5F007CA-CC09-4561-9FCD-CE44B6E86F3A}" type="datetime1">
+              <a:rPr lang="en-US" smtClean="0"/>
+              <a:t>2/24/2022</a:t>
+            </a:fld>
+            <a:endParaRPr lang="en-US"/>
+          </a:p>
+        </p:txBody>
+      </p:sp>
+      <p:sp>
+        <p:nvSpPr>
+          <p:cNvPr id="5" name="Footer Placeholder 4">
+            <a:extLst>
+              <a:ext uri="{FF2B5EF4-FFF2-40B4-BE49-F238E27FC236}">
+                <a16:creationId xmlns:a16="http://schemas.microsoft.com/office/drawing/2014/main" id="{DB3088C3-5410-4C9D-AE09-23F1A3CCFD10}"/>
+              </a:ext>
+            </a:extLst>
+          </p:cNvPr>
+          <p:cNvSpPr>
+            <a:spLocks noGrp="1"/>
+          </p:cNvSpPr>
+          <p:nvPr>
+            <p:ph type="ftr" sz="quarter" idx="11"/>
+          </p:nvPr>
+        </p:nvSpPr>
+        <p:spPr/>
+        <p:txBody>
+          <a:bodyPr/>
+          <a:lstStyle/>
+          <a:p>
+            <a:r>
+              <a:rPr lang="en-US"/>
+              <a:t>jennifer.neumaier@t-online.de</a:t>
+            </a:r>
+          </a:p>
+        </p:txBody>
+      </p:sp>
+      <p:sp>
+        <p:nvSpPr>
+          <p:cNvPr id="6" name="Title 123">
+            <a:extLst>
+              <a:ext uri="{FF2B5EF4-FFF2-40B4-BE49-F238E27FC236}">
+                <a16:creationId xmlns:a16="http://schemas.microsoft.com/office/drawing/2014/main" id="{D03DD4DA-597C-467F-AE5A-F15621FABFF5}"/>
+              </a:ext>
+            </a:extLst>
+          </p:cNvPr>
+          <p:cNvSpPr txBox="1">
+            <a:spLocks/>
+          </p:cNvSpPr>
+          <p:nvPr/>
+        </p:nvSpPr>
+        <p:spPr>
+          <a:xfrm>
+            <a:off x="0" y="96941"/>
+            <a:ext cx="4038600" cy="526312"/>
+          </a:xfrm>
+          <a:prstGeom prst="rect">
+            <a:avLst/>
+          </a:prstGeom>
+        </p:spPr>
+        <p:txBody>
+          <a:bodyPr>
+            <a:normAutofit fontScale="90000" lnSpcReduction="10000"/>
+          </a:bodyPr>
+          <a:lstStyle>
+            <a:lvl1pPr algn="l" defTabSz="914400" rtl="0" eaLnBrk="1" latinLnBrk="0" hangingPunct="1">
+              <a:lnSpc>
+                <a:spcPct val="90000"/>
+              </a:lnSpc>
+              <a:spcBef>
+                <a:spcPct val="0"/>
+              </a:spcBef>
+              <a:buNone/>
+              <a:defRPr sz="4400" kern="1200">
+                <a:solidFill>
+                  <a:schemeClr val="tx1"/>
+                </a:solidFill>
+                <a:latin typeface="+mj-lt"/>
+                <a:ea typeface="+mj-ea"/>
+                <a:cs typeface="+mj-cs"/>
+              </a:defRPr>
+            </a:lvl1pPr>
+          </a:lstStyle>
+          <a:p>
+            <a:r>
+              <a:rPr lang="de-DE" sz="3600" b="1" dirty="0"/>
+              <a:t>Pilot Study/Test Run</a:t>
+            </a:r>
+            <a:endParaRPr lang="en-US" sz="3600" b="1" dirty="0"/>
+          </a:p>
+        </p:txBody>
+      </p:sp>
+      <p:sp>
+        <p:nvSpPr>
+          <p:cNvPr id="7" name="TextBox 6">
+            <a:extLst>
+              <a:ext uri="{FF2B5EF4-FFF2-40B4-BE49-F238E27FC236}">
+                <a16:creationId xmlns:a16="http://schemas.microsoft.com/office/drawing/2014/main" id="{06A5ABB4-CE06-4A47-986F-1D45A086F8E0}"/>
+              </a:ext>
+            </a:extLst>
+          </p:cNvPr>
+          <p:cNvSpPr txBox="1"/>
+          <p:nvPr/>
+        </p:nvSpPr>
+        <p:spPr>
+          <a:xfrm>
+            <a:off x="76200" y="494046"/>
+            <a:ext cx="2384981" cy="369332"/>
+          </a:xfrm>
+          <a:prstGeom prst="rect">
+            <a:avLst/>
+          </a:prstGeom>
+          <a:noFill/>
+        </p:spPr>
+        <p:txBody>
+          <a:bodyPr wrap="square" rtlCol="0">
+            <a:spAutoFit/>
+          </a:bodyPr>
+          <a:lstStyle/>
+          <a:p>
+            <a:r>
+              <a:rPr lang="de-DE" dirty="0"/>
+              <a:t>Stand: 24.02.22</a:t>
+            </a:r>
+            <a:endParaRPr lang="en-US" dirty="0"/>
+          </a:p>
+        </p:txBody>
+      </p:sp>
+      <p:sp>
+        <p:nvSpPr>
+          <p:cNvPr id="12" name="TextBox 11">
+            <a:extLst>
+              <a:ext uri="{FF2B5EF4-FFF2-40B4-BE49-F238E27FC236}">
+                <a16:creationId xmlns:a16="http://schemas.microsoft.com/office/drawing/2014/main" id="{A0B26888-B150-4A82-8CC3-997B020D6E9B}"/>
+              </a:ext>
+            </a:extLst>
+          </p:cNvPr>
+          <p:cNvSpPr txBox="1"/>
+          <p:nvPr/>
+        </p:nvSpPr>
+        <p:spPr>
+          <a:xfrm>
+            <a:off x="2057400" y="738305"/>
+            <a:ext cx="2384981" cy="461665"/>
+          </a:xfrm>
+          <a:prstGeom prst="rect">
+            <a:avLst/>
+          </a:prstGeom>
+          <a:noFill/>
+        </p:spPr>
+        <p:txBody>
+          <a:bodyPr wrap="square" rtlCol="0">
+            <a:spAutoFit/>
+          </a:bodyPr>
+          <a:lstStyle/>
+          <a:p>
+            <a:r>
+              <a:rPr lang="de-DE" sz="2400" u="sng" dirty="0"/>
+              <a:t>V1.0</a:t>
+            </a:r>
+            <a:endParaRPr lang="de-DE" sz="2400" dirty="0"/>
+          </a:p>
+        </p:txBody>
+      </p:sp>
+      <p:sp>
+        <p:nvSpPr>
+          <p:cNvPr id="13" name="TextBox 12">
+            <a:extLst>
+              <a:ext uri="{FF2B5EF4-FFF2-40B4-BE49-F238E27FC236}">
+                <a16:creationId xmlns:a16="http://schemas.microsoft.com/office/drawing/2014/main" id="{72CF06CB-7761-4847-93BC-44E117F0CCFB}"/>
+              </a:ext>
+            </a:extLst>
+          </p:cNvPr>
+          <p:cNvSpPr txBox="1"/>
+          <p:nvPr/>
+        </p:nvSpPr>
+        <p:spPr>
+          <a:xfrm>
+            <a:off x="8942109" y="738304"/>
+            <a:ext cx="2384981" cy="461665"/>
+          </a:xfrm>
+          <a:prstGeom prst="rect">
+            <a:avLst/>
+          </a:prstGeom>
+          <a:noFill/>
+        </p:spPr>
+        <p:txBody>
+          <a:bodyPr wrap="square" rtlCol="0">
+            <a:spAutoFit/>
+          </a:bodyPr>
+          <a:lstStyle/>
+          <a:p>
+            <a:r>
+              <a:rPr lang="de-DE" sz="2400" u="sng" dirty="0"/>
+              <a:t>V2.0</a:t>
+            </a:r>
+            <a:endParaRPr lang="de-DE" sz="2400" dirty="0"/>
+          </a:p>
+        </p:txBody>
+      </p:sp>
+      <p:sp>
+        <p:nvSpPr>
+          <p:cNvPr id="16" name="TextBox 15">
+            <a:extLst>
+              <a:ext uri="{FF2B5EF4-FFF2-40B4-BE49-F238E27FC236}">
+                <a16:creationId xmlns:a16="http://schemas.microsoft.com/office/drawing/2014/main" id="{F300E7D0-15EE-46D4-A308-D2CCBD26C124}"/>
+              </a:ext>
+            </a:extLst>
+          </p:cNvPr>
+          <p:cNvSpPr txBox="1"/>
+          <p:nvPr/>
+        </p:nvSpPr>
+        <p:spPr>
+          <a:xfrm>
+            <a:off x="4442381" y="336201"/>
+            <a:ext cx="3902316" cy="461665"/>
+          </a:xfrm>
+          <a:prstGeom prst="rect">
+            <a:avLst/>
+          </a:prstGeom>
+          <a:noFill/>
+        </p:spPr>
+        <p:txBody>
+          <a:bodyPr wrap="square" rtlCol="0">
+            <a:spAutoFit/>
+          </a:bodyPr>
+          <a:lstStyle/>
+          <a:p>
+            <a:r>
+              <a:rPr lang="de-DE" sz="2400" b="1" dirty="0"/>
+              <a:t>Microbes</a:t>
+            </a:r>
+          </a:p>
+        </p:txBody>
+      </p:sp>
+      <p:sp>
+        <p:nvSpPr>
+          <p:cNvPr id="24" name="TextBox 23">
+            <a:extLst>
+              <a:ext uri="{FF2B5EF4-FFF2-40B4-BE49-F238E27FC236}">
+                <a16:creationId xmlns:a16="http://schemas.microsoft.com/office/drawing/2014/main" id="{88CDD189-DD64-43F2-A69A-02691BDB51AD}"/>
+              </a:ext>
+            </a:extLst>
+          </p:cNvPr>
+          <p:cNvSpPr txBox="1"/>
+          <p:nvPr/>
+        </p:nvSpPr>
+        <p:spPr>
+          <a:xfrm>
+            <a:off x="6560597" y="4883445"/>
+            <a:ext cx="4949672" cy="461665"/>
+          </a:xfrm>
+          <a:prstGeom prst="rect">
+            <a:avLst/>
+          </a:prstGeom>
+          <a:noFill/>
+        </p:spPr>
+        <p:txBody>
+          <a:bodyPr wrap="square" rtlCol="0">
+            <a:spAutoFit/>
+          </a:bodyPr>
+          <a:lstStyle/>
+          <a:p>
+            <a:r>
+              <a:rPr lang="de-DE" sz="2400" dirty="0"/>
+              <a:t>Worked well</a:t>
+            </a:r>
+          </a:p>
+        </p:txBody>
+      </p:sp>
+      <p:pic>
+        <p:nvPicPr>
+          <p:cNvPr id="25" name="Picture 24" descr="Text&#10;&#10;Description automatically generated with low confidence">
+            <a:extLst>
+              <a:ext uri="{FF2B5EF4-FFF2-40B4-BE49-F238E27FC236}">
+                <a16:creationId xmlns:a16="http://schemas.microsoft.com/office/drawing/2014/main" id="{8E0F0E68-08F4-4A6C-9D32-94DFF49A22DE}"/>
+              </a:ext>
+            </a:extLst>
+          </p:cNvPr>
+          <p:cNvPicPr/>
+          <p:nvPr/>
+        </p:nvPicPr>
+        <p:blipFill>
+          <a:blip r:embed="rId3"/>
+          <a:stretch>
+            <a:fillRect/>
+          </a:stretch>
+        </p:blipFill>
+        <p:spPr>
+          <a:xfrm>
+            <a:off x="1268690" y="1236366"/>
+            <a:ext cx="2895600" cy="1114425"/>
+          </a:xfrm>
+          <a:prstGeom prst="rect">
+            <a:avLst/>
+          </a:prstGeom>
+          <a:noFill/>
+          <a:ln>
+            <a:noFill/>
+            <a:prstDash/>
+          </a:ln>
+        </p:spPr>
+      </p:pic>
+      <p:pic>
+        <p:nvPicPr>
+          <p:cNvPr id="26" name="Picture 25" descr="Graphical user interface&#10;&#10;Description automatically generated with medium confidence">
+            <a:extLst>
+              <a:ext uri="{FF2B5EF4-FFF2-40B4-BE49-F238E27FC236}">
+                <a16:creationId xmlns:a16="http://schemas.microsoft.com/office/drawing/2014/main" id="{EDD9837B-45DD-42A7-9F79-FD7EA0740C90}"/>
+              </a:ext>
+            </a:extLst>
+          </p:cNvPr>
+          <p:cNvPicPr/>
+          <p:nvPr/>
+        </p:nvPicPr>
+        <p:blipFill>
+          <a:blip r:embed="rId4"/>
+          <a:stretch>
+            <a:fillRect/>
+          </a:stretch>
+        </p:blipFill>
+        <p:spPr>
+          <a:xfrm>
+            <a:off x="276207" y="2430049"/>
+            <a:ext cx="5760720" cy="3035935"/>
+          </a:xfrm>
+          <a:prstGeom prst="rect">
+            <a:avLst/>
+          </a:prstGeom>
+          <a:noFill/>
+          <a:ln>
+            <a:noFill/>
+            <a:prstDash/>
+          </a:ln>
+        </p:spPr>
+      </p:pic>
+      <p:pic>
+        <p:nvPicPr>
+          <p:cNvPr id="27" name="Picture 26" descr="Text&#10;&#10;Description automatically generated with medium confidence">
+            <a:extLst>
+              <a:ext uri="{FF2B5EF4-FFF2-40B4-BE49-F238E27FC236}">
+                <a16:creationId xmlns:a16="http://schemas.microsoft.com/office/drawing/2014/main" id="{7B386898-081E-463E-A567-9C53E89EF659}"/>
+              </a:ext>
+            </a:extLst>
+          </p:cNvPr>
+          <p:cNvPicPr/>
+          <p:nvPr/>
+        </p:nvPicPr>
+        <p:blipFill>
+          <a:blip r:embed="rId5"/>
+          <a:stretch>
+            <a:fillRect/>
+          </a:stretch>
+        </p:blipFill>
+        <p:spPr>
+          <a:xfrm>
+            <a:off x="8344697" y="1199969"/>
+            <a:ext cx="2552700" cy="1189990"/>
+          </a:xfrm>
+          <a:prstGeom prst="rect">
+            <a:avLst/>
+          </a:prstGeom>
+          <a:noFill/>
+          <a:ln>
+            <a:noFill/>
+            <a:prstDash/>
+          </a:ln>
+        </p:spPr>
+      </p:pic>
+      <p:pic>
+        <p:nvPicPr>
+          <p:cNvPr id="28" name="Picture 27" descr="Table&#10;&#10;Description automatically generated">
+            <a:extLst>
+              <a:ext uri="{FF2B5EF4-FFF2-40B4-BE49-F238E27FC236}">
+                <a16:creationId xmlns:a16="http://schemas.microsoft.com/office/drawing/2014/main" id="{1EF12FB9-1F88-456C-AD6B-216637EA0394}"/>
+              </a:ext>
+            </a:extLst>
+          </p:cNvPr>
+          <p:cNvPicPr/>
+          <p:nvPr/>
+        </p:nvPicPr>
+        <p:blipFill>
+          <a:blip r:embed="rId6"/>
+          <a:stretch>
+            <a:fillRect/>
+          </a:stretch>
+        </p:blipFill>
+        <p:spPr>
+          <a:xfrm>
+            <a:off x="6155075" y="2851624"/>
+            <a:ext cx="5760720" cy="1443990"/>
+          </a:xfrm>
+          <a:prstGeom prst="rect">
+            <a:avLst/>
+          </a:prstGeom>
+          <a:noFill/>
+          <a:ln>
+            <a:noFill/>
+            <a:prstDash/>
+          </a:ln>
+        </p:spPr>
+      </p:pic>
+    </p:spTree>
+    <p:extLst>
+      <p:ext uri="{BB962C8B-B14F-4D97-AF65-F5344CB8AC3E}">
+        <p14:creationId xmlns:p14="http://schemas.microsoft.com/office/powerpoint/2010/main" val="1918231697"/>
+      </p:ext>
+    </p:extLst>
+  </p:cSld>
+  <p:clrMapOvr>
+    <a:masterClrMapping/>
+  </p:clrMapOvr>
+</p:sld>
+</file>
+
+<file path=ppt/slides/slide21.xml><?xml version="1.0" encoding="utf-8"?>
+<p:sld xmlns:a="http://schemas.openxmlformats.org/drawingml/2006/main" xmlns:r="http://schemas.openxmlformats.org/officeDocument/2006/relationships" xmlns:p="http://schemas.openxmlformats.org/presentationml/2006/main">
+  <p:cSld>
+    <p:spTree>
+      <p:nvGrpSpPr>
+        <p:cNvPr id="1" name=""/>
+        <p:cNvGrpSpPr/>
+        <p:nvPr/>
+      </p:nvGrpSpPr>
+      <p:grpSpPr>
+        <a:xfrm>
+          <a:off x="0" y="0"/>
+          <a:ext cx="0" cy="0"/>
+          <a:chOff x="0" y="0"/>
+          <a:chExt cx="0" cy="0"/>
+        </a:xfrm>
+      </p:grpSpPr>
+      <p:sp>
+        <p:nvSpPr>
+          <p:cNvPr id="4" name="Date Placeholder 3">
+            <a:extLst>
+              <a:ext uri="{FF2B5EF4-FFF2-40B4-BE49-F238E27FC236}">
+                <a16:creationId xmlns:a16="http://schemas.microsoft.com/office/drawing/2014/main" id="{ED95C6E8-8C30-43B2-B19D-3E320E8A5CA0}"/>
+              </a:ext>
+            </a:extLst>
+          </p:cNvPr>
+          <p:cNvSpPr>
+            <a:spLocks noGrp="1"/>
+          </p:cNvSpPr>
+          <p:nvPr>
+            <p:ph type="dt" sz="half" idx="10"/>
+          </p:nvPr>
+        </p:nvSpPr>
+        <p:spPr/>
+        <p:txBody>
+          <a:bodyPr/>
+          <a:lstStyle/>
+          <a:p>
+            <a:fld id="{A5F007CA-CC09-4561-9FCD-CE44B6E86F3A}" type="datetime1">
+              <a:rPr lang="en-US" smtClean="0"/>
+              <a:t>2/24/2022</a:t>
+            </a:fld>
+            <a:endParaRPr lang="en-US"/>
+          </a:p>
+        </p:txBody>
+      </p:sp>
+      <p:sp>
+        <p:nvSpPr>
+          <p:cNvPr id="5" name="Footer Placeholder 4">
+            <a:extLst>
+              <a:ext uri="{FF2B5EF4-FFF2-40B4-BE49-F238E27FC236}">
+                <a16:creationId xmlns:a16="http://schemas.microsoft.com/office/drawing/2014/main" id="{DB3088C3-5410-4C9D-AE09-23F1A3CCFD10}"/>
+              </a:ext>
+            </a:extLst>
+          </p:cNvPr>
+          <p:cNvSpPr>
+            <a:spLocks noGrp="1"/>
+          </p:cNvSpPr>
+          <p:nvPr>
+            <p:ph type="ftr" sz="quarter" idx="11"/>
+          </p:nvPr>
+        </p:nvSpPr>
+        <p:spPr/>
+        <p:txBody>
+          <a:bodyPr/>
+          <a:lstStyle/>
+          <a:p>
+            <a:r>
+              <a:rPr lang="en-US"/>
+              <a:t>jennifer.neumaier@t-online.de</a:t>
+            </a:r>
+          </a:p>
+        </p:txBody>
+      </p:sp>
+      <p:sp>
+        <p:nvSpPr>
+          <p:cNvPr id="6" name="Title 123">
+            <a:extLst>
+              <a:ext uri="{FF2B5EF4-FFF2-40B4-BE49-F238E27FC236}">
+                <a16:creationId xmlns:a16="http://schemas.microsoft.com/office/drawing/2014/main" id="{D03DD4DA-597C-467F-AE5A-F15621FABFF5}"/>
+              </a:ext>
+            </a:extLst>
+          </p:cNvPr>
+          <p:cNvSpPr txBox="1">
+            <a:spLocks/>
+          </p:cNvSpPr>
+          <p:nvPr/>
+        </p:nvSpPr>
+        <p:spPr>
+          <a:xfrm>
+            <a:off x="0" y="96941"/>
+            <a:ext cx="4038600" cy="526312"/>
+          </a:xfrm>
+          <a:prstGeom prst="rect">
+            <a:avLst/>
+          </a:prstGeom>
+        </p:spPr>
+        <p:txBody>
+          <a:bodyPr>
+            <a:normAutofit fontScale="90000" lnSpcReduction="10000"/>
+          </a:bodyPr>
+          <a:lstStyle>
+            <a:lvl1pPr algn="l" defTabSz="914400" rtl="0" eaLnBrk="1" latinLnBrk="0" hangingPunct="1">
+              <a:lnSpc>
+                <a:spcPct val="90000"/>
+              </a:lnSpc>
+              <a:spcBef>
+                <a:spcPct val="0"/>
+              </a:spcBef>
+              <a:buNone/>
+              <a:defRPr sz="4400" kern="1200">
+                <a:solidFill>
+                  <a:schemeClr val="tx1"/>
+                </a:solidFill>
+                <a:latin typeface="+mj-lt"/>
+                <a:ea typeface="+mj-ea"/>
+                <a:cs typeface="+mj-cs"/>
+              </a:defRPr>
+            </a:lvl1pPr>
+          </a:lstStyle>
+          <a:p>
+            <a:r>
+              <a:rPr lang="de-DE" sz="3600" b="1" dirty="0"/>
+              <a:t>Pilot Study/Test Run</a:t>
+            </a:r>
+            <a:endParaRPr lang="en-US" sz="3600" b="1" dirty="0"/>
+          </a:p>
+        </p:txBody>
+      </p:sp>
+      <p:sp>
+        <p:nvSpPr>
+          <p:cNvPr id="7" name="TextBox 6">
+            <a:extLst>
+              <a:ext uri="{FF2B5EF4-FFF2-40B4-BE49-F238E27FC236}">
+                <a16:creationId xmlns:a16="http://schemas.microsoft.com/office/drawing/2014/main" id="{06A5ABB4-CE06-4A47-986F-1D45A086F8E0}"/>
+              </a:ext>
+            </a:extLst>
+          </p:cNvPr>
+          <p:cNvSpPr txBox="1"/>
+          <p:nvPr/>
+        </p:nvSpPr>
+        <p:spPr>
+          <a:xfrm>
+            <a:off x="76200" y="494046"/>
+            <a:ext cx="2384981" cy="369332"/>
+          </a:xfrm>
+          <a:prstGeom prst="rect">
+            <a:avLst/>
+          </a:prstGeom>
+          <a:noFill/>
+        </p:spPr>
+        <p:txBody>
+          <a:bodyPr wrap="square" rtlCol="0">
+            <a:spAutoFit/>
+          </a:bodyPr>
+          <a:lstStyle/>
+          <a:p>
+            <a:r>
+              <a:rPr lang="de-DE" dirty="0"/>
+              <a:t>Stand: 24.02.22</a:t>
+            </a:r>
+            <a:endParaRPr lang="en-US" dirty="0"/>
+          </a:p>
+        </p:txBody>
+      </p:sp>
+      <p:sp>
+        <p:nvSpPr>
+          <p:cNvPr id="12" name="TextBox 11">
+            <a:extLst>
+              <a:ext uri="{FF2B5EF4-FFF2-40B4-BE49-F238E27FC236}">
+                <a16:creationId xmlns:a16="http://schemas.microsoft.com/office/drawing/2014/main" id="{A0B26888-B150-4A82-8CC3-997B020D6E9B}"/>
+              </a:ext>
+            </a:extLst>
+          </p:cNvPr>
+          <p:cNvSpPr txBox="1"/>
+          <p:nvPr/>
+        </p:nvSpPr>
+        <p:spPr>
+          <a:xfrm>
+            <a:off x="2057400" y="738305"/>
+            <a:ext cx="2384981" cy="461665"/>
+          </a:xfrm>
+          <a:prstGeom prst="rect">
+            <a:avLst/>
+          </a:prstGeom>
+          <a:noFill/>
+        </p:spPr>
+        <p:txBody>
+          <a:bodyPr wrap="square" rtlCol="0">
+            <a:spAutoFit/>
+          </a:bodyPr>
+          <a:lstStyle/>
+          <a:p>
+            <a:r>
+              <a:rPr lang="de-DE" sz="2400" u="sng" dirty="0"/>
+              <a:t>V1.0</a:t>
+            </a:r>
+            <a:endParaRPr lang="de-DE" sz="2400" dirty="0"/>
+          </a:p>
+        </p:txBody>
+      </p:sp>
+      <p:sp>
+        <p:nvSpPr>
+          <p:cNvPr id="13" name="TextBox 12">
+            <a:extLst>
+              <a:ext uri="{FF2B5EF4-FFF2-40B4-BE49-F238E27FC236}">
+                <a16:creationId xmlns:a16="http://schemas.microsoft.com/office/drawing/2014/main" id="{72CF06CB-7761-4847-93BC-44E117F0CCFB}"/>
+              </a:ext>
+            </a:extLst>
+          </p:cNvPr>
+          <p:cNvSpPr txBox="1"/>
+          <p:nvPr/>
+        </p:nvSpPr>
+        <p:spPr>
+          <a:xfrm>
+            <a:off x="8942109" y="738304"/>
+            <a:ext cx="2384981" cy="461665"/>
+          </a:xfrm>
+          <a:prstGeom prst="rect">
+            <a:avLst/>
+          </a:prstGeom>
+          <a:noFill/>
+        </p:spPr>
+        <p:txBody>
+          <a:bodyPr wrap="square" rtlCol="0">
+            <a:spAutoFit/>
+          </a:bodyPr>
+          <a:lstStyle/>
+          <a:p>
+            <a:r>
+              <a:rPr lang="de-DE" sz="2400" u="sng" dirty="0"/>
+              <a:t>V2.0</a:t>
+            </a:r>
+            <a:endParaRPr lang="de-DE" sz="2400" dirty="0"/>
+          </a:p>
+        </p:txBody>
+      </p:sp>
+      <p:sp>
+        <p:nvSpPr>
+          <p:cNvPr id="16" name="TextBox 15">
+            <a:extLst>
+              <a:ext uri="{FF2B5EF4-FFF2-40B4-BE49-F238E27FC236}">
+                <a16:creationId xmlns:a16="http://schemas.microsoft.com/office/drawing/2014/main" id="{F300E7D0-15EE-46D4-A308-D2CCBD26C124}"/>
+              </a:ext>
+            </a:extLst>
+          </p:cNvPr>
+          <p:cNvSpPr txBox="1"/>
+          <p:nvPr/>
+        </p:nvSpPr>
+        <p:spPr>
+          <a:xfrm>
+            <a:off x="4442381" y="336201"/>
+            <a:ext cx="3902316" cy="461665"/>
+          </a:xfrm>
+          <a:prstGeom prst="rect">
+            <a:avLst/>
+          </a:prstGeom>
+          <a:noFill/>
+        </p:spPr>
+        <p:txBody>
+          <a:bodyPr wrap="square" rtlCol="0">
+            <a:spAutoFit/>
+          </a:bodyPr>
+          <a:lstStyle/>
+          <a:p>
+            <a:r>
+              <a:rPr lang="de-DE" sz="2400" b="1" dirty="0"/>
+              <a:t>Tissue</a:t>
+            </a:r>
+          </a:p>
+        </p:txBody>
+      </p:sp>
+      <p:pic>
+        <p:nvPicPr>
+          <p:cNvPr id="14" name="Picture 13" descr="Text&#10;&#10;Description automatically generated with medium confidence">
+            <a:extLst>
+              <a:ext uri="{FF2B5EF4-FFF2-40B4-BE49-F238E27FC236}">
+                <a16:creationId xmlns:a16="http://schemas.microsoft.com/office/drawing/2014/main" id="{A539A4B0-ABEC-4D62-9763-4A32F697E6CB}"/>
+              </a:ext>
+            </a:extLst>
+          </p:cNvPr>
+          <p:cNvPicPr/>
+          <p:nvPr/>
+        </p:nvPicPr>
+        <p:blipFill>
+          <a:blip r:embed="rId3"/>
+          <a:stretch>
+            <a:fillRect/>
+          </a:stretch>
+        </p:blipFill>
+        <p:spPr>
+          <a:xfrm>
+            <a:off x="1099106" y="1096836"/>
+            <a:ext cx="2724150" cy="1313815"/>
+          </a:xfrm>
+          <a:prstGeom prst="rect">
+            <a:avLst/>
+          </a:prstGeom>
+          <a:noFill/>
+          <a:ln>
+            <a:noFill/>
+            <a:prstDash/>
+          </a:ln>
+        </p:spPr>
+      </p:pic>
+      <p:pic>
+        <p:nvPicPr>
+          <p:cNvPr id="15" name="Picture 14" descr="Graphical user interface&#10;&#10;Description automatically generated with low confidence">
+            <a:extLst>
+              <a:ext uri="{FF2B5EF4-FFF2-40B4-BE49-F238E27FC236}">
+                <a16:creationId xmlns:a16="http://schemas.microsoft.com/office/drawing/2014/main" id="{68C62BCB-98BD-4150-B605-2EBDCD7CB973}"/>
+              </a:ext>
+            </a:extLst>
+          </p:cNvPr>
+          <p:cNvPicPr/>
+          <p:nvPr/>
+        </p:nvPicPr>
+        <p:blipFill>
+          <a:blip r:embed="rId4"/>
+          <a:stretch>
+            <a:fillRect/>
+          </a:stretch>
+        </p:blipFill>
+        <p:spPr>
+          <a:xfrm>
+            <a:off x="276205" y="2580529"/>
+            <a:ext cx="5760720" cy="2058670"/>
+          </a:xfrm>
+          <a:prstGeom prst="rect">
+            <a:avLst/>
+          </a:prstGeom>
+          <a:noFill/>
+          <a:ln>
+            <a:noFill/>
+            <a:prstDash/>
+          </a:ln>
+        </p:spPr>
+      </p:pic>
+      <p:pic>
+        <p:nvPicPr>
+          <p:cNvPr id="17" name="Picture 16" descr="Text&#10;&#10;Description automatically generated with medium confidence">
+            <a:extLst>
+              <a:ext uri="{FF2B5EF4-FFF2-40B4-BE49-F238E27FC236}">
+                <a16:creationId xmlns:a16="http://schemas.microsoft.com/office/drawing/2014/main" id="{2B241AF0-AF57-420D-B690-85CF52F49A5B}"/>
+              </a:ext>
+            </a:extLst>
+          </p:cNvPr>
+          <p:cNvPicPr/>
+          <p:nvPr/>
+        </p:nvPicPr>
+        <p:blipFill>
+          <a:blip r:embed="rId5"/>
+          <a:stretch>
+            <a:fillRect/>
+          </a:stretch>
+        </p:blipFill>
+        <p:spPr>
+          <a:xfrm>
+            <a:off x="8100180" y="1305807"/>
+            <a:ext cx="2809875" cy="1257300"/>
+          </a:xfrm>
+          <a:prstGeom prst="rect">
+            <a:avLst/>
+          </a:prstGeom>
+          <a:noFill/>
+          <a:ln>
+            <a:noFill/>
+            <a:prstDash/>
+          </a:ln>
+        </p:spPr>
+      </p:pic>
+      <p:pic>
+        <p:nvPicPr>
+          <p:cNvPr id="18" name="Picture 17" descr="Table&#10;&#10;Description automatically generated">
+            <a:extLst>
+              <a:ext uri="{FF2B5EF4-FFF2-40B4-BE49-F238E27FC236}">
+                <a16:creationId xmlns:a16="http://schemas.microsoft.com/office/drawing/2014/main" id="{F715D9C3-1B3F-48DB-89A6-E790ADF1F0AA}"/>
+              </a:ext>
+            </a:extLst>
+          </p:cNvPr>
+          <p:cNvPicPr/>
+          <p:nvPr/>
+        </p:nvPicPr>
+        <p:blipFill>
+          <a:blip r:embed="rId6"/>
+          <a:stretch>
+            <a:fillRect/>
+          </a:stretch>
+        </p:blipFill>
+        <p:spPr>
+          <a:xfrm>
+            <a:off x="6155077" y="2669089"/>
+            <a:ext cx="5760720" cy="1702435"/>
+          </a:xfrm>
+          <a:prstGeom prst="rect">
+            <a:avLst/>
+          </a:prstGeom>
+          <a:noFill/>
+          <a:ln>
+            <a:noFill/>
+            <a:prstDash/>
+          </a:ln>
+        </p:spPr>
+      </p:pic>
+      <p:sp>
+        <p:nvSpPr>
+          <p:cNvPr id="19" name="TextBox 18">
+            <a:extLst>
+              <a:ext uri="{FF2B5EF4-FFF2-40B4-BE49-F238E27FC236}">
+                <a16:creationId xmlns:a16="http://schemas.microsoft.com/office/drawing/2014/main" id="{4C12CF39-BD37-4A37-B34C-6C77EDDFF605}"/>
+              </a:ext>
+            </a:extLst>
+          </p:cNvPr>
+          <p:cNvSpPr txBox="1"/>
+          <p:nvPr/>
+        </p:nvSpPr>
+        <p:spPr>
+          <a:xfrm>
+            <a:off x="6560601" y="5036109"/>
+            <a:ext cx="4949672" cy="461665"/>
+          </a:xfrm>
+          <a:prstGeom prst="rect">
+            <a:avLst/>
+          </a:prstGeom>
+          <a:noFill/>
+        </p:spPr>
+        <p:txBody>
+          <a:bodyPr wrap="square" rtlCol="0">
+            <a:spAutoFit/>
+          </a:bodyPr>
+          <a:lstStyle/>
+          <a:p>
+            <a:r>
+              <a:rPr lang="de-DE" sz="2400" dirty="0"/>
+              <a:t>Same Problem as DAF</a:t>
+            </a:r>
+          </a:p>
+        </p:txBody>
+      </p:sp>
+    </p:spTree>
+    <p:extLst>
+      <p:ext uri="{BB962C8B-B14F-4D97-AF65-F5344CB8AC3E}">
+        <p14:creationId xmlns:p14="http://schemas.microsoft.com/office/powerpoint/2010/main" val="250177042"/>
+      </p:ext>
+    </p:extLst>
+  </p:cSld>
+  <p:clrMapOvr>
+    <a:masterClrMapping/>
+  </p:clrMapOvr>
+</p:sld>
+</file>
+
+<file path=ppt/slides/slide22.xml><?xml version="1.0" encoding="utf-8"?>
+<p:sld xmlns:a="http://schemas.openxmlformats.org/drawingml/2006/main" xmlns:r="http://schemas.openxmlformats.org/officeDocument/2006/relationships" xmlns:p="http://schemas.openxmlformats.org/presentationml/2006/main">
+  <p:cSld>
+    <p:spTree>
+      <p:nvGrpSpPr>
+        <p:cNvPr id="1" name=""/>
+        <p:cNvGrpSpPr/>
+        <p:nvPr/>
+      </p:nvGrpSpPr>
+      <p:grpSpPr>
+        <a:xfrm>
+          <a:off x="0" y="0"/>
+          <a:ext cx="0" cy="0"/>
+          <a:chOff x="0" y="0"/>
+          <a:chExt cx="0" cy="0"/>
+        </a:xfrm>
+      </p:grpSpPr>
+      <p:sp>
+        <p:nvSpPr>
+          <p:cNvPr id="4" name="Date Placeholder 3">
+            <a:extLst>
+              <a:ext uri="{FF2B5EF4-FFF2-40B4-BE49-F238E27FC236}">
+                <a16:creationId xmlns:a16="http://schemas.microsoft.com/office/drawing/2014/main" id="{ED95C6E8-8C30-43B2-B19D-3E320E8A5CA0}"/>
+              </a:ext>
+            </a:extLst>
+          </p:cNvPr>
+          <p:cNvSpPr>
+            <a:spLocks noGrp="1"/>
+          </p:cNvSpPr>
+          <p:nvPr>
+            <p:ph type="dt" sz="half" idx="10"/>
+          </p:nvPr>
+        </p:nvSpPr>
+        <p:spPr/>
+        <p:txBody>
+          <a:bodyPr/>
+          <a:lstStyle/>
+          <a:p>
+            <a:fld id="{A5F007CA-CC09-4561-9FCD-CE44B6E86F3A}" type="datetime1">
+              <a:rPr lang="en-US" smtClean="0"/>
+              <a:t>2/24/2022</a:t>
+            </a:fld>
+            <a:endParaRPr lang="en-US"/>
+          </a:p>
+        </p:txBody>
+      </p:sp>
+      <p:sp>
+        <p:nvSpPr>
+          <p:cNvPr id="5" name="Footer Placeholder 4">
+            <a:extLst>
+              <a:ext uri="{FF2B5EF4-FFF2-40B4-BE49-F238E27FC236}">
+                <a16:creationId xmlns:a16="http://schemas.microsoft.com/office/drawing/2014/main" id="{DB3088C3-5410-4C9D-AE09-23F1A3CCFD10}"/>
+              </a:ext>
+            </a:extLst>
+          </p:cNvPr>
+          <p:cNvSpPr>
+            <a:spLocks noGrp="1"/>
+          </p:cNvSpPr>
+          <p:nvPr>
+            <p:ph type="ftr" sz="quarter" idx="11"/>
+          </p:nvPr>
+        </p:nvSpPr>
+        <p:spPr/>
+        <p:txBody>
+          <a:bodyPr/>
+          <a:lstStyle/>
+          <a:p>
+            <a:r>
+              <a:rPr lang="en-US"/>
+              <a:t>jennifer.neumaier@t-online.de</a:t>
+            </a:r>
+          </a:p>
+        </p:txBody>
+      </p:sp>
+      <p:sp>
+        <p:nvSpPr>
+          <p:cNvPr id="6" name="Title 123">
+            <a:extLst>
+              <a:ext uri="{FF2B5EF4-FFF2-40B4-BE49-F238E27FC236}">
+                <a16:creationId xmlns:a16="http://schemas.microsoft.com/office/drawing/2014/main" id="{D03DD4DA-597C-467F-AE5A-F15621FABFF5}"/>
+              </a:ext>
+            </a:extLst>
+          </p:cNvPr>
+          <p:cNvSpPr txBox="1">
+            <a:spLocks/>
+          </p:cNvSpPr>
+          <p:nvPr/>
+        </p:nvSpPr>
+        <p:spPr>
+          <a:xfrm>
+            <a:off x="0" y="96941"/>
+            <a:ext cx="4038600" cy="526312"/>
+          </a:xfrm>
+          <a:prstGeom prst="rect">
+            <a:avLst/>
+          </a:prstGeom>
+        </p:spPr>
+        <p:txBody>
+          <a:bodyPr>
+            <a:normAutofit fontScale="90000" lnSpcReduction="10000"/>
+          </a:bodyPr>
+          <a:lstStyle>
+            <a:lvl1pPr algn="l" defTabSz="914400" rtl="0" eaLnBrk="1" latinLnBrk="0" hangingPunct="1">
+              <a:lnSpc>
+                <a:spcPct val="90000"/>
+              </a:lnSpc>
+              <a:spcBef>
+                <a:spcPct val="0"/>
+              </a:spcBef>
+              <a:buNone/>
+              <a:defRPr sz="4400" kern="1200">
+                <a:solidFill>
+                  <a:schemeClr val="tx1"/>
+                </a:solidFill>
+                <a:latin typeface="+mj-lt"/>
+                <a:ea typeface="+mj-ea"/>
+                <a:cs typeface="+mj-cs"/>
+              </a:defRPr>
+            </a:lvl1pPr>
+          </a:lstStyle>
+          <a:p>
+            <a:r>
+              <a:rPr lang="de-DE" sz="3600" b="1" dirty="0"/>
+              <a:t>Pilot Study/Test Run</a:t>
+            </a:r>
+            <a:endParaRPr lang="en-US" sz="3600" b="1" dirty="0"/>
+          </a:p>
+        </p:txBody>
+      </p:sp>
+      <p:sp>
+        <p:nvSpPr>
+          <p:cNvPr id="7" name="TextBox 6">
+            <a:extLst>
+              <a:ext uri="{FF2B5EF4-FFF2-40B4-BE49-F238E27FC236}">
+                <a16:creationId xmlns:a16="http://schemas.microsoft.com/office/drawing/2014/main" id="{06A5ABB4-CE06-4A47-986F-1D45A086F8E0}"/>
+              </a:ext>
+            </a:extLst>
+          </p:cNvPr>
+          <p:cNvSpPr txBox="1"/>
+          <p:nvPr/>
+        </p:nvSpPr>
+        <p:spPr>
+          <a:xfrm>
+            <a:off x="76200" y="494046"/>
+            <a:ext cx="2384981" cy="369332"/>
+          </a:xfrm>
+          <a:prstGeom prst="rect">
+            <a:avLst/>
+          </a:prstGeom>
+          <a:noFill/>
+        </p:spPr>
+        <p:txBody>
+          <a:bodyPr wrap="square" rtlCol="0">
+            <a:spAutoFit/>
+          </a:bodyPr>
+          <a:lstStyle/>
+          <a:p>
+            <a:r>
+              <a:rPr lang="de-DE" dirty="0"/>
+              <a:t>Stand: 24.02.22</a:t>
+            </a:r>
+            <a:endParaRPr lang="en-US" dirty="0"/>
+          </a:p>
+        </p:txBody>
+      </p:sp>
+      <p:sp>
+        <p:nvSpPr>
+          <p:cNvPr id="12" name="TextBox 11">
+            <a:extLst>
+              <a:ext uri="{FF2B5EF4-FFF2-40B4-BE49-F238E27FC236}">
+                <a16:creationId xmlns:a16="http://schemas.microsoft.com/office/drawing/2014/main" id="{A0B26888-B150-4A82-8CC3-997B020D6E9B}"/>
+              </a:ext>
+            </a:extLst>
+          </p:cNvPr>
+          <p:cNvSpPr txBox="1"/>
+          <p:nvPr/>
+        </p:nvSpPr>
+        <p:spPr>
+          <a:xfrm>
+            <a:off x="2057400" y="738305"/>
+            <a:ext cx="2384981" cy="461665"/>
+          </a:xfrm>
+          <a:prstGeom prst="rect">
+            <a:avLst/>
+          </a:prstGeom>
+          <a:noFill/>
+        </p:spPr>
+        <p:txBody>
+          <a:bodyPr wrap="square" rtlCol="0">
+            <a:spAutoFit/>
+          </a:bodyPr>
+          <a:lstStyle/>
+          <a:p>
+            <a:r>
+              <a:rPr lang="de-DE" sz="2400" u="sng" dirty="0"/>
+              <a:t>V1.0</a:t>
+            </a:r>
+            <a:endParaRPr lang="de-DE" sz="2400" dirty="0"/>
+          </a:p>
+        </p:txBody>
+      </p:sp>
+      <p:sp>
+        <p:nvSpPr>
+          <p:cNvPr id="13" name="TextBox 12">
+            <a:extLst>
+              <a:ext uri="{FF2B5EF4-FFF2-40B4-BE49-F238E27FC236}">
+                <a16:creationId xmlns:a16="http://schemas.microsoft.com/office/drawing/2014/main" id="{72CF06CB-7761-4847-93BC-44E117F0CCFB}"/>
+              </a:ext>
+            </a:extLst>
+          </p:cNvPr>
+          <p:cNvSpPr txBox="1"/>
+          <p:nvPr/>
+        </p:nvSpPr>
+        <p:spPr>
+          <a:xfrm>
+            <a:off x="8942109" y="738304"/>
+            <a:ext cx="2384981" cy="461665"/>
+          </a:xfrm>
+          <a:prstGeom prst="rect">
+            <a:avLst/>
+          </a:prstGeom>
+          <a:noFill/>
+        </p:spPr>
+        <p:txBody>
+          <a:bodyPr wrap="square" rtlCol="0">
+            <a:spAutoFit/>
+          </a:bodyPr>
+          <a:lstStyle/>
+          <a:p>
+            <a:r>
+              <a:rPr lang="de-DE" sz="2400" u="sng" dirty="0"/>
+              <a:t>V2.0</a:t>
+            </a:r>
+            <a:endParaRPr lang="de-DE" sz="2400" dirty="0"/>
+          </a:p>
+        </p:txBody>
+      </p:sp>
+      <p:sp>
+        <p:nvSpPr>
+          <p:cNvPr id="16" name="TextBox 15">
+            <a:extLst>
+              <a:ext uri="{FF2B5EF4-FFF2-40B4-BE49-F238E27FC236}">
+                <a16:creationId xmlns:a16="http://schemas.microsoft.com/office/drawing/2014/main" id="{F300E7D0-15EE-46D4-A308-D2CCBD26C124}"/>
+              </a:ext>
+            </a:extLst>
+          </p:cNvPr>
+          <p:cNvSpPr txBox="1"/>
+          <p:nvPr/>
+        </p:nvSpPr>
+        <p:spPr>
+          <a:xfrm>
+            <a:off x="4442381" y="336201"/>
+            <a:ext cx="3902316" cy="461665"/>
+          </a:xfrm>
+          <a:prstGeom prst="rect">
+            <a:avLst/>
+          </a:prstGeom>
+          <a:noFill/>
+        </p:spPr>
+        <p:txBody>
+          <a:bodyPr wrap="square" rtlCol="0">
+            <a:spAutoFit/>
+          </a:bodyPr>
+          <a:lstStyle/>
+          <a:p>
+            <a:r>
+              <a:rPr lang="de-DE" sz="2400" b="1" dirty="0"/>
+              <a:t>TF Targets</a:t>
+            </a:r>
+          </a:p>
+        </p:txBody>
+      </p:sp>
+      <p:sp>
+        <p:nvSpPr>
+          <p:cNvPr id="19" name="TextBox 18">
+            <a:extLst>
+              <a:ext uri="{FF2B5EF4-FFF2-40B4-BE49-F238E27FC236}">
+                <a16:creationId xmlns:a16="http://schemas.microsoft.com/office/drawing/2014/main" id="{4C12CF39-BD37-4A37-B34C-6C77EDDFF605}"/>
+              </a:ext>
+            </a:extLst>
+          </p:cNvPr>
+          <p:cNvSpPr txBox="1"/>
+          <p:nvPr/>
+        </p:nvSpPr>
+        <p:spPr>
+          <a:xfrm>
+            <a:off x="6560601" y="5036109"/>
+            <a:ext cx="4949672" cy="461665"/>
+          </a:xfrm>
+          <a:prstGeom prst="rect">
+            <a:avLst/>
+          </a:prstGeom>
+          <a:noFill/>
+        </p:spPr>
+        <p:txBody>
+          <a:bodyPr wrap="square" rtlCol="0">
+            <a:spAutoFit/>
+          </a:bodyPr>
+          <a:lstStyle/>
+          <a:p>
+            <a:r>
+              <a:rPr lang="de-DE" sz="2400" dirty="0"/>
+              <a:t>Same Problem as DAF</a:t>
+            </a:r>
+          </a:p>
+        </p:txBody>
+      </p:sp>
+      <p:pic>
+        <p:nvPicPr>
+          <p:cNvPr id="20" name="Picture 19" descr="Text&#10;&#10;Description automatically generated with medium confidence">
+            <a:extLst>
+              <a:ext uri="{FF2B5EF4-FFF2-40B4-BE49-F238E27FC236}">
+                <a16:creationId xmlns:a16="http://schemas.microsoft.com/office/drawing/2014/main" id="{79797C8D-B846-4388-BA6B-566D583ADE4B}"/>
+              </a:ext>
+            </a:extLst>
+          </p:cNvPr>
+          <p:cNvPicPr/>
+          <p:nvPr/>
+        </p:nvPicPr>
+        <p:blipFill>
+          <a:blip r:embed="rId3"/>
+          <a:stretch>
+            <a:fillRect/>
+          </a:stretch>
+        </p:blipFill>
+        <p:spPr>
+          <a:xfrm>
+            <a:off x="8116224" y="1218779"/>
+            <a:ext cx="2867025" cy="1143000"/>
+          </a:xfrm>
+          <a:prstGeom prst="rect">
+            <a:avLst/>
+          </a:prstGeom>
+          <a:noFill/>
+          <a:ln>
+            <a:noFill/>
+            <a:prstDash/>
+          </a:ln>
+        </p:spPr>
+      </p:pic>
+      <p:pic>
+        <p:nvPicPr>
+          <p:cNvPr id="21" name="Picture 20" descr="Table&#10;&#10;Description automatically generated">
+            <a:extLst>
+              <a:ext uri="{FF2B5EF4-FFF2-40B4-BE49-F238E27FC236}">
+                <a16:creationId xmlns:a16="http://schemas.microsoft.com/office/drawing/2014/main" id="{49379F69-4550-4612-8A1D-0E71344C2BAB}"/>
+              </a:ext>
+            </a:extLst>
+          </p:cNvPr>
+          <p:cNvPicPr/>
+          <p:nvPr/>
+        </p:nvPicPr>
+        <p:blipFill>
+          <a:blip r:embed="rId4"/>
+          <a:stretch>
+            <a:fillRect/>
+          </a:stretch>
+        </p:blipFill>
+        <p:spPr>
+          <a:xfrm>
+            <a:off x="6393539" y="2700327"/>
+            <a:ext cx="5760720" cy="1768475"/>
+          </a:xfrm>
+          <a:prstGeom prst="rect">
+            <a:avLst/>
+          </a:prstGeom>
+          <a:noFill/>
+          <a:ln>
+            <a:noFill/>
+            <a:prstDash/>
+          </a:ln>
+        </p:spPr>
+      </p:pic>
+      <p:pic>
+        <p:nvPicPr>
+          <p:cNvPr id="22" name="Picture 21" descr="Text&#10;&#10;Description automatically generated with medium confidence">
+            <a:extLst>
+              <a:ext uri="{FF2B5EF4-FFF2-40B4-BE49-F238E27FC236}">
+                <a16:creationId xmlns:a16="http://schemas.microsoft.com/office/drawing/2014/main" id="{B26FFCC5-DB7D-451B-B5A5-E1B3C108D701}"/>
+              </a:ext>
+            </a:extLst>
+          </p:cNvPr>
+          <p:cNvPicPr/>
+          <p:nvPr/>
+        </p:nvPicPr>
+        <p:blipFill>
+          <a:blip r:embed="rId5"/>
+          <a:stretch>
+            <a:fillRect/>
+          </a:stretch>
+        </p:blipFill>
+        <p:spPr>
+          <a:xfrm>
+            <a:off x="1208931" y="1190514"/>
+            <a:ext cx="2838450" cy="1390015"/>
+          </a:xfrm>
+          <a:prstGeom prst="rect">
+            <a:avLst/>
+          </a:prstGeom>
+          <a:noFill/>
+          <a:ln>
+            <a:noFill/>
+            <a:prstDash/>
+          </a:ln>
+        </p:spPr>
+      </p:pic>
+      <p:pic>
+        <p:nvPicPr>
+          <p:cNvPr id="23" name="Picture 22" descr="Graphical user interface, text&#10;&#10;Description automatically generated">
+            <a:extLst>
+              <a:ext uri="{FF2B5EF4-FFF2-40B4-BE49-F238E27FC236}">
+                <a16:creationId xmlns:a16="http://schemas.microsoft.com/office/drawing/2014/main" id="{8A88D617-B782-4A73-8B0B-5A29D13B312A}"/>
+              </a:ext>
+            </a:extLst>
+          </p:cNvPr>
+          <p:cNvPicPr/>
+          <p:nvPr/>
+        </p:nvPicPr>
+        <p:blipFill>
+          <a:blip r:embed="rId6"/>
+          <a:stretch>
+            <a:fillRect/>
+          </a:stretch>
+        </p:blipFill>
+        <p:spPr>
+          <a:xfrm>
+            <a:off x="335280" y="2478964"/>
+            <a:ext cx="5760720" cy="2557145"/>
+          </a:xfrm>
+          <a:prstGeom prst="rect">
+            <a:avLst/>
+          </a:prstGeom>
+          <a:noFill/>
+          <a:ln>
+            <a:noFill/>
+            <a:prstDash/>
+          </a:ln>
+        </p:spPr>
+      </p:pic>
+    </p:spTree>
+    <p:extLst>
+      <p:ext uri="{BB962C8B-B14F-4D97-AF65-F5344CB8AC3E}">
+        <p14:creationId xmlns:p14="http://schemas.microsoft.com/office/powerpoint/2010/main" val="1116315504"/>
+      </p:ext>
+    </p:extLst>
+  </p:cSld>
+  <p:clrMapOvr>
+    <a:masterClrMapping/>
+  </p:clrMapOvr>
+</p:sld>
+</file>
+
+<file path=ppt/slides/slide23.xml><?xml version="1.0" encoding="utf-8"?>
+<p:sld xmlns:a="http://schemas.openxmlformats.org/drawingml/2006/main" xmlns:r="http://schemas.openxmlformats.org/officeDocument/2006/relationships" xmlns:p="http://schemas.openxmlformats.org/presentationml/2006/main">
+  <p:cSld>
+    <p:spTree>
+      <p:nvGrpSpPr>
+        <p:cNvPr id="1" name=""/>
+        <p:cNvGrpSpPr/>
+        <p:nvPr/>
+      </p:nvGrpSpPr>
+      <p:grpSpPr>
+        <a:xfrm>
+          <a:off x="0" y="0"/>
+          <a:ext cx="0" cy="0"/>
+          <a:chOff x="0" y="0"/>
+          <a:chExt cx="0" cy="0"/>
+        </a:xfrm>
+      </p:grpSpPr>
+      <p:sp>
+        <p:nvSpPr>
+          <p:cNvPr id="2" name="Date Placeholder 1">
+            <a:extLst>
+              <a:ext uri="{FF2B5EF4-FFF2-40B4-BE49-F238E27FC236}">
+                <a16:creationId xmlns:a16="http://schemas.microsoft.com/office/drawing/2014/main" id="{9505F123-4FCE-47F8-B736-6C88E5649988}"/>
+              </a:ext>
+            </a:extLst>
+          </p:cNvPr>
+          <p:cNvSpPr>
+            <a:spLocks noGrp="1"/>
+          </p:cNvSpPr>
+          <p:nvPr>
+            <p:ph type="dt" sz="half" idx="10"/>
+          </p:nvPr>
+        </p:nvSpPr>
+        <p:spPr/>
+        <p:txBody>
+          <a:bodyPr/>
+          <a:lstStyle/>
+          <a:p>
             <a:fld id="{FC869165-E4FA-4AC3-B6F6-7C413C044D79}" type="datetime1">
               <a:rPr lang="en-US" smtClean="0"/>
-              <a:t>2/17/2022</a:t>
+              <a:t>2/24/2022</a:t>
             </a:fld>
             <a:endParaRPr lang="en-US"/>
           </a:p>
@@ -6232,7 +11990,7 @@
 </p:sld>
 </file>
 
-<file path=ppt/slides/slide15.xml><?xml version="1.0" encoding="utf-8"?>
+<file path=ppt/slides/slide24.xml><?xml version="1.0" encoding="utf-8"?>
 <p:sld xmlns:a="http://schemas.openxmlformats.org/drawingml/2006/main" xmlns:r="http://schemas.openxmlformats.org/officeDocument/2006/relationships" xmlns:p="http://schemas.openxmlformats.org/presentationml/2006/main">
   <p:cSld>
     <p:spTree>
@@ -6272,7 +12030,7 @@
           <a:p>
             <a:fld id="{FC869165-E4FA-4AC3-B6F6-7C413C044D79}" type="datetime1">
               <a:rPr lang="en-US" smtClean="0"/>
-              <a:t>2/17/2022</a:t>
+              <a:t>2/24/2022</a:t>
             </a:fld>
             <a:endParaRPr lang="en-US" dirty="0"/>
           </a:p>
@@ -7011,7 +12769,7 @@
 </p:sld>
 </file>
 
-<file path=ppt/slides/slide16.xml><?xml version="1.0" encoding="utf-8"?>
+<file path=ppt/slides/slide25.xml><?xml version="1.0" encoding="utf-8"?>
 <p:sld xmlns:a="http://schemas.openxmlformats.org/drawingml/2006/main" xmlns:r="http://schemas.openxmlformats.org/officeDocument/2006/relationships" xmlns:p="http://schemas.openxmlformats.org/presentationml/2006/main">
   <p:cSld>
     <p:spTree>
@@ -7051,7 +12809,7 @@
           <a:p>
             <a:fld id="{FC869165-E4FA-4AC3-B6F6-7C413C044D79}" type="datetime1">
               <a:rPr lang="en-US" smtClean="0"/>
-              <a:t>2/17/2022</a:t>
+              <a:t>2/24/2022</a:t>
             </a:fld>
             <a:endParaRPr lang="en-US" dirty="0"/>
           </a:p>
@@ -7961,7 +13719,7 @@
 </p:sld>
 </file>
 
-<file path=ppt/slides/slide17.xml><?xml version="1.0" encoding="utf-8"?>
+<file path=ppt/slides/slide26.xml><?xml version="1.0" encoding="utf-8"?>
 <p:sld xmlns:a="http://schemas.openxmlformats.org/drawingml/2006/main" xmlns:r="http://schemas.openxmlformats.org/officeDocument/2006/relationships" xmlns:p="http://schemas.openxmlformats.org/presentationml/2006/main">
   <p:cSld>
     <p:spTree>
@@ -8001,7 +13759,7 @@
           <a:p>
             <a:fld id="{FC869165-E4FA-4AC3-B6F6-7C413C044D79}" type="datetime1">
               <a:rPr lang="en-US" smtClean="0"/>
-              <a:t>2/17/2022</a:t>
+              <a:t>2/24/2022</a:t>
             </a:fld>
             <a:endParaRPr lang="en-US" dirty="0"/>
           </a:p>
@@ -9154,7 +14912,7 @@
 </p:sld>
 </file>
 
-<file path=ppt/slides/slide18.xml><?xml version="1.0" encoding="utf-8"?>
+<file path=ppt/slides/slide27.xml><?xml version="1.0" encoding="utf-8"?>
 <p:sld xmlns:a="http://schemas.openxmlformats.org/drawingml/2006/main" xmlns:r="http://schemas.openxmlformats.org/officeDocument/2006/relationships" xmlns:p="http://schemas.openxmlformats.org/presentationml/2006/main">
   <p:cSld>
     <p:spTree>
@@ -9194,7 +14952,7 @@
           <a:p>
             <a:fld id="{FC869165-E4FA-4AC3-B6F6-7C413C044D79}" type="datetime1">
               <a:rPr lang="en-US" smtClean="0"/>
-              <a:t>2/17/2022</a:t>
+              <a:t>2/24/2022</a:t>
             </a:fld>
             <a:endParaRPr lang="en-US" dirty="0"/>
           </a:p>
@@ -10186,7 +15944,7 @@
 </p:sld>
 </file>
 
-<file path=ppt/slides/slide19.xml><?xml version="1.0" encoding="utf-8"?>
+<file path=ppt/slides/slide28.xml><?xml version="1.0" encoding="utf-8"?>
 <p:sld xmlns:a="http://schemas.openxmlformats.org/drawingml/2006/main" xmlns:r="http://schemas.openxmlformats.org/officeDocument/2006/relationships" xmlns:p="http://schemas.openxmlformats.org/presentationml/2006/main">
   <p:cSld>
     <p:spTree>
@@ -10226,7 +15984,7 @@
           <a:p>
             <a:fld id="{FC869165-E4FA-4AC3-B6F6-7C413C044D79}" type="datetime1">
               <a:rPr lang="en-US" smtClean="0"/>
-              <a:t>2/17/2022</a:t>
+              <a:t>2/24/2022</a:t>
             </a:fld>
             <a:endParaRPr lang="en-US" dirty="0"/>
           </a:p>
@@ -11265,852 +17023,7 @@
 </p:sld>
 </file>
 
-<file path=ppt/slides/slide2.xml><?xml version="1.0" encoding="utf-8"?>
-<p:sld xmlns:a="http://schemas.openxmlformats.org/drawingml/2006/main" xmlns:r="http://schemas.openxmlformats.org/officeDocument/2006/relationships" xmlns:p="http://schemas.openxmlformats.org/presentationml/2006/main">
-  <p:cSld>
-    <p:spTree>
-      <p:nvGrpSpPr>
-        <p:cNvPr id="1" name=""/>
-        <p:cNvGrpSpPr/>
-        <p:nvPr/>
-      </p:nvGrpSpPr>
-      <p:grpSpPr>
-        <a:xfrm>
-          <a:off x="0" y="0"/>
-          <a:ext cx="0" cy="0"/>
-          <a:chOff x="0" y="0"/>
-          <a:chExt cx="0" cy="0"/>
-        </a:xfrm>
-      </p:grpSpPr>
-      <p:grpSp>
-        <p:nvGrpSpPr>
-          <p:cNvPr id="26" name="Group 25">
-            <a:extLst>
-              <a:ext uri="{FF2B5EF4-FFF2-40B4-BE49-F238E27FC236}">
-                <a16:creationId xmlns:a16="http://schemas.microsoft.com/office/drawing/2014/main" id="{97713F4B-CCF9-48C4-B0B5-570E0463CC1E}"/>
-              </a:ext>
-            </a:extLst>
-          </p:cNvPr>
-          <p:cNvGrpSpPr/>
-          <p:nvPr/>
-        </p:nvGrpSpPr>
-        <p:grpSpPr>
-          <a:xfrm>
-            <a:off x="537326" y="768781"/>
-            <a:ext cx="11117347" cy="5320438"/>
-            <a:chOff x="537323" y="1254942"/>
-            <a:chExt cx="11117347" cy="5320438"/>
-          </a:xfrm>
-        </p:grpSpPr>
-        <p:sp>
-          <p:nvSpPr>
-            <p:cNvPr id="13" name="Arrow: Pentagon 12">
-              <a:extLst>
-                <a:ext uri="{FF2B5EF4-FFF2-40B4-BE49-F238E27FC236}">
-                  <a16:creationId xmlns:a16="http://schemas.microsoft.com/office/drawing/2014/main" id="{821A169C-1628-4673-8940-A5C6AA0CCFE9}"/>
-                </a:ext>
-              </a:extLst>
-            </p:cNvPr>
-            <p:cNvSpPr/>
-            <p:nvPr/>
-          </p:nvSpPr>
-          <p:spPr>
-            <a:xfrm>
-              <a:off x="537329" y="1254942"/>
-              <a:ext cx="2978869" cy="922649"/>
-            </a:xfrm>
-            <a:prstGeom prst="homePlate">
-              <a:avLst/>
-            </a:prstGeom>
-          </p:spPr>
-          <p:style>
-            <a:lnRef idx="2">
-              <a:schemeClr val="accent1">
-                <a:shade val="50000"/>
-              </a:schemeClr>
-            </a:lnRef>
-            <a:fillRef idx="1">
-              <a:schemeClr val="accent1"/>
-            </a:fillRef>
-            <a:effectRef idx="0">
-              <a:schemeClr val="accent1"/>
-            </a:effectRef>
-            <a:fontRef idx="minor">
-              <a:schemeClr val="lt1"/>
-            </a:fontRef>
-          </p:style>
-          <p:txBody>
-            <a:bodyPr numCol="1" rtlCol="0" anchor="ctr"/>
-            <a:lstStyle/>
-            <a:p>
-              <a:pPr algn="just"/>
-              <a:r>
-                <a:rPr lang="de-DE" sz="6000" b="1" dirty="0"/>
-                <a:t>S</a:t>
-              </a:r>
-              <a:r>
-                <a:rPr lang="de-DE" sz="2800" dirty="0"/>
-                <a:t>pecifc</a:t>
-              </a:r>
-              <a:endParaRPr lang="en-US" sz="6000" dirty="0"/>
-            </a:p>
-          </p:txBody>
-        </p:sp>
-        <p:sp>
-          <p:nvSpPr>
-            <p:cNvPr id="14" name="Arrow: Pentagon 13">
-              <a:extLst>
-                <a:ext uri="{FF2B5EF4-FFF2-40B4-BE49-F238E27FC236}">
-                  <a16:creationId xmlns:a16="http://schemas.microsoft.com/office/drawing/2014/main" id="{66B897CC-EEEA-4BDE-9AE6-5B6EC7D7729B}"/>
-                </a:ext>
-              </a:extLst>
-            </p:cNvPr>
-            <p:cNvSpPr/>
-            <p:nvPr/>
-          </p:nvSpPr>
-          <p:spPr>
-            <a:xfrm>
-              <a:off x="537328" y="2312315"/>
-              <a:ext cx="2978869" cy="922649"/>
-            </a:xfrm>
-            <a:prstGeom prst="homePlate">
-              <a:avLst/>
-            </a:prstGeom>
-            <a:solidFill>
-              <a:srgbClr val="92D050"/>
-            </a:solidFill>
-            <a:ln>
-              <a:solidFill>
-                <a:srgbClr val="92D050"/>
-              </a:solidFill>
-            </a:ln>
-          </p:spPr>
-          <p:style>
-            <a:lnRef idx="2">
-              <a:schemeClr val="accent1">
-                <a:shade val="50000"/>
-              </a:schemeClr>
-            </a:lnRef>
-            <a:fillRef idx="1">
-              <a:schemeClr val="accent1"/>
-            </a:fillRef>
-            <a:effectRef idx="0">
-              <a:schemeClr val="accent1"/>
-            </a:effectRef>
-            <a:fontRef idx="minor">
-              <a:schemeClr val="lt1"/>
-            </a:fontRef>
-          </p:style>
-          <p:txBody>
-            <a:bodyPr numCol="1" rtlCol="0" anchor="ctr"/>
-            <a:lstStyle/>
-            <a:p>
-              <a:pPr algn="just"/>
-              <a:r>
-                <a:rPr lang="de-DE" sz="6000" b="1" dirty="0"/>
-                <a:t>M</a:t>
-              </a:r>
-              <a:r>
-                <a:rPr lang="de-DE" sz="2800" dirty="0"/>
-                <a:t>easurable</a:t>
-              </a:r>
-              <a:endParaRPr lang="en-US" sz="2800" dirty="0"/>
-            </a:p>
-          </p:txBody>
-        </p:sp>
-        <p:sp>
-          <p:nvSpPr>
-            <p:cNvPr id="15" name="Arrow: Pentagon 14">
-              <a:extLst>
-                <a:ext uri="{FF2B5EF4-FFF2-40B4-BE49-F238E27FC236}">
-                  <a16:creationId xmlns:a16="http://schemas.microsoft.com/office/drawing/2014/main" id="{D5226AD4-336E-44A2-86FD-AF8C429B32AD}"/>
-                </a:ext>
-              </a:extLst>
-            </p:cNvPr>
-            <p:cNvSpPr/>
-            <p:nvPr/>
-          </p:nvSpPr>
-          <p:spPr>
-            <a:xfrm>
-              <a:off x="537327" y="3425627"/>
-              <a:ext cx="2978869" cy="922649"/>
-            </a:xfrm>
-            <a:prstGeom prst="homePlate">
-              <a:avLst/>
-            </a:prstGeom>
-            <a:solidFill>
-              <a:srgbClr val="FFC000"/>
-            </a:solidFill>
-            <a:ln>
-              <a:solidFill>
-                <a:srgbClr val="FFC000"/>
-              </a:solidFill>
-            </a:ln>
-          </p:spPr>
-          <p:style>
-            <a:lnRef idx="2">
-              <a:schemeClr val="accent1">
-                <a:shade val="50000"/>
-              </a:schemeClr>
-            </a:lnRef>
-            <a:fillRef idx="1">
-              <a:schemeClr val="accent1"/>
-            </a:fillRef>
-            <a:effectRef idx="0">
-              <a:schemeClr val="accent1"/>
-            </a:effectRef>
-            <a:fontRef idx="minor">
-              <a:schemeClr val="lt1"/>
-            </a:fontRef>
-          </p:style>
-          <p:txBody>
-            <a:bodyPr numCol="1" rtlCol="0" anchor="ctr"/>
-            <a:lstStyle/>
-            <a:p>
-              <a:pPr algn="just"/>
-              <a:r>
-                <a:rPr lang="de-DE" sz="6000" b="1" dirty="0"/>
-                <a:t>A</a:t>
-              </a:r>
-              <a:r>
-                <a:rPr lang="de-DE" sz="2800" dirty="0"/>
-                <a:t>chievable</a:t>
-              </a:r>
-              <a:endParaRPr lang="en-US" sz="2800" dirty="0"/>
-            </a:p>
-          </p:txBody>
-        </p:sp>
-        <p:sp>
-          <p:nvSpPr>
-            <p:cNvPr id="16" name="Arrow: Pentagon 15">
-              <a:extLst>
-                <a:ext uri="{FF2B5EF4-FFF2-40B4-BE49-F238E27FC236}">
-                  <a16:creationId xmlns:a16="http://schemas.microsoft.com/office/drawing/2014/main" id="{8997B09E-B3DA-4DE6-96C1-8DA9E142784D}"/>
-                </a:ext>
-              </a:extLst>
-            </p:cNvPr>
-            <p:cNvSpPr/>
-            <p:nvPr/>
-          </p:nvSpPr>
-          <p:spPr>
-            <a:xfrm>
-              <a:off x="537326" y="4538939"/>
-              <a:ext cx="2978869" cy="922649"/>
-            </a:xfrm>
-            <a:prstGeom prst="homePlate">
-              <a:avLst/>
-            </a:prstGeom>
-            <a:solidFill>
-              <a:srgbClr val="7030A0"/>
-            </a:solidFill>
-            <a:ln>
-              <a:solidFill>
-                <a:srgbClr val="7030A0"/>
-              </a:solidFill>
-            </a:ln>
-          </p:spPr>
-          <p:style>
-            <a:lnRef idx="2">
-              <a:schemeClr val="accent1">
-                <a:shade val="50000"/>
-              </a:schemeClr>
-            </a:lnRef>
-            <a:fillRef idx="1">
-              <a:schemeClr val="accent1"/>
-            </a:fillRef>
-            <a:effectRef idx="0">
-              <a:schemeClr val="accent1"/>
-            </a:effectRef>
-            <a:fontRef idx="minor">
-              <a:schemeClr val="lt1"/>
-            </a:fontRef>
-          </p:style>
-          <p:txBody>
-            <a:bodyPr numCol="1" rtlCol="0" anchor="ctr"/>
-            <a:lstStyle/>
-            <a:p>
-              <a:pPr algn="just"/>
-              <a:r>
-                <a:rPr lang="de-DE" sz="6000" b="1" dirty="0"/>
-                <a:t>R</a:t>
-              </a:r>
-              <a:r>
-                <a:rPr lang="de-DE" sz="2800" dirty="0"/>
-                <a:t>elevant</a:t>
-              </a:r>
-              <a:endParaRPr lang="en-US" sz="2800" dirty="0"/>
-            </a:p>
-          </p:txBody>
-        </p:sp>
-        <p:sp>
-          <p:nvSpPr>
-            <p:cNvPr id="17" name="Arrow: Pentagon 16">
-              <a:extLst>
-                <a:ext uri="{FF2B5EF4-FFF2-40B4-BE49-F238E27FC236}">
-                  <a16:creationId xmlns:a16="http://schemas.microsoft.com/office/drawing/2014/main" id="{D9A2C620-7FFB-4369-B5B8-BDD6C25C8539}"/>
-                </a:ext>
-              </a:extLst>
-            </p:cNvPr>
-            <p:cNvSpPr/>
-            <p:nvPr/>
-          </p:nvSpPr>
-          <p:spPr>
-            <a:xfrm>
-              <a:off x="537326" y="5652251"/>
-              <a:ext cx="2978869" cy="922649"/>
-            </a:xfrm>
-            <a:prstGeom prst="homePlate">
-              <a:avLst/>
-            </a:prstGeom>
-            <a:solidFill>
-              <a:srgbClr val="C00000"/>
-            </a:solidFill>
-          </p:spPr>
-          <p:style>
-            <a:lnRef idx="2">
-              <a:schemeClr val="accent1">
-                <a:shade val="50000"/>
-              </a:schemeClr>
-            </a:lnRef>
-            <a:fillRef idx="1">
-              <a:schemeClr val="accent1"/>
-            </a:fillRef>
-            <a:effectRef idx="0">
-              <a:schemeClr val="accent1"/>
-            </a:effectRef>
-            <a:fontRef idx="minor">
-              <a:schemeClr val="lt1"/>
-            </a:fontRef>
-          </p:style>
-          <p:txBody>
-            <a:bodyPr numCol="1" rtlCol="0" anchor="ctr"/>
-            <a:lstStyle/>
-            <a:p>
-              <a:pPr algn="just"/>
-              <a:r>
-                <a:rPr lang="de-DE" sz="6000" b="1" dirty="0"/>
-                <a:t>T</a:t>
-              </a:r>
-              <a:r>
-                <a:rPr lang="de-DE" sz="2800" dirty="0"/>
-                <a:t>ime-bound</a:t>
-              </a:r>
-              <a:endParaRPr lang="en-US" sz="2800" dirty="0"/>
-            </a:p>
-          </p:txBody>
-        </p:sp>
-        <p:sp>
-          <p:nvSpPr>
-            <p:cNvPr id="18" name="Rectangle 17">
-              <a:extLst>
-                <a:ext uri="{FF2B5EF4-FFF2-40B4-BE49-F238E27FC236}">
-                  <a16:creationId xmlns:a16="http://schemas.microsoft.com/office/drawing/2014/main" id="{593CECE5-CC65-4874-8918-420ABDE2648B}"/>
-                </a:ext>
-              </a:extLst>
-            </p:cNvPr>
-            <p:cNvSpPr/>
-            <p:nvPr/>
-          </p:nvSpPr>
-          <p:spPr>
-            <a:xfrm>
-              <a:off x="537325" y="1254942"/>
-              <a:ext cx="11117345" cy="922649"/>
-            </a:xfrm>
-            <a:prstGeom prst="rect">
-              <a:avLst/>
-            </a:prstGeom>
-            <a:noFill/>
-            <a:ln w="19050">
-              <a:solidFill>
-                <a:srgbClr val="0070C0"/>
-              </a:solidFill>
-            </a:ln>
-          </p:spPr>
-          <p:style>
-            <a:lnRef idx="2">
-              <a:schemeClr val="accent1">
-                <a:shade val="50000"/>
-              </a:schemeClr>
-            </a:lnRef>
-            <a:fillRef idx="1">
-              <a:schemeClr val="accent1"/>
-            </a:fillRef>
-            <a:effectRef idx="0">
-              <a:schemeClr val="accent1"/>
-            </a:effectRef>
-            <a:fontRef idx="minor">
-              <a:schemeClr val="lt1"/>
-            </a:fontRef>
-          </p:style>
-          <p:txBody>
-            <a:bodyPr rtlCol="0" anchor="ctr"/>
-            <a:lstStyle/>
-            <a:p>
-              <a:pPr algn="ctr"/>
-              <a:endParaRPr lang="en-US"/>
-            </a:p>
-          </p:txBody>
-        </p:sp>
-        <p:sp>
-          <p:nvSpPr>
-            <p:cNvPr id="19" name="Rectangle 18">
-              <a:extLst>
-                <a:ext uri="{FF2B5EF4-FFF2-40B4-BE49-F238E27FC236}">
-                  <a16:creationId xmlns:a16="http://schemas.microsoft.com/office/drawing/2014/main" id="{AE312F73-25C6-4224-A06A-E87B4F0A6C05}"/>
-                </a:ext>
-              </a:extLst>
-            </p:cNvPr>
-            <p:cNvSpPr/>
-            <p:nvPr/>
-          </p:nvSpPr>
-          <p:spPr>
-            <a:xfrm>
-              <a:off x="537325" y="2319061"/>
-              <a:ext cx="11117345" cy="922649"/>
-            </a:xfrm>
-            <a:prstGeom prst="rect">
-              <a:avLst/>
-            </a:prstGeom>
-            <a:noFill/>
-            <a:ln w="19050">
-              <a:solidFill>
-                <a:srgbClr val="92D050"/>
-              </a:solidFill>
-            </a:ln>
-          </p:spPr>
-          <p:style>
-            <a:lnRef idx="2">
-              <a:schemeClr val="accent1">
-                <a:shade val="50000"/>
-              </a:schemeClr>
-            </a:lnRef>
-            <a:fillRef idx="1">
-              <a:schemeClr val="accent1"/>
-            </a:fillRef>
-            <a:effectRef idx="0">
-              <a:schemeClr val="accent1"/>
-            </a:effectRef>
-            <a:fontRef idx="minor">
-              <a:schemeClr val="lt1"/>
-            </a:fontRef>
-          </p:style>
-          <p:txBody>
-            <a:bodyPr rtlCol="0" anchor="ctr"/>
-            <a:lstStyle/>
-            <a:p>
-              <a:pPr algn="ctr"/>
-              <a:endParaRPr lang="en-US"/>
-            </a:p>
-          </p:txBody>
-        </p:sp>
-        <p:sp>
-          <p:nvSpPr>
-            <p:cNvPr id="20" name="Rectangle 19">
-              <a:extLst>
-                <a:ext uri="{FF2B5EF4-FFF2-40B4-BE49-F238E27FC236}">
-                  <a16:creationId xmlns:a16="http://schemas.microsoft.com/office/drawing/2014/main" id="{15976351-135D-4A02-B219-62E3E901AF48}"/>
-                </a:ext>
-              </a:extLst>
-            </p:cNvPr>
-            <p:cNvSpPr/>
-            <p:nvPr/>
-          </p:nvSpPr>
-          <p:spPr>
-            <a:xfrm>
-              <a:off x="537324" y="3425626"/>
-              <a:ext cx="11117345" cy="922649"/>
-            </a:xfrm>
-            <a:prstGeom prst="rect">
-              <a:avLst/>
-            </a:prstGeom>
-            <a:noFill/>
-            <a:ln w="19050">
-              <a:solidFill>
-                <a:srgbClr val="FFC000"/>
-              </a:solidFill>
-            </a:ln>
-          </p:spPr>
-          <p:style>
-            <a:lnRef idx="2">
-              <a:schemeClr val="accent1">
-                <a:shade val="50000"/>
-              </a:schemeClr>
-            </a:lnRef>
-            <a:fillRef idx="1">
-              <a:schemeClr val="accent1"/>
-            </a:fillRef>
-            <a:effectRef idx="0">
-              <a:schemeClr val="accent1"/>
-            </a:effectRef>
-            <a:fontRef idx="minor">
-              <a:schemeClr val="lt1"/>
-            </a:fontRef>
-          </p:style>
-          <p:txBody>
-            <a:bodyPr rtlCol="0" anchor="ctr"/>
-            <a:lstStyle/>
-            <a:p>
-              <a:pPr algn="ctr"/>
-              <a:endParaRPr lang="en-US"/>
-            </a:p>
-          </p:txBody>
-        </p:sp>
-        <p:sp>
-          <p:nvSpPr>
-            <p:cNvPr id="21" name="Rectangle 20">
-              <a:extLst>
-                <a:ext uri="{FF2B5EF4-FFF2-40B4-BE49-F238E27FC236}">
-                  <a16:creationId xmlns:a16="http://schemas.microsoft.com/office/drawing/2014/main" id="{36FB0822-87FB-4ED8-8460-B40CE5BB5E86}"/>
-                </a:ext>
-              </a:extLst>
-            </p:cNvPr>
-            <p:cNvSpPr/>
-            <p:nvPr/>
-          </p:nvSpPr>
-          <p:spPr>
-            <a:xfrm>
-              <a:off x="537323" y="4538939"/>
-              <a:ext cx="11117345" cy="922649"/>
-            </a:xfrm>
-            <a:prstGeom prst="rect">
-              <a:avLst/>
-            </a:prstGeom>
-            <a:noFill/>
-            <a:ln w="19050">
-              <a:solidFill>
-                <a:srgbClr val="7030A0"/>
-              </a:solidFill>
-            </a:ln>
-          </p:spPr>
-          <p:style>
-            <a:lnRef idx="2">
-              <a:schemeClr val="accent1">
-                <a:shade val="50000"/>
-              </a:schemeClr>
-            </a:lnRef>
-            <a:fillRef idx="1">
-              <a:schemeClr val="accent1"/>
-            </a:fillRef>
-            <a:effectRef idx="0">
-              <a:schemeClr val="accent1"/>
-            </a:effectRef>
-            <a:fontRef idx="minor">
-              <a:schemeClr val="lt1"/>
-            </a:fontRef>
-          </p:style>
-          <p:txBody>
-            <a:bodyPr rtlCol="0" anchor="ctr"/>
-            <a:lstStyle/>
-            <a:p>
-              <a:pPr algn="ctr"/>
-              <a:endParaRPr lang="en-US"/>
-            </a:p>
-          </p:txBody>
-        </p:sp>
-        <p:sp>
-          <p:nvSpPr>
-            <p:cNvPr id="22" name="Rectangle 21">
-              <a:extLst>
-                <a:ext uri="{FF2B5EF4-FFF2-40B4-BE49-F238E27FC236}">
-                  <a16:creationId xmlns:a16="http://schemas.microsoft.com/office/drawing/2014/main" id="{2708E00B-9A5A-4509-85E3-F04E0FBE01EF}"/>
-                </a:ext>
-              </a:extLst>
-            </p:cNvPr>
-            <p:cNvSpPr/>
-            <p:nvPr/>
-          </p:nvSpPr>
-          <p:spPr>
-            <a:xfrm>
-              <a:off x="537323" y="5652731"/>
-              <a:ext cx="11117345" cy="922649"/>
-            </a:xfrm>
-            <a:prstGeom prst="rect">
-              <a:avLst/>
-            </a:prstGeom>
-            <a:noFill/>
-            <a:ln w="19050">
-              <a:solidFill>
-                <a:srgbClr val="C00000"/>
-              </a:solidFill>
-            </a:ln>
-          </p:spPr>
-          <p:style>
-            <a:lnRef idx="2">
-              <a:schemeClr val="accent1">
-                <a:shade val="50000"/>
-              </a:schemeClr>
-            </a:lnRef>
-            <a:fillRef idx="1">
-              <a:schemeClr val="accent1"/>
-            </a:fillRef>
-            <a:effectRef idx="0">
-              <a:schemeClr val="accent1"/>
-            </a:effectRef>
-            <a:fontRef idx="minor">
-              <a:schemeClr val="lt1"/>
-            </a:fontRef>
-          </p:style>
-          <p:txBody>
-            <a:bodyPr rtlCol="0" anchor="ctr"/>
-            <a:lstStyle/>
-            <a:p>
-              <a:pPr algn="ctr"/>
-              <a:endParaRPr lang="en-US"/>
-            </a:p>
-          </p:txBody>
-        </p:sp>
-      </p:grpSp>
-      <p:sp>
-        <p:nvSpPr>
-          <p:cNvPr id="27" name="Date Placeholder 26">
-            <a:extLst>
-              <a:ext uri="{FF2B5EF4-FFF2-40B4-BE49-F238E27FC236}">
-                <a16:creationId xmlns:a16="http://schemas.microsoft.com/office/drawing/2014/main" id="{C96FE97D-0E6E-45B1-ACF1-74DC0CBAC26E}"/>
-              </a:ext>
-            </a:extLst>
-          </p:cNvPr>
-          <p:cNvSpPr>
-            <a:spLocks noGrp="1"/>
-          </p:cNvSpPr>
-          <p:nvPr>
-            <p:ph type="dt" sz="half" idx="10"/>
-          </p:nvPr>
-        </p:nvSpPr>
-        <p:spPr/>
-        <p:txBody>
-          <a:bodyPr/>
-          <a:lstStyle/>
-          <a:p>
-            <a:fld id="{95023EA9-6CCA-4F01-9077-1E2929A4FF9F}" type="datetime1">
-              <a:rPr lang="en-US" smtClean="0"/>
-              <a:t>2/17/2022</a:t>
-            </a:fld>
-            <a:endParaRPr lang="en-US"/>
-          </a:p>
-        </p:txBody>
-      </p:sp>
-      <p:sp>
-        <p:nvSpPr>
-          <p:cNvPr id="28" name="Footer Placeholder 27">
-            <a:extLst>
-              <a:ext uri="{FF2B5EF4-FFF2-40B4-BE49-F238E27FC236}">
-                <a16:creationId xmlns:a16="http://schemas.microsoft.com/office/drawing/2014/main" id="{2EDB7B61-C283-444D-8105-BC814490CCA9}"/>
-              </a:ext>
-            </a:extLst>
-          </p:cNvPr>
-          <p:cNvSpPr>
-            <a:spLocks noGrp="1"/>
-          </p:cNvSpPr>
-          <p:nvPr>
-            <p:ph type="ftr" sz="quarter" idx="11"/>
-          </p:nvPr>
-        </p:nvSpPr>
-        <p:spPr/>
-        <p:txBody>
-          <a:bodyPr/>
-          <a:lstStyle/>
-          <a:p>
-            <a:r>
-              <a:rPr lang="en-US"/>
-              <a:t>jennifer.neumaier@t-online.de</a:t>
-            </a:r>
-          </a:p>
-        </p:txBody>
-      </p:sp>
-      <p:sp>
-        <p:nvSpPr>
-          <p:cNvPr id="31" name="TextBox 30">
-            <a:extLst>
-              <a:ext uri="{FF2B5EF4-FFF2-40B4-BE49-F238E27FC236}">
-                <a16:creationId xmlns:a16="http://schemas.microsoft.com/office/drawing/2014/main" id="{088F52A1-F5F4-4FFC-9883-124D3565B26A}"/>
-              </a:ext>
-            </a:extLst>
-          </p:cNvPr>
-          <p:cNvSpPr txBox="1"/>
-          <p:nvPr/>
-        </p:nvSpPr>
-        <p:spPr>
-          <a:xfrm>
-            <a:off x="3581400" y="768781"/>
-            <a:ext cx="8073268" cy="923330"/>
-          </a:xfrm>
-          <a:prstGeom prst="rect">
-            <a:avLst/>
-          </a:prstGeom>
-          <a:noFill/>
-        </p:spPr>
-        <p:txBody>
-          <a:bodyPr wrap="square" rtlCol="0">
-            <a:spAutoFit/>
-          </a:bodyPr>
-          <a:lstStyle/>
-          <a:p>
-            <a:r>
-              <a:rPr lang="de-DE" dirty="0"/>
-              <a:t>WormExp is a transcriptomics database for Caenorhabditis elegans (C. elegans). Here, all data that has been published all over the world are collected and sorted. The database was updated last 2017 and no new datasets were added since then.</a:t>
-            </a:r>
-            <a:endParaRPr lang="en-US" dirty="0"/>
-          </a:p>
-        </p:txBody>
-      </p:sp>
-      <p:sp>
-        <p:nvSpPr>
-          <p:cNvPr id="32" name="TextBox 31">
-            <a:extLst>
-              <a:ext uri="{FF2B5EF4-FFF2-40B4-BE49-F238E27FC236}">
-                <a16:creationId xmlns:a16="http://schemas.microsoft.com/office/drawing/2014/main" id="{6D8ADDF4-B020-4926-B8AE-2DFB840DD145}"/>
-              </a:ext>
-            </a:extLst>
-          </p:cNvPr>
-          <p:cNvSpPr txBox="1"/>
-          <p:nvPr/>
-        </p:nvSpPr>
-        <p:spPr>
-          <a:xfrm>
-            <a:off x="3581400" y="1824992"/>
-            <a:ext cx="8073268" cy="923330"/>
-          </a:xfrm>
-          <a:prstGeom prst="rect">
-            <a:avLst/>
-          </a:prstGeom>
-          <a:noFill/>
-        </p:spPr>
-        <p:txBody>
-          <a:bodyPr wrap="square" rtlCol="0">
-            <a:spAutoFit/>
-          </a:bodyPr>
-          <a:lstStyle/>
-          <a:p>
-            <a:r>
-              <a:rPr lang="de-DE" dirty="0"/>
-              <a:t>By the time of March 2022, the database will be updated, so that all recent published data (since 2017) has been added. Additionally, by then features will be implemented, to help regularly updating the database.</a:t>
-            </a:r>
-            <a:endParaRPr lang="en-US" dirty="0"/>
-          </a:p>
-        </p:txBody>
-      </p:sp>
-      <p:sp>
-        <p:nvSpPr>
-          <p:cNvPr id="33" name="TextBox 32">
-            <a:extLst>
-              <a:ext uri="{FF2B5EF4-FFF2-40B4-BE49-F238E27FC236}">
-                <a16:creationId xmlns:a16="http://schemas.microsoft.com/office/drawing/2014/main" id="{D9986957-BEA0-430E-9637-49894233EFAD}"/>
-              </a:ext>
-            </a:extLst>
-          </p:cNvPr>
-          <p:cNvSpPr txBox="1"/>
-          <p:nvPr/>
-        </p:nvSpPr>
-        <p:spPr>
-          <a:xfrm>
-            <a:off x="3581400" y="2945530"/>
-            <a:ext cx="8073268" cy="923330"/>
-          </a:xfrm>
-          <a:prstGeom prst="rect">
-            <a:avLst/>
-          </a:prstGeom>
-          <a:noFill/>
-        </p:spPr>
-        <p:txBody>
-          <a:bodyPr wrap="square" rtlCol="0">
-            <a:spAutoFit/>
-          </a:bodyPr>
-          <a:lstStyle/>
-          <a:p>
-            <a:r>
-              <a:rPr lang="de-DE" dirty="0"/>
-              <a:t>Updating the database is instrumental for gene enrichment data analysis on C. elegans. Time should be spent to correctly identify good and useable data sets and how a database is set up. This will improve the quality of future experiments. </a:t>
-            </a:r>
-            <a:endParaRPr lang="en-US" dirty="0"/>
-          </a:p>
-        </p:txBody>
-      </p:sp>
-      <p:sp>
-        <p:nvSpPr>
-          <p:cNvPr id="34" name="TextBox 33">
-            <a:extLst>
-              <a:ext uri="{FF2B5EF4-FFF2-40B4-BE49-F238E27FC236}">
-                <a16:creationId xmlns:a16="http://schemas.microsoft.com/office/drawing/2014/main" id="{4A6FB9E5-5094-42C7-A3E6-573A1D2D308D}"/>
-              </a:ext>
-            </a:extLst>
-          </p:cNvPr>
-          <p:cNvSpPr txBox="1"/>
-          <p:nvPr/>
-        </p:nvSpPr>
-        <p:spPr>
-          <a:xfrm>
-            <a:off x="3584104" y="4059524"/>
-            <a:ext cx="8073268" cy="923330"/>
-          </a:xfrm>
-          <a:prstGeom prst="rect">
-            <a:avLst/>
-          </a:prstGeom>
-          <a:noFill/>
-        </p:spPr>
-        <p:txBody>
-          <a:bodyPr wrap="square" rtlCol="0">
-            <a:spAutoFit/>
-          </a:bodyPr>
-          <a:lstStyle/>
-          <a:p>
-            <a:r>
-              <a:rPr lang="de-DE" dirty="0"/>
-              <a:t>Using databases and transcriptomics data is an integral part for experiments on C. elegans. It is therefore vital, that such a database is correctly set up and regularly updated.</a:t>
-            </a:r>
-            <a:endParaRPr lang="en-US" dirty="0"/>
-          </a:p>
-        </p:txBody>
-      </p:sp>
-      <p:sp>
-        <p:nvSpPr>
-          <p:cNvPr id="35" name="TextBox 34">
-            <a:extLst>
-              <a:ext uri="{FF2B5EF4-FFF2-40B4-BE49-F238E27FC236}">
-                <a16:creationId xmlns:a16="http://schemas.microsoft.com/office/drawing/2014/main" id="{10C131A0-CA4D-4CC6-91FF-AE1C06451EA9}"/>
-              </a:ext>
-            </a:extLst>
-          </p:cNvPr>
-          <p:cNvSpPr txBox="1"/>
-          <p:nvPr/>
-        </p:nvSpPr>
-        <p:spPr>
-          <a:xfrm>
-            <a:off x="3581400" y="5147837"/>
-            <a:ext cx="8073268" cy="923330"/>
-          </a:xfrm>
-          <a:prstGeom prst="rect">
-            <a:avLst/>
-          </a:prstGeom>
-          <a:noFill/>
-        </p:spPr>
-        <p:txBody>
-          <a:bodyPr wrap="square" rtlCol="0">
-            <a:spAutoFit/>
-          </a:bodyPr>
-          <a:lstStyle/>
-          <a:p>
-            <a:r>
-              <a:rPr lang="de-DE" dirty="0"/>
-              <a:t>In six month, the database should be updated, so it includes all recent publications, and additionally include features to make updating the database easier. This should reduce the work of a student for 6-months to only a few hours a month.</a:t>
-            </a:r>
-            <a:endParaRPr lang="en-US" dirty="0"/>
-          </a:p>
-        </p:txBody>
-      </p:sp>
-    </p:spTree>
-    <p:extLst>
-      <p:ext uri="{BB962C8B-B14F-4D97-AF65-F5344CB8AC3E}">
-        <p14:creationId xmlns:p14="http://schemas.microsoft.com/office/powerpoint/2010/main" val="2495016902"/>
-      </p:ext>
-    </p:extLst>
-  </p:cSld>
-  <p:clrMapOvr>
-    <a:masterClrMapping/>
-  </p:clrMapOvr>
-</p:sld>
-</file>
-
-<file path=ppt/slides/slide20.xml><?xml version="1.0" encoding="utf-8"?>
+<file path=ppt/slides/slide29.xml><?xml version="1.0" encoding="utf-8"?>
 <p:sld xmlns:a="http://schemas.openxmlformats.org/drawingml/2006/main" xmlns:r="http://schemas.openxmlformats.org/officeDocument/2006/relationships" xmlns:p="http://schemas.openxmlformats.org/presentationml/2006/main">
   <p:cSld>
     <p:bg>
@@ -12813,7 +17726,7 @@
                   <a:spcPts val="600"/>
                 </a:spcAft>
               </a:pPr>
-              <a:t>2/17/2022</a:t>
+              <a:t>2/24/2022</a:t>
             </a:fld>
             <a:endParaRPr lang="en-US"/>
           </a:p>
@@ -13809,967 +18722,6 @@
 </p:sld>
 </file>
 
-<file path=ppt/slides/slide21.xml><?xml version="1.0" encoding="utf-8"?>
-<p:sld xmlns:a="http://schemas.openxmlformats.org/drawingml/2006/main" xmlns:r="http://schemas.openxmlformats.org/officeDocument/2006/relationships" xmlns:p="http://schemas.openxmlformats.org/presentationml/2006/main">
-  <p:cSld>
-    <p:spTree>
-      <p:nvGrpSpPr>
-        <p:cNvPr id="1" name=""/>
-        <p:cNvGrpSpPr/>
-        <p:nvPr/>
-      </p:nvGrpSpPr>
-      <p:grpSpPr>
-        <a:xfrm>
-          <a:off x="0" y="0"/>
-          <a:ext cx="0" cy="0"/>
-          <a:chOff x="0" y="0"/>
-          <a:chExt cx="0" cy="0"/>
-        </a:xfrm>
-      </p:grpSpPr>
-      <p:sp>
-        <p:nvSpPr>
-          <p:cNvPr id="2" name="Date Placeholder 1">
-            <a:extLst>
-              <a:ext uri="{FF2B5EF4-FFF2-40B4-BE49-F238E27FC236}">
-                <a16:creationId xmlns:a16="http://schemas.microsoft.com/office/drawing/2014/main" id="{4DA77BC9-9E20-48CD-8DF2-00AB5ABE3060}"/>
-              </a:ext>
-            </a:extLst>
-          </p:cNvPr>
-          <p:cNvSpPr>
-            <a:spLocks noGrp="1"/>
-          </p:cNvSpPr>
-          <p:nvPr>
-            <p:ph type="dt" sz="half" idx="10"/>
-          </p:nvPr>
-        </p:nvSpPr>
-        <p:spPr/>
-        <p:txBody>
-          <a:bodyPr/>
-          <a:lstStyle/>
-          <a:p>
-            <a:fld id="{FC869165-E4FA-4AC3-B6F6-7C413C044D79}" type="datetime1">
-              <a:rPr lang="en-US" smtClean="0"/>
-              <a:t>2/17/2022</a:t>
-            </a:fld>
-            <a:endParaRPr lang="en-US"/>
-          </a:p>
-        </p:txBody>
-      </p:sp>
-      <p:sp>
-        <p:nvSpPr>
-          <p:cNvPr id="3" name="Footer Placeholder 2">
-            <a:extLst>
-              <a:ext uri="{FF2B5EF4-FFF2-40B4-BE49-F238E27FC236}">
-                <a16:creationId xmlns:a16="http://schemas.microsoft.com/office/drawing/2014/main" id="{E4A8AB43-CEE6-40D2-964F-BD6197347D4F}"/>
-              </a:ext>
-            </a:extLst>
-          </p:cNvPr>
-          <p:cNvSpPr>
-            <a:spLocks noGrp="1"/>
-          </p:cNvSpPr>
-          <p:nvPr>
-            <p:ph type="ftr" sz="quarter" idx="11"/>
-          </p:nvPr>
-        </p:nvSpPr>
-        <p:spPr/>
-        <p:txBody>
-          <a:bodyPr/>
-          <a:lstStyle/>
-          <a:p>
-            <a:r>
-              <a:rPr lang="en-US"/>
-              <a:t>jennifer.neumaier@t-online.de</a:t>
-            </a:r>
-          </a:p>
-        </p:txBody>
-      </p:sp>
-      <p:sp>
-        <p:nvSpPr>
-          <p:cNvPr id="4" name="Title 123">
-            <a:extLst>
-              <a:ext uri="{FF2B5EF4-FFF2-40B4-BE49-F238E27FC236}">
-                <a16:creationId xmlns:a16="http://schemas.microsoft.com/office/drawing/2014/main" id="{784672D0-E82F-4B08-9F06-822CBEDBDADF}"/>
-              </a:ext>
-            </a:extLst>
-          </p:cNvPr>
-          <p:cNvSpPr txBox="1">
-            <a:spLocks/>
-          </p:cNvSpPr>
-          <p:nvPr/>
-        </p:nvSpPr>
-        <p:spPr>
-          <a:xfrm>
-            <a:off x="0" y="96941"/>
-            <a:ext cx="5015060" cy="526312"/>
-          </a:xfrm>
-          <a:prstGeom prst="rect">
-            <a:avLst/>
-          </a:prstGeom>
-        </p:spPr>
-        <p:txBody>
-          <a:bodyPr>
-            <a:normAutofit fontScale="90000" lnSpcReduction="10000"/>
-          </a:bodyPr>
-          <a:lstStyle>
-            <a:lvl1pPr algn="l" defTabSz="914400" rtl="0" eaLnBrk="1" latinLnBrk="0" hangingPunct="1">
-              <a:lnSpc>
-                <a:spcPct val="90000"/>
-              </a:lnSpc>
-              <a:spcBef>
-                <a:spcPct val="0"/>
-              </a:spcBef>
-              <a:buNone/>
-              <a:defRPr sz="4400" kern="1200">
-                <a:solidFill>
-                  <a:schemeClr val="tx1"/>
-                </a:solidFill>
-                <a:latin typeface="+mj-lt"/>
-                <a:ea typeface="+mj-ea"/>
-                <a:cs typeface="+mj-cs"/>
-              </a:defRPr>
-            </a:lvl1pPr>
-          </a:lstStyle>
-          <a:p>
-            <a:r>
-              <a:rPr lang="de-DE" sz="3600" b="1" dirty="0"/>
-              <a:t>RNA-seq metrics</a:t>
-            </a:r>
-            <a:endParaRPr lang="en-US" sz="3600" b="1" dirty="0"/>
-          </a:p>
-        </p:txBody>
-      </p:sp>
-      <p:sp>
-        <p:nvSpPr>
-          <p:cNvPr id="5" name="TextBox 4">
-            <a:extLst>
-              <a:ext uri="{FF2B5EF4-FFF2-40B4-BE49-F238E27FC236}">
-                <a16:creationId xmlns:a16="http://schemas.microsoft.com/office/drawing/2014/main" id="{1584CF37-3C07-4B2C-B6FF-8D5906A85B4F}"/>
-              </a:ext>
-            </a:extLst>
-          </p:cNvPr>
-          <p:cNvSpPr txBox="1"/>
-          <p:nvPr/>
-        </p:nvSpPr>
-        <p:spPr>
-          <a:xfrm>
-            <a:off x="76200" y="494046"/>
-            <a:ext cx="2384981" cy="369332"/>
-          </a:xfrm>
-          <a:prstGeom prst="rect">
-            <a:avLst/>
-          </a:prstGeom>
-          <a:noFill/>
-        </p:spPr>
-        <p:txBody>
-          <a:bodyPr wrap="square" rtlCol="0">
-            <a:spAutoFit/>
-          </a:bodyPr>
-          <a:lstStyle/>
-          <a:p>
-            <a:r>
-              <a:rPr lang="de-DE" dirty="0"/>
-              <a:t>Stand: 03.11.21</a:t>
-            </a:r>
-            <a:endParaRPr lang="en-US" dirty="0"/>
-          </a:p>
-        </p:txBody>
-      </p:sp>
-      <p:sp>
-        <p:nvSpPr>
-          <p:cNvPr id="6" name="TextBox 5">
-            <a:extLst>
-              <a:ext uri="{FF2B5EF4-FFF2-40B4-BE49-F238E27FC236}">
-                <a16:creationId xmlns:a16="http://schemas.microsoft.com/office/drawing/2014/main" id="{874B0A95-6D7F-40FA-B8F4-88342DF40106}"/>
-              </a:ext>
-            </a:extLst>
-          </p:cNvPr>
-          <p:cNvSpPr txBox="1"/>
-          <p:nvPr/>
-        </p:nvSpPr>
-        <p:spPr>
-          <a:xfrm>
-            <a:off x="2275602" y="3844981"/>
-            <a:ext cx="4609707" cy="2585323"/>
-          </a:xfrm>
-          <a:prstGeom prst="rect">
-            <a:avLst/>
-          </a:prstGeom>
-          <a:noFill/>
-        </p:spPr>
-        <p:txBody>
-          <a:bodyPr wrap="square" rtlCol="0">
-            <a:spAutoFit/>
-          </a:bodyPr>
-          <a:lstStyle/>
-          <a:p>
-            <a:r>
-              <a:rPr lang="de-DE" b="1" u="sng" dirty="0"/>
-              <a:t>DESeq adjusts for differences in library composition:</a:t>
-            </a:r>
-          </a:p>
-          <a:p>
-            <a:pPr marL="285750" indent="-285750">
-              <a:buFontTx/>
-              <a:buChar char="-"/>
-            </a:pPr>
-            <a:r>
-              <a:rPr lang="de-DE" dirty="0"/>
-              <a:t>RNA-Seq is often used to compate one tissue type to another (e.g. Liver vs spleen)</a:t>
-            </a:r>
-          </a:p>
-          <a:p>
-            <a:pPr marL="285750" indent="-285750">
-              <a:buFontTx/>
-              <a:buChar char="-"/>
-            </a:pPr>
-            <a:r>
-              <a:rPr lang="de-DE" dirty="0"/>
-              <a:t>It could be that there are a lot of liver specific genes transcribed in liver but not in spleen</a:t>
-            </a:r>
-          </a:p>
-          <a:p>
-            <a:pPr marL="285750" indent="-285750">
-              <a:buFontTx/>
-              <a:buChar char="-"/>
-            </a:pPr>
-            <a:r>
-              <a:rPr lang="de-DE" dirty="0"/>
-              <a:t>Differences in library composition also due to trancription factor knock-outs</a:t>
-            </a:r>
-          </a:p>
-        </p:txBody>
-      </p:sp>
-      <p:sp>
-        <p:nvSpPr>
-          <p:cNvPr id="8" name="TextBox 7">
-            <a:extLst>
-              <a:ext uri="{FF2B5EF4-FFF2-40B4-BE49-F238E27FC236}">
-                <a16:creationId xmlns:a16="http://schemas.microsoft.com/office/drawing/2014/main" id="{B09EC3CE-8BC1-428F-B635-046A9DE1086D}"/>
-              </a:ext>
-            </a:extLst>
-          </p:cNvPr>
-          <p:cNvSpPr txBox="1"/>
-          <p:nvPr/>
-        </p:nvSpPr>
-        <p:spPr>
-          <a:xfrm>
-            <a:off x="4580456" y="562553"/>
-            <a:ext cx="3423087" cy="1200329"/>
-          </a:xfrm>
-          <a:prstGeom prst="rect">
-            <a:avLst/>
-          </a:prstGeom>
-          <a:noFill/>
-        </p:spPr>
-        <p:txBody>
-          <a:bodyPr wrap="square">
-            <a:spAutoFit/>
-          </a:bodyPr>
-          <a:lstStyle/>
-          <a:p>
-            <a:r>
-              <a:rPr lang="de-DE" b="1" u="sng" dirty="0"/>
-              <a:t>Normalization in DESeq2 handles:</a:t>
-            </a:r>
-          </a:p>
-          <a:p>
-            <a:pPr marL="285750" indent="-285750">
-              <a:buFontTx/>
-              <a:buChar char="-"/>
-            </a:pPr>
-            <a:r>
-              <a:rPr lang="de-DE" dirty="0"/>
-              <a:t>Differences in library sizes</a:t>
-            </a:r>
-          </a:p>
-          <a:p>
-            <a:pPr marL="285750" indent="-285750">
-              <a:buFontTx/>
-              <a:buChar char="-"/>
-            </a:pPr>
-            <a:r>
-              <a:rPr lang="de-DE" dirty="0"/>
-              <a:t>Differences in library composition</a:t>
-            </a:r>
-          </a:p>
-        </p:txBody>
-      </p:sp>
-      <p:sp>
-        <p:nvSpPr>
-          <p:cNvPr id="9" name="Arrow: Right 8">
-            <a:extLst>
-              <a:ext uri="{FF2B5EF4-FFF2-40B4-BE49-F238E27FC236}">
-                <a16:creationId xmlns:a16="http://schemas.microsoft.com/office/drawing/2014/main" id="{D3461925-422A-4743-AB21-CC1B358DCAD7}"/>
-              </a:ext>
-            </a:extLst>
-          </p:cNvPr>
-          <p:cNvSpPr/>
-          <p:nvPr/>
-        </p:nvSpPr>
-        <p:spPr>
-          <a:xfrm rot="5400000">
-            <a:off x="7916477" y="856707"/>
-            <a:ext cx="1228366" cy="612021"/>
-          </a:xfrm>
-          <a:prstGeom prst="rightArrow">
-            <a:avLst/>
-          </a:prstGeom>
-        </p:spPr>
-        <p:style>
-          <a:lnRef idx="2">
-            <a:schemeClr val="accent1">
-              <a:shade val="50000"/>
-            </a:schemeClr>
-          </a:lnRef>
-          <a:fillRef idx="1">
-            <a:schemeClr val="accent1"/>
-          </a:fillRef>
-          <a:effectRef idx="0">
-            <a:schemeClr val="accent1"/>
-          </a:effectRef>
-          <a:fontRef idx="minor">
-            <a:schemeClr val="lt1"/>
-          </a:fontRef>
-        </p:style>
-        <p:txBody>
-          <a:bodyPr rtlCol="0" anchor="ctr"/>
-          <a:lstStyle/>
-          <a:p>
-            <a:pPr algn="ctr"/>
-            <a:endParaRPr lang="en-US"/>
-          </a:p>
-        </p:txBody>
-      </p:sp>
-      <p:sp>
-        <p:nvSpPr>
-          <p:cNvPr id="10" name="TextBox 9">
-            <a:extLst>
-              <a:ext uri="{FF2B5EF4-FFF2-40B4-BE49-F238E27FC236}">
-                <a16:creationId xmlns:a16="http://schemas.microsoft.com/office/drawing/2014/main" id="{C327197A-6780-46A5-AA62-D5853BA573DD}"/>
-              </a:ext>
-            </a:extLst>
-          </p:cNvPr>
-          <p:cNvSpPr txBox="1"/>
-          <p:nvPr/>
-        </p:nvSpPr>
-        <p:spPr>
-          <a:xfrm>
-            <a:off x="6611627" y="1762882"/>
-            <a:ext cx="5754001" cy="2862322"/>
-          </a:xfrm>
-          <a:prstGeom prst="rect">
-            <a:avLst/>
-          </a:prstGeom>
-          <a:noFill/>
-        </p:spPr>
-        <p:txBody>
-          <a:bodyPr wrap="square">
-            <a:spAutoFit/>
-          </a:bodyPr>
-          <a:lstStyle/>
-          <a:p>
-            <a:r>
-              <a:rPr lang="de-DE" b="1" u="sng" dirty="0"/>
-              <a:t>Steps: </a:t>
-            </a:r>
-          </a:p>
-          <a:p>
-            <a:pPr marL="285750" indent="-285750">
-              <a:buFontTx/>
-              <a:buChar char="-"/>
-            </a:pPr>
-            <a:r>
-              <a:rPr lang="de-DE" dirty="0"/>
-              <a:t>log base e for every count</a:t>
-            </a:r>
-          </a:p>
-          <a:p>
-            <a:pPr marL="285750" indent="-285750">
-              <a:buFontTx/>
-              <a:buChar char="-"/>
-            </a:pPr>
-            <a:r>
-              <a:rPr lang="de-DE" dirty="0"/>
-              <a:t>Average each row of log values</a:t>
-            </a:r>
-          </a:p>
-          <a:p>
-            <a:pPr marL="285750" indent="-285750">
-              <a:buFontTx/>
-              <a:buChar char="-"/>
-            </a:pPr>
-            <a:r>
-              <a:rPr lang="de-DE" dirty="0"/>
-              <a:t>Filter out 0/Inf</a:t>
-            </a:r>
-          </a:p>
-          <a:p>
-            <a:pPr marL="285750" indent="-285750">
-              <a:buFontTx/>
-              <a:buChar char="-"/>
-            </a:pPr>
-            <a:r>
-              <a:rPr lang="de-DE" dirty="0"/>
-              <a:t>Subtract the average log value from the log(counts) (ratio)</a:t>
-            </a:r>
-          </a:p>
-          <a:p>
-            <a:pPr marL="285750" indent="-285750">
-              <a:buFontTx/>
-              <a:buChar char="-"/>
-            </a:pPr>
-            <a:r>
-              <a:rPr lang="de-DE" dirty="0"/>
-              <a:t>Calculate the median of the ratios for each sample</a:t>
-            </a:r>
-          </a:p>
-          <a:p>
-            <a:pPr marL="285750" indent="-285750">
-              <a:buFontTx/>
-              <a:buChar char="-"/>
-            </a:pPr>
-            <a:r>
-              <a:rPr lang="de-DE" dirty="0"/>
-              <a:t>Convert medians to „normal numbers“ to get the final scaling for each sampe</a:t>
-            </a:r>
-          </a:p>
-          <a:p>
-            <a:pPr marL="285750" indent="-285750">
-              <a:buFontTx/>
-              <a:buChar char="-"/>
-            </a:pPr>
-            <a:r>
-              <a:rPr lang="de-DE" dirty="0"/>
-              <a:t>Divide original read counts by the scaling factors</a:t>
-            </a:r>
-          </a:p>
-        </p:txBody>
-      </p:sp>
-      <p:sp>
-        <p:nvSpPr>
-          <p:cNvPr id="15" name="TextBox 14">
-            <a:extLst>
-              <a:ext uri="{FF2B5EF4-FFF2-40B4-BE49-F238E27FC236}">
-                <a16:creationId xmlns:a16="http://schemas.microsoft.com/office/drawing/2014/main" id="{9302969A-9AA8-4555-9E4F-597E83B248C5}"/>
-              </a:ext>
-            </a:extLst>
-          </p:cNvPr>
-          <p:cNvSpPr txBox="1"/>
-          <p:nvPr/>
-        </p:nvSpPr>
-        <p:spPr>
-          <a:xfrm>
-            <a:off x="202676" y="937770"/>
-            <a:ext cx="4609707" cy="3139321"/>
-          </a:xfrm>
-          <a:prstGeom prst="rect">
-            <a:avLst/>
-          </a:prstGeom>
-          <a:noFill/>
-        </p:spPr>
-        <p:txBody>
-          <a:bodyPr wrap="square" rtlCol="0">
-            <a:spAutoFit/>
-          </a:bodyPr>
-          <a:lstStyle/>
-          <a:p>
-            <a:r>
-              <a:rPr lang="de-DE" b="1" u="sng" dirty="0"/>
-              <a:t>Techniques:</a:t>
-            </a:r>
-          </a:p>
-          <a:p>
-            <a:pPr marL="285750" indent="-285750">
-              <a:buFontTx/>
-              <a:buChar char="-"/>
-            </a:pPr>
-            <a:r>
-              <a:rPr lang="de-DE" dirty="0"/>
-              <a:t>RPKM (reads per kilobase million): normalized read counts for sequencing depth and gene length -&gt; for single end RNA-seq</a:t>
-            </a:r>
-          </a:p>
-          <a:p>
-            <a:pPr marL="285750" indent="-285750">
-              <a:buFontTx/>
-              <a:buChar char="-"/>
-            </a:pPr>
-            <a:r>
-              <a:rPr lang="de-DE" dirty="0"/>
-              <a:t>FPKM (fragments per kilobase million): normalized read counts for lsequencing depth and gene length -&gt; for paired end RNA-seq</a:t>
-            </a:r>
-          </a:p>
-          <a:p>
-            <a:pPr marL="285750" indent="-285750">
-              <a:buFontTx/>
-              <a:buChar char="-"/>
-            </a:pPr>
-            <a:r>
-              <a:rPr lang="de-DE" dirty="0"/>
-              <a:t>TPM (transcripts per million)</a:t>
-            </a:r>
-          </a:p>
-          <a:p>
-            <a:pPr marL="285750" indent="-285750">
-              <a:buFontTx/>
-              <a:buChar char="-"/>
-            </a:pPr>
-            <a:r>
-              <a:rPr lang="de-DE" dirty="0"/>
-              <a:t>DESeq2</a:t>
-            </a:r>
-          </a:p>
-        </p:txBody>
-      </p:sp>
-    </p:spTree>
-    <p:extLst>
-      <p:ext uri="{BB962C8B-B14F-4D97-AF65-F5344CB8AC3E}">
-        <p14:creationId xmlns:p14="http://schemas.microsoft.com/office/powerpoint/2010/main" val="760812220"/>
-      </p:ext>
-    </p:extLst>
-  </p:cSld>
-  <p:clrMapOvr>
-    <a:masterClrMapping/>
-  </p:clrMapOvr>
-</p:sld>
-</file>
-
-<file path=ppt/slides/slide22.xml><?xml version="1.0" encoding="utf-8"?>
-<p:sld xmlns:a="http://schemas.openxmlformats.org/drawingml/2006/main" xmlns:r="http://schemas.openxmlformats.org/officeDocument/2006/relationships" xmlns:p="http://schemas.openxmlformats.org/presentationml/2006/main">
-  <p:cSld>
-    <p:spTree>
-      <p:nvGrpSpPr>
-        <p:cNvPr id="1" name=""/>
-        <p:cNvGrpSpPr/>
-        <p:nvPr/>
-      </p:nvGrpSpPr>
-      <p:grpSpPr>
-        <a:xfrm>
-          <a:off x="0" y="0"/>
-          <a:ext cx="0" cy="0"/>
-          <a:chOff x="0" y="0"/>
-          <a:chExt cx="0" cy="0"/>
-        </a:xfrm>
-      </p:grpSpPr>
-      <p:sp>
-        <p:nvSpPr>
-          <p:cNvPr id="2" name="Date Placeholder 1">
-            <a:extLst>
-              <a:ext uri="{FF2B5EF4-FFF2-40B4-BE49-F238E27FC236}">
-                <a16:creationId xmlns:a16="http://schemas.microsoft.com/office/drawing/2014/main" id="{65D9D75D-BB9D-4DB0-A9B0-960736E3369B}"/>
-              </a:ext>
-            </a:extLst>
-          </p:cNvPr>
-          <p:cNvSpPr>
-            <a:spLocks noGrp="1"/>
-          </p:cNvSpPr>
-          <p:nvPr>
-            <p:ph type="dt" sz="half" idx="10"/>
-          </p:nvPr>
-        </p:nvSpPr>
-        <p:spPr/>
-        <p:txBody>
-          <a:bodyPr/>
-          <a:lstStyle/>
-          <a:p>
-            <a:fld id="{FC869165-E4FA-4AC3-B6F6-7C413C044D79}" type="datetime1">
-              <a:rPr lang="en-US" smtClean="0"/>
-              <a:t>2/17/2022</a:t>
-            </a:fld>
-            <a:endParaRPr lang="en-US"/>
-          </a:p>
-        </p:txBody>
-      </p:sp>
-      <p:sp>
-        <p:nvSpPr>
-          <p:cNvPr id="3" name="Footer Placeholder 2">
-            <a:extLst>
-              <a:ext uri="{FF2B5EF4-FFF2-40B4-BE49-F238E27FC236}">
-                <a16:creationId xmlns:a16="http://schemas.microsoft.com/office/drawing/2014/main" id="{402FEA43-2732-4DFC-92BB-169165D96F17}"/>
-              </a:ext>
-            </a:extLst>
-          </p:cNvPr>
-          <p:cNvSpPr>
-            <a:spLocks noGrp="1"/>
-          </p:cNvSpPr>
-          <p:nvPr>
-            <p:ph type="ftr" sz="quarter" idx="11"/>
-          </p:nvPr>
-        </p:nvSpPr>
-        <p:spPr/>
-        <p:txBody>
-          <a:bodyPr/>
-          <a:lstStyle/>
-          <a:p>
-            <a:r>
-              <a:rPr lang="en-US"/>
-              <a:t>jennifer.neumaier@t-online.de</a:t>
-            </a:r>
-          </a:p>
-        </p:txBody>
-      </p:sp>
-      <p:sp>
-        <p:nvSpPr>
-          <p:cNvPr id="4" name="Title 123">
-            <a:extLst>
-              <a:ext uri="{FF2B5EF4-FFF2-40B4-BE49-F238E27FC236}">
-                <a16:creationId xmlns:a16="http://schemas.microsoft.com/office/drawing/2014/main" id="{6D438E82-46F7-45B6-84BC-76F19252C67A}"/>
-              </a:ext>
-            </a:extLst>
-          </p:cNvPr>
-          <p:cNvSpPr txBox="1">
-            <a:spLocks/>
-          </p:cNvSpPr>
-          <p:nvPr/>
-        </p:nvSpPr>
-        <p:spPr>
-          <a:xfrm>
-            <a:off x="0" y="96941"/>
-            <a:ext cx="5015060" cy="526312"/>
-          </a:xfrm>
-          <a:prstGeom prst="rect">
-            <a:avLst/>
-          </a:prstGeom>
-        </p:spPr>
-        <p:txBody>
-          <a:bodyPr>
-            <a:normAutofit fontScale="90000" lnSpcReduction="10000"/>
-          </a:bodyPr>
-          <a:lstStyle>
-            <a:lvl1pPr algn="l" defTabSz="914400" rtl="0" eaLnBrk="1" latinLnBrk="0" hangingPunct="1">
-              <a:lnSpc>
-                <a:spcPct val="90000"/>
-              </a:lnSpc>
-              <a:spcBef>
-                <a:spcPct val="0"/>
-              </a:spcBef>
-              <a:buNone/>
-              <a:defRPr sz="4400" kern="1200">
-                <a:solidFill>
-                  <a:schemeClr val="tx1"/>
-                </a:solidFill>
-                <a:latin typeface="+mj-lt"/>
-                <a:ea typeface="+mj-ea"/>
-                <a:cs typeface="+mj-cs"/>
-              </a:defRPr>
-            </a:lvl1pPr>
-          </a:lstStyle>
-          <a:p>
-            <a:r>
-              <a:rPr lang="de-DE" sz="3600" b="1" dirty="0"/>
-              <a:t>Manual data analysis</a:t>
-            </a:r>
-            <a:endParaRPr lang="en-US" sz="3600" b="1" dirty="0"/>
-          </a:p>
-        </p:txBody>
-      </p:sp>
-      <p:sp>
-        <p:nvSpPr>
-          <p:cNvPr id="5" name="TextBox 4">
-            <a:extLst>
-              <a:ext uri="{FF2B5EF4-FFF2-40B4-BE49-F238E27FC236}">
-                <a16:creationId xmlns:a16="http://schemas.microsoft.com/office/drawing/2014/main" id="{67E0C5C6-EB33-4650-A043-FE38D96EF6FC}"/>
-              </a:ext>
-            </a:extLst>
-          </p:cNvPr>
-          <p:cNvSpPr txBox="1"/>
-          <p:nvPr/>
-        </p:nvSpPr>
-        <p:spPr>
-          <a:xfrm>
-            <a:off x="76200" y="494046"/>
-            <a:ext cx="2384981" cy="369332"/>
-          </a:xfrm>
-          <a:prstGeom prst="rect">
-            <a:avLst/>
-          </a:prstGeom>
-          <a:noFill/>
-        </p:spPr>
-        <p:txBody>
-          <a:bodyPr wrap="square" rtlCol="0">
-            <a:spAutoFit/>
-          </a:bodyPr>
-          <a:lstStyle/>
-          <a:p>
-            <a:r>
-              <a:rPr lang="de-DE" dirty="0"/>
-              <a:t>Stand: 03.11.21</a:t>
-            </a:r>
-            <a:endParaRPr lang="en-US" dirty="0"/>
-          </a:p>
-        </p:txBody>
-      </p:sp>
-      <p:sp>
-        <p:nvSpPr>
-          <p:cNvPr id="6" name="TextBox 5">
-            <a:extLst>
-              <a:ext uri="{FF2B5EF4-FFF2-40B4-BE49-F238E27FC236}">
-                <a16:creationId xmlns:a16="http://schemas.microsoft.com/office/drawing/2014/main" id="{EC34FB0F-A9E2-4B61-89D3-56A4495D901D}"/>
-              </a:ext>
-            </a:extLst>
-          </p:cNvPr>
-          <p:cNvSpPr txBox="1"/>
-          <p:nvPr/>
-        </p:nvSpPr>
-        <p:spPr>
-          <a:xfrm>
-            <a:off x="405352" y="1150070"/>
-            <a:ext cx="4609707" cy="923330"/>
-          </a:xfrm>
-          <a:prstGeom prst="rect">
-            <a:avLst/>
-          </a:prstGeom>
-          <a:noFill/>
-        </p:spPr>
-        <p:txBody>
-          <a:bodyPr wrap="square" rtlCol="0">
-            <a:spAutoFit/>
-          </a:bodyPr>
-          <a:lstStyle/>
-          <a:p>
-            <a:r>
-              <a:rPr lang="de-DE" b="1" u="sng" dirty="0"/>
-              <a:t>To-Do:</a:t>
-            </a:r>
-          </a:p>
-          <a:p>
-            <a:r>
-              <a:rPr lang="de-DE" dirty="0"/>
-              <a:t>- Check out datasets in database to see by which rules datasets were included</a:t>
-            </a:r>
-            <a:endParaRPr lang="en-US" dirty="0"/>
-          </a:p>
-        </p:txBody>
-      </p:sp>
-      <p:sp>
-        <p:nvSpPr>
-          <p:cNvPr id="7" name="TextBox 6">
-            <a:extLst>
-              <a:ext uri="{FF2B5EF4-FFF2-40B4-BE49-F238E27FC236}">
-                <a16:creationId xmlns:a16="http://schemas.microsoft.com/office/drawing/2014/main" id="{C5D41B3F-EBFD-4839-B91E-90DFA47B8330}"/>
-              </a:ext>
-            </a:extLst>
-          </p:cNvPr>
-          <p:cNvSpPr txBox="1"/>
-          <p:nvPr/>
-        </p:nvSpPr>
-        <p:spPr>
-          <a:xfrm>
-            <a:off x="405352" y="2476277"/>
-            <a:ext cx="4609707" cy="2862322"/>
-          </a:xfrm>
-          <a:prstGeom prst="rect">
-            <a:avLst/>
-          </a:prstGeom>
-          <a:noFill/>
-        </p:spPr>
-        <p:txBody>
-          <a:bodyPr wrap="square" rtlCol="0">
-            <a:spAutoFit/>
-          </a:bodyPr>
-          <a:lstStyle/>
-          <a:p>
-            <a:r>
-              <a:rPr lang="de-DE" b="1" u="sng" dirty="0"/>
-              <a:t>Rules:</a:t>
-            </a:r>
-          </a:p>
-          <a:p>
-            <a:pPr marL="342900" indent="-342900">
-              <a:buAutoNum type="arabicParenR"/>
-            </a:pPr>
-            <a:r>
-              <a:rPr lang="en-US" dirty="0"/>
-              <a:t>if reference provide gene set (usually supplemental files or figs), take it; </a:t>
-            </a:r>
-          </a:p>
-          <a:p>
-            <a:pPr marL="342900" indent="-342900">
-              <a:buAutoNum type="arabicParenR"/>
-            </a:pPr>
-            <a:r>
-              <a:rPr lang="en-US" dirty="0"/>
-              <a:t>otherwise check GSE if they provide </a:t>
-            </a:r>
-            <a:r>
-              <a:rPr lang="en-US" dirty="0" err="1"/>
-              <a:t>geneset</a:t>
-            </a:r>
-            <a:r>
-              <a:rPr lang="en-US" dirty="0"/>
-              <a:t> in GSE; </a:t>
-            </a:r>
-          </a:p>
-          <a:p>
-            <a:pPr marL="342900" indent="-342900">
-              <a:buAutoNum type="arabicParenR"/>
-            </a:pPr>
-            <a:r>
-              <a:rPr lang="en-US" dirty="0"/>
-              <a:t>if you can't find gene set in reference or GSE, do the analysis yourself to get the gene set.</a:t>
-            </a:r>
-          </a:p>
-          <a:p>
-            <a:pPr marL="342900" indent="-342900">
-              <a:buAutoNum type="arabicParenR"/>
-            </a:pPr>
-            <a:r>
-              <a:rPr lang="en-US" dirty="0"/>
-              <a:t>Check </a:t>
-            </a:r>
-            <a:r>
-              <a:rPr lang="en-US" dirty="0" err="1"/>
-              <a:t>WormBase</a:t>
-            </a:r>
-            <a:r>
-              <a:rPr lang="en-US" dirty="0"/>
-              <a:t> Version -&gt; check gene name assignment</a:t>
-            </a:r>
-          </a:p>
-        </p:txBody>
-      </p:sp>
-      <p:sp>
-        <p:nvSpPr>
-          <p:cNvPr id="8" name="TextBox 7">
-            <a:extLst>
-              <a:ext uri="{FF2B5EF4-FFF2-40B4-BE49-F238E27FC236}">
-                <a16:creationId xmlns:a16="http://schemas.microsoft.com/office/drawing/2014/main" id="{B93F274A-F1D2-4329-B5AF-041B8650392C}"/>
-              </a:ext>
-            </a:extLst>
-          </p:cNvPr>
-          <p:cNvSpPr txBox="1"/>
-          <p:nvPr/>
-        </p:nvSpPr>
-        <p:spPr>
-          <a:xfrm>
-            <a:off x="5848546" y="136525"/>
-            <a:ext cx="4609707" cy="1200329"/>
-          </a:xfrm>
-          <a:prstGeom prst="rect">
-            <a:avLst/>
-          </a:prstGeom>
-          <a:noFill/>
-        </p:spPr>
-        <p:txBody>
-          <a:bodyPr wrap="square" rtlCol="0">
-            <a:spAutoFit/>
-          </a:bodyPr>
-          <a:lstStyle/>
-          <a:p>
-            <a:r>
-              <a:rPr lang="de-DE" b="1" u="sng" dirty="0"/>
-              <a:t>Gene expression profiling by array:</a:t>
-            </a:r>
-          </a:p>
-          <a:p>
-            <a:pPr marL="285750" indent="-285750">
-              <a:buFontTx/>
-              <a:buChar char="-"/>
-            </a:pPr>
-            <a:r>
-              <a:rPr lang="de-DE" dirty="0"/>
-              <a:t>E.g. ChiP-Seq</a:t>
-            </a:r>
-          </a:p>
-          <a:p>
-            <a:pPr marL="285750" indent="-285750">
-              <a:buFontTx/>
-              <a:buChar char="-"/>
-            </a:pPr>
-            <a:r>
-              <a:rPr lang="de-DE" dirty="0"/>
-              <a:t>Datasets per GSM in GEO</a:t>
-            </a:r>
-          </a:p>
-          <a:p>
-            <a:pPr marL="285750" indent="-285750">
-              <a:buFontTx/>
-              <a:buChar char="-"/>
-            </a:pPr>
-            <a:r>
-              <a:rPr lang="de-DE" dirty="0"/>
-              <a:t>Dataset consists of counts </a:t>
-            </a:r>
-          </a:p>
-        </p:txBody>
-      </p:sp>
-      <p:sp>
-        <p:nvSpPr>
-          <p:cNvPr id="9" name="TextBox 8">
-            <a:extLst>
-              <a:ext uri="{FF2B5EF4-FFF2-40B4-BE49-F238E27FC236}">
-                <a16:creationId xmlns:a16="http://schemas.microsoft.com/office/drawing/2014/main" id="{B2443EFD-DDE4-403D-8DE0-CCDE771A8042}"/>
-              </a:ext>
-            </a:extLst>
-          </p:cNvPr>
-          <p:cNvSpPr txBox="1"/>
-          <p:nvPr/>
-        </p:nvSpPr>
-        <p:spPr>
-          <a:xfrm>
-            <a:off x="5848546" y="2354605"/>
-            <a:ext cx="4609707" cy="1754326"/>
-          </a:xfrm>
-          <a:prstGeom prst="rect">
-            <a:avLst/>
-          </a:prstGeom>
-          <a:noFill/>
-        </p:spPr>
-        <p:txBody>
-          <a:bodyPr wrap="square" rtlCol="0">
-            <a:spAutoFit/>
-          </a:bodyPr>
-          <a:lstStyle/>
-          <a:p>
-            <a:r>
-              <a:rPr lang="de-DE" b="1" u="sng" dirty="0"/>
-              <a:t>Gene expression profiling by high-throughput sequencing:</a:t>
-            </a:r>
-          </a:p>
-          <a:p>
-            <a:pPr marL="285750" indent="-285750">
-              <a:buFontTx/>
-              <a:buChar char="-"/>
-            </a:pPr>
-            <a:r>
-              <a:rPr lang="de-DE" dirty="0"/>
-              <a:t>E.g. RNA-Seq</a:t>
-            </a:r>
-          </a:p>
-          <a:p>
-            <a:pPr marL="285750" indent="-285750">
-              <a:buFontTx/>
-              <a:buChar char="-"/>
-            </a:pPr>
-            <a:r>
-              <a:rPr lang="de-DE" dirty="0"/>
-              <a:t>Dataset consists of normalized DeSeq counts</a:t>
-            </a:r>
-          </a:p>
-          <a:p>
-            <a:pPr marL="285750" indent="-285750">
-              <a:buFontTx/>
-              <a:buChar char="-"/>
-            </a:pPr>
-            <a:r>
-              <a:rPr lang="de-DE" dirty="0"/>
-              <a:t>Log2 ratio </a:t>
-            </a:r>
-          </a:p>
-        </p:txBody>
-      </p:sp>
-    </p:spTree>
-    <p:extLst>
-      <p:ext uri="{BB962C8B-B14F-4D97-AF65-F5344CB8AC3E}">
-        <p14:creationId xmlns:p14="http://schemas.microsoft.com/office/powerpoint/2010/main" val="4158310092"/>
-      </p:ext>
-    </p:extLst>
-  </p:cSld>
-  <p:clrMapOvr>
-    <a:masterClrMapping/>
-  </p:clrMapOvr>
-</p:sld>
-</file>
-
 <file path=ppt/slides/slide3.xml><?xml version="1.0" encoding="utf-8"?>
 <p:sld xmlns:a="http://schemas.openxmlformats.org/drawingml/2006/main" xmlns:r="http://schemas.openxmlformats.org/officeDocument/2006/relationships" xmlns:p="http://schemas.openxmlformats.org/presentationml/2006/main">
   <p:cSld>
@@ -14810,7 +18762,7 @@
           <a:p>
             <a:fld id="{A5F007CA-CC09-4561-9FCD-CE44B6E86F3A}" type="datetime1">
               <a:rPr lang="en-US" smtClean="0"/>
-              <a:t>2/17/2022</a:t>
+              <a:t>2/24/2022</a:t>
             </a:fld>
             <a:endParaRPr lang="en-US"/>
           </a:p>
@@ -16824,6 +20776,967 @@
 </p:sld>
 </file>
 
+<file path=ppt/slides/slide30.xml><?xml version="1.0" encoding="utf-8"?>
+<p:sld xmlns:a="http://schemas.openxmlformats.org/drawingml/2006/main" xmlns:r="http://schemas.openxmlformats.org/officeDocument/2006/relationships" xmlns:p="http://schemas.openxmlformats.org/presentationml/2006/main">
+  <p:cSld>
+    <p:spTree>
+      <p:nvGrpSpPr>
+        <p:cNvPr id="1" name=""/>
+        <p:cNvGrpSpPr/>
+        <p:nvPr/>
+      </p:nvGrpSpPr>
+      <p:grpSpPr>
+        <a:xfrm>
+          <a:off x="0" y="0"/>
+          <a:ext cx="0" cy="0"/>
+          <a:chOff x="0" y="0"/>
+          <a:chExt cx="0" cy="0"/>
+        </a:xfrm>
+      </p:grpSpPr>
+      <p:sp>
+        <p:nvSpPr>
+          <p:cNvPr id="2" name="Date Placeholder 1">
+            <a:extLst>
+              <a:ext uri="{FF2B5EF4-FFF2-40B4-BE49-F238E27FC236}">
+                <a16:creationId xmlns:a16="http://schemas.microsoft.com/office/drawing/2014/main" id="{4DA77BC9-9E20-48CD-8DF2-00AB5ABE3060}"/>
+              </a:ext>
+            </a:extLst>
+          </p:cNvPr>
+          <p:cNvSpPr>
+            <a:spLocks noGrp="1"/>
+          </p:cNvSpPr>
+          <p:nvPr>
+            <p:ph type="dt" sz="half" idx="10"/>
+          </p:nvPr>
+        </p:nvSpPr>
+        <p:spPr/>
+        <p:txBody>
+          <a:bodyPr/>
+          <a:lstStyle/>
+          <a:p>
+            <a:fld id="{FC869165-E4FA-4AC3-B6F6-7C413C044D79}" type="datetime1">
+              <a:rPr lang="en-US" smtClean="0"/>
+              <a:t>2/24/2022</a:t>
+            </a:fld>
+            <a:endParaRPr lang="en-US"/>
+          </a:p>
+        </p:txBody>
+      </p:sp>
+      <p:sp>
+        <p:nvSpPr>
+          <p:cNvPr id="3" name="Footer Placeholder 2">
+            <a:extLst>
+              <a:ext uri="{FF2B5EF4-FFF2-40B4-BE49-F238E27FC236}">
+                <a16:creationId xmlns:a16="http://schemas.microsoft.com/office/drawing/2014/main" id="{E4A8AB43-CEE6-40D2-964F-BD6197347D4F}"/>
+              </a:ext>
+            </a:extLst>
+          </p:cNvPr>
+          <p:cNvSpPr>
+            <a:spLocks noGrp="1"/>
+          </p:cNvSpPr>
+          <p:nvPr>
+            <p:ph type="ftr" sz="quarter" idx="11"/>
+          </p:nvPr>
+        </p:nvSpPr>
+        <p:spPr/>
+        <p:txBody>
+          <a:bodyPr/>
+          <a:lstStyle/>
+          <a:p>
+            <a:r>
+              <a:rPr lang="en-US"/>
+              <a:t>jennifer.neumaier@t-online.de</a:t>
+            </a:r>
+          </a:p>
+        </p:txBody>
+      </p:sp>
+      <p:sp>
+        <p:nvSpPr>
+          <p:cNvPr id="4" name="Title 123">
+            <a:extLst>
+              <a:ext uri="{FF2B5EF4-FFF2-40B4-BE49-F238E27FC236}">
+                <a16:creationId xmlns:a16="http://schemas.microsoft.com/office/drawing/2014/main" id="{784672D0-E82F-4B08-9F06-822CBEDBDADF}"/>
+              </a:ext>
+            </a:extLst>
+          </p:cNvPr>
+          <p:cNvSpPr txBox="1">
+            <a:spLocks/>
+          </p:cNvSpPr>
+          <p:nvPr/>
+        </p:nvSpPr>
+        <p:spPr>
+          <a:xfrm>
+            <a:off x="0" y="96941"/>
+            <a:ext cx="5015060" cy="526312"/>
+          </a:xfrm>
+          <a:prstGeom prst="rect">
+            <a:avLst/>
+          </a:prstGeom>
+        </p:spPr>
+        <p:txBody>
+          <a:bodyPr>
+            <a:normAutofit fontScale="90000" lnSpcReduction="10000"/>
+          </a:bodyPr>
+          <a:lstStyle>
+            <a:lvl1pPr algn="l" defTabSz="914400" rtl="0" eaLnBrk="1" latinLnBrk="0" hangingPunct="1">
+              <a:lnSpc>
+                <a:spcPct val="90000"/>
+              </a:lnSpc>
+              <a:spcBef>
+                <a:spcPct val="0"/>
+              </a:spcBef>
+              <a:buNone/>
+              <a:defRPr sz="4400" kern="1200">
+                <a:solidFill>
+                  <a:schemeClr val="tx1"/>
+                </a:solidFill>
+                <a:latin typeface="+mj-lt"/>
+                <a:ea typeface="+mj-ea"/>
+                <a:cs typeface="+mj-cs"/>
+              </a:defRPr>
+            </a:lvl1pPr>
+          </a:lstStyle>
+          <a:p>
+            <a:r>
+              <a:rPr lang="de-DE" sz="3600" b="1" dirty="0"/>
+              <a:t>RNA-seq metrics</a:t>
+            </a:r>
+            <a:endParaRPr lang="en-US" sz="3600" b="1" dirty="0"/>
+          </a:p>
+        </p:txBody>
+      </p:sp>
+      <p:sp>
+        <p:nvSpPr>
+          <p:cNvPr id="5" name="TextBox 4">
+            <a:extLst>
+              <a:ext uri="{FF2B5EF4-FFF2-40B4-BE49-F238E27FC236}">
+                <a16:creationId xmlns:a16="http://schemas.microsoft.com/office/drawing/2014/main" id="{1584CF37-3C07-4B2C-B6FF-8D5906A85B4F}"/>
+              </a:ext>
+            </a:extLst>
+          </p:cNvPr>
+          <p:cNvSpPr txBox="1"/>
+          <p:nvPr/>
+        </p:nvSpPr>
+        <p:spPr>
+          <a:xfrm>
+            <a:off x="76200" y="494046"/>
+            <a:ext cx="2384981" cy="369332"/>
+          </a:xfrm>
+          <a:prstGeom prst="rect">
+            <a:avLst/>
+          </a:prstGeom>
+          <a:noFill/>
+        </p:spPr>
+        <p:txBody>
+          <a:bodyPr wrap="square" rtlCol="0">
+            <a:spAutoFit/>
+          </a:bodyPr>
+          <a:lstStyle/>
+          <a:p>
+            <a:r>
+              <a:rPr lang="de-DE" dirty="0"/>
+              <a:t>Stand: 03.11.21</a:t>
+            </a:r>
+            <a:endParaRPr lang="en-US" dirty="0"/>
+          </a:p>
+        </p:txBody>
+      </p:sp>
+      <p:sp>
+        <p:nvSpPr>
+          <p:cNvPr id="6" name="TextBox 5">
+            <a:extLst>
+              <a:ext uri="{FF2B5EF4-FFF2-40B4-BE49-F238E27FC236}">
+                <a16:creationId xmlns:a16="http://schemas.microsoft.com/office/drawing/2014/main" id="{874B0A95-6D7F-40FA-B8F4-88342DF40106}"/>
+              </a:ext>
+            </a:extLst>
+          </p:cNvPr>
+          <p:cNvSpPr txBox="1"/>
+          <p:nvPr/>
+        </p:nvSpPr>
+        <p:spPr>
+          <a:xfrm>
+            <a:off x="2275602" y="3844981"/>
+            <a:ext cx="4609707" cy="2585323"/>
+          </a:xfrm>
+          <a:prstGeom prst="rect">
+            <a:avLst/>
+          </a:prstGeom>
+          <a:noFill/>
+        </p:spPr>
+        <p:txBody>
+          <a:bodyPr wrap="square" rtlCol="0">
+            <a:spAutoFit/>
+          </a:bodyPr>
+          <a:lstStyle/>
+          <a:p>
+            <a:r>
+              <a:rPr lang="de-DE" b="1" u="sng" dirty="0"/>
+              <a:t>DESeq adjusts for differences in library composition:</a:t>
+            </a:r>
+          </a:p>
+          <a:p>
+            <a:pPr marL="285750" indent="-285750">
+              <a:buFontTx/>
+              <a:buChar char="-"/>
+            </a:pPr>
+            <a:r>
+              <a:rPr lang="de-DE" dirty="0"/>
+              <a:t>RNA-Seq is often used to compate one tissue type to another (e.g. Liver vs spleen)</a:t>
+            </a:r>
+          </a:p>
+          <a:p>
+            <a:pPr marL="285750" indent="-285750">
+              <a:buFontTx/>
+              <a:buChar char="-"/>
+            </a:pPr>
+            <a:r>
+              <a:rPr lang="de-DE" dirty="0"/>
+              <a:t>It could be that there are a lot of liver specific genes transcribed in liver but not in spleen</a:t>
+            </a:r>
+          </a:p>
+          <a:p>
+            <a:pPr marL="285750" indent="-285750">
+              <a:buFontTx/>
+              <a:buChar char="-"/>
+            </a:pPr>
+            <a:r>
+              <a:rPr lang="de-DE" dirty="0"/>
+              <a:t>Differences in library composition also due to trancription factor knock-outs</a:t>
+            </a:r>
+          </a:p>
+        </p:txBody>
+      </p:sp>
+      <p:sp>
+        <p:nvSpPr>
+          <p:cNvPr id="8" name="TextBox 7">
+            <a:extLst>
+              <a:ext uri="{FF2B5EF4-FFF2-40B4-BE49-F238E27FC236}">
+                <a16:creationId xmlns:a16="http://schemas.microsoft.com/office/drawing/2014/main" id="{B09EC3CE-8BC1-428F-B635-046A9DE1086D}"/>
+              </a:ext>
+            </a:extLst>
+          </p:cNvPr>
+          <p:cNvSpPr txBox="1"/>
+          <p:nvPr/>
+        </p:nvSpPr>
+        <p:spPr>
+          <a:xfrm>
+            <a:off x="4580456" y="562553"/>
+            <a:ext cx="3423087" cy="1200329"/>
+          </a:xfrm>
+          <a:prstGeom prst="rect">
+            <a:avLst/>
+          </a:prstGeom>
+          <a:noFill/>
+        </p:spPr>
+        <p:txBody>
+          <a:bodyPr wrap="square">
+            <a:spAutoFit/>
+          </a:bodyPr>
+          <a:lstStyle/>
+          <a:p>
+            <a:r>
+              <a:rPr lang="de-DE" b="1" u="sng" dirty="0"/>
+              <a:t>Normalization in DESeq2 handles:</a:t>
+            </a:r>
+          </a:p>
+          <a:p>
+            <a:pPr marL="285750" indent="-285750">
+              <a:buFontTx/>
+              <a:buChar char="-"/>
+            </a:pPr>
+            <a:r>
+              <a:rPr lang="de-DE" dirty="0"/>
+              <a:t>Differences in library sizes</a:t>
+            </a:r>
+          </a:p>
+          <a:p>
+            <a:pPr marL="285750" indent="-285750">
+              <a:buFontTx/>
+              <a:buChar char="-"/>
+            </a:pPr>
+            <a:r>
+              <a:rPr lang="de-DE" dirty="0"/>
+              <a:t>Differences in library composition</a:t>
+            </a:r>
+          </a:p>
+        </p:txBody>
+      </p:sp>
+      <p:sp>
+        <p:nvSpPr>
+          <p:cNvPr id="9" name="Arrow: Right 8">
+            <a:extLst>
+              <a:ext uri="{FF2B5EF4-FFF2-40B4-BE49-F238E27FC236}">
+                <a16:creationId xmlns:a16="http://schemas.microsoft.com/office/drawing/2014/main" id="{D3461925-422A-4743-AB21-CC1B358DCAD7}"/>
+              </a:ext>
+            </a:extLst>
+          </p:cNvPr>
+          <p:cNvSpPr/>
+          <p:nvPr/>
+        </p:nvSpPr>
+        <p:spPr>
+          <a:xfrm rot="5400000">
+            <a:off x="7916477" y="856707"/>
+            <a:ext cx="1228366" cy="612021"/>
+          </a:xfrm>
+          <a:prstGeom prst="rightArrow">
+            <a:avLst/>
+          </a:prstGeom>
+        </p:spPr>
+        <p:style>
+          <a:lnRef idx="2">
+            <a:schemeClr val="accent1">
+              <a:shade val="50000"/>
+            </a:schemeClr>
+          </a:lnRef>
+          <a:fillRef idx="1">
+            <a:schemeClr val="accent1"/>
+          </a:fillRef>
+          <a:effectRef idx="0">
+            <a:schemeClr val="accent1"/>
+          </a:effectRef>
+          <a:fontRef idx="minor">
+            <a:schemeClr val="lt1"/>
+          </a:fontRef>
+        </p:style>
+        <p:txBody>
+          <a:bodyPr rtlCol="0" anchor="ctr"/>
+          <a:lstStyle/>
+          <a:p>
+            <a:pPr algn="ctr"/>
+            <a:endParaRPr lang="en-US"/>
+          </a:p>
+        </p:txBody>
+      </p:sp>
+      <p:sp>
+        <p:nvSpPr>
+          <p:cNvPr id="10" name="TextBox 9">
+            <a:extLst>
+              <a:ext uri="{FF2B5EF4-FFF2-40B4-BE49-F238E27FC236}">
+                <a16:creationId xmlns:a16="http://schemas.microsoft.com/office/drawing/2014/main" id="{C327197A-6780-46A5-AA62-D5853BA573DD}"/>
+              </a:ext>
+            </a:extLst>
+          </p:cNvPr>
+          <p:cNvSpPr txBox="1"/>
+          <p:nvPr/>
+        </p:nvSpPr>
+        <p:spPr>
+          <a:xfrm>
+            <a:off x="6611627" y="1762882"/>
+            <a:ext cx="5754001" cy="2862322"/>
+          </a:xfrm>
+          <a:prstGeom prst="rect">
+            <a:avLst/>
+          </a:prstGeom>
+          <a:noFill/>
+        </p:spPr>
+        <p:txBody>
+          <a:bodyPr wrap="square">
+            <a:spAutoFit/>
+          </a:bodyPr>
+          <a:lstStyle/>
+          <a:p>
+            <a:r>
+              <a:rPr lang="de-DE" b="1" u="sng" dirty="0"/>
+              <a:t>Steps: </a:t>
+            </a:r>
+          </a:p>
+          <a:p>
+            <a:pPr marL="285750" indent="-285750">
+              <a:buFontTx/>
+              <a:buChar char="-"/>
+            </a:pPr>
+            <a:r>
+              <a:rPr lang="de-DE" dirty="0"/>
+              <a:t>log base e for every count</a:t>
+            </a:r>
+          </a:p>
+          <a:p>
+            <a:pPr marL="285750" indent="-285750">
+              <a:buFontTx/>
+              <a:buChar char="-"/>
+            </a:pPr>
+            <a:r>
+              <a:rPr lang="de-DE" dirty="0"/>
+              <a:t>Average each row of log values</a:t>
+            </a:r>
+          </a:p>
+          <a:p>
+            <a:pPr marL="285750" indent="-285750">
+              <a:buFontTx/>
+              <a:buChar char="-"/>
+            </a:pPr>
+            <a:r>
+              <a:rPr lang="de-DE" dirty="0"/>
+              <a:t>Filter out 0/Inf</a:t>
+            </a:r>
+          </a:p>
+          <a:p>
+            <a:pPr marL="285750" indent="-285750">
+              <a:buFontTx/>
+              <a:buChar char="-"/>
+            </a:pPr>
+            <a:r>
+              <a:rPr lang="de-DE" dirty="0"/>
+              <a:t>Subtract the average log value from the log(counts) (ratio)</a:t>
+            </a:r>
+          </a:p>
+          <a:p>
+            <a:pPr marL="285750" indent="-285750">
+              <a:buFontTx/>
+              <a:buChar char="-"/>
+            </a:pPr>
+            <a:r>
+              <a:rPr lang="de-DE" dirty="0"/>
+              <a:t>Calculate the median of the ratios for each sample</a:t>
+            </a:r>
+          </a:p>
+          <a:p>
+            <a:pPr marL="285750" indent="-285750">
+              <a:buFontTx/>
+              <a:buChar char="-"/>
+            </a:pPr>
+            <a:r>
+              <a:rPr lang="de-DE" dirty="0"/>
+              <a:t>Convert medians to „normal numbers“ to get the final scaling for each sampe</a:t>
+            </a:r>
+          </a:p>
+          <a:p>
+            <a:pPr marL="285750" indent="-285750">
+              <a:buFontTx/>
+              <a:buChar char="-"/>
+            </a:pPr>
+            <a:r>
+              <a:rPr lang="de-DE" dirty="0"/>
+              <a:t>Divide original read counts by the scaling factors</a:t>
+            </a:r>
+          </a:p>
+        </p:txBody>
+      </p:sp>
+      <p:sp>
+        <p:nvSpPr>
+          <p:cNvPr id="15" name="TextBox 14">
+            <a:extLst>
+              <a:ext uri="{FF2B5EF4-FFF2-40B4-BE49-F238E27FC236}">
+                <a16:creationId xmlns:a16="http://schemas.microsoft.com/office/drawing/2014/main" id="{9302969A-9AA8-4555-9E4F-597E83B248C5}"/>
+              </a:ext>
+            </a:extLst>
+          </p:cNvPr>
+          <p:cNvSpPr txBox="1"/>
+          <p:nvPr/>
+        </p:nvSpPr>
+        <p:spPr>
+          <a:xfrm>
+            <a:off x="202676" y="937770"/>
+            <a:ext cx="4609707" cy="3139321"/>
+          </a:xfrm>
+          <a:prstGeom prst="rect">
+            <a:avLst/>
+          </a:prstGeom>
+          <a:noFill/>
+        </p:spPr>
+        <p:txBody>
+          <a:bodyPr wrap="square" rtlCol="0">
+            <a:spAutoFit/>
+          </a:bodyPr>
+          <a:lstStyle/>
+          <a:p>
+            <a:r>
+              <a:rPr lang="de-DE" b="1" u="sng" dirty="0"/>
+              <a:t>Techniques:</a:t>
+            </a:r>
+          </a:p>
+          <a:p>
+            <a:pPr marL="285750" indent="-285750">
+              <a:buFontTx/>
+              <a:buChar char="-"/>
+            </a:pPr>
+            <a:r>
+              <a:rPr lang="de-DE" dirty="0"/>
+              <a:t>RPKM (reads per kilobase million): normalized read counts for sequencing depth and gene length -&gt; for single end RNA-seq</a:t>
+            </a:r>
+          </a:p>
+          <a:p>
+            <a:pPr marL="285750" indent="-285750">
+              <a:buFontTx/>
+              <a:buChar char="-"/>
+            </a:pPr>
+            <a:r>
+              <a:rPr lang="de-DE" dirty="0"/>
+              <a:t>FPKM (fragments per kilobase million): normalized read counts for lsequencing depth and gene length -&gt; for paired end RNA-seq</a:t>
+            </a:r>
+          </a:p>
+          <a:p>
+            <a:pPr marL="285750" indent="-285750">
+              <a:buFontTx/>
+              <a:buChar char="-"/>
+            </a:pPr>
+            <a:r>
+              <a:rPr lang="de-DE" dirty="0"/>
+              <a:t>TPM (transcripts per million)</a:t>
+            </a:r>
+          </a:p>
+          <a:p>
+            <a:pPr marL="285750" indent="-285750">
+              <a:buFontTx/>
+              <a:buChar char="-"/>
+            </a:pPr>
+            <a:r>
+              <a:rPr lang="de-DE" dirty="0"/>
+              <a:t>DESeq2</a:t>
+            </a:r>
+          </a:p>
+        </p:txBody>
+      </p:sp>
+    </p:spTree>
+    <p:extLst>
+      <p:ext uri="{BB962C8B-B14F-4D97-AF65-F5344CB8AC3E}">
+        <p14:creationId xmlns:p14="http://schemas.microsoft.com/office/powerpoint/2010/main" val="760812220"/>
+      </p:ext>
+    </p:extLst>
+  </p:cSld>
+  <p:clrMapOvr>
+    <a:masterClrMapping/>
+  </p:clrMapOvr>
+</p:sld>
+</file>
+
+<file path=ppt/slides/slide31.xml><?xml version="1.0" encoding="utf-8"?>
+<p:sld xmlns:a="http://schemas.openxmlformats.org/drawingml/2006/main" xmlns:r="http://schemas.openxmlformats.org/officeDocument/2006/relationships" xmlns:p="http://schemas.openxmlformats.org/presentationml/2006/main">
+  <p:cSld>
+    <p:spTree>
+      <p:nvGrpSpPr>
+        <p:cNvPr id="1" name=""/>
+        <p:cNvGrpSpPr/>
+        <p:nvPr/>
+      </p:nvGrpSpPr>
+      <p:grpSpPr>
+        <a:xfrm>
+          <a:off x="0" y="0"/>
+          <a:ext cx="0" cy="0"/>
+          <a:chOff x="0" y="0"/>
+          <a:chExt cx="0" cy="0"/>
+        </a:xfrm>
+      </p:grpSpPr>
+      <p:sp>
+        <p:nvSpPr>
+          <p:cNvPr id="2" name="Date Placeholder 1">
+            <a:extLst>
+              <a:ext uri="{FF2B5EF4-FFF2-40B4-BE49-F238E27FC236}">
+                <a16:creationId xmlns:a16="http://schemas.microsoft.com/office/drawing/2014/main" id="{65D9D75D-BB9D-4DB0-A9B0-960736E3369B}"/>
+              </a:ext>
+            </a:extLst>
+          </p:cNvPr>
+          <p:cNvSpPr>
+            <a:spLocks noGrp="1"/>
+          </p:cNvSpPr>
+          <p:nvPr>
+            <p:ph type="dt" sz="half" idx="10"/>
+          </p:nvPr>
+        </p:nvSpPr>
+        <p:spPr/>
+        <p:txBody>
+          <a:bodyPr/>
+          <a:lstStyle/>
+          <a:p>
+            <a:fld id="{FC869165-E4FA-4AC3-B6F6-7C413C044D79}" type="datetime1">
+              <a:rPr lang="en-US" smtClean="0"/>
+              <a:t>2/24/2022</a:t>
+            </a:fld>
+            <a:endParaRPr lang="en-US"/>
+          </a:p>
+        </p:txBody>
+      </p:sp>
+      <p:sp>
+        <p:nvSpPr>
+          <p:cNvPr id="3" name="Footer Placeholder 2">
+            <a:extLst>
+              <a:ext uri="{FF2B5EF4-FFF2-40B4-BE49-F238E27FC236}">
+                <a16:creationId xmlns:a16="http://schemas.microsoft.com/office/drawing/2014/main" id="{402FEA43-2732-4DFC-92BB-169165D96F17}"/>
+              </a:ext>
+            </a:extLst>
+          </p:cNvPr>
+          <p:cNvSpPr>
+            <a:spLocks noGrp="1"/>
+          </p:cNvSpPr>
+          <p:nvPr>
+            <p:ph type="ftr" sz="quarter" idx="11"/>
+          </p:nvPr>
+        </p:nvSpPr>
+        <p:spPr/>
+        <p:txBody>
+          <a:bodyPr/>
+          <a:lstStyle/>
+          <a:p>
+            <a:r>
+              <a:rPr lang="en-US"/>
+              <a:t>jennifer.neumaier@t-online.de</a:t>
+            </a:r>
+          </a:p>
+        </p:txBody>
+      </p:sp>
+      <p:sp>
+        <p:nvSpPr>
+          <p:cNvPr id="4" name="Title 123">
+            <a:extLst>
+              <a:ext uri="{FF2B5EF4-FFF2-40B4-BE49-F238E27FC236}">
+                <a16:creationId xmlns:a16="http://schemas.microsoft.com/office/drawing/2014/main" id="{6D438E82-46F7-45B6-84BC-76F19252C67A}"/>
+              </a:ext>
+            </a:extLst>
+          </p:cNvPr>
+          <p:cNvSpPr txBox="1">
+            <a:spLocks/>
+          </p:cNvSpPr>
+          <p:nvPr/>
+        </p:nvSpPr>
+        <p:spPr>
+          <a:xfrm>
+            <a:off x="0" y="96941"/>
+            <a:ext cx="5015060" cy="526312"/>
+          </a:xfrm>
+          <a:prstGeom prst="rect">
+            <a:avLst/>
+          </a:prstGeom>
+        </p:spPr>
+        <p:txBody>
+          <a:bodyPr>
+            <a:normAutofit fontScale="90000" lnSpcReduction="10000"/>
+          </a:bodyPr>
+          <a:lstStyle>
+            <a:lvl1pPr algn="l" defTabSz="914400" rtl="0" eaLnBrk="1" latinLnBrk="0" hangingPunct="1">
+              <a:lnSpc>
+                <a:spcPct val="90000"/>
+              </a:lnSpc>
+              <a:spcBef>
+                <a:spcPct val="0"/>
+              </a:spcBef>
+              <a:buNone/>
+              <a:defRPr sz="4400" kern="1200">
+                <a:solidFill>
+                  <a:schemeClr val="tx1"/>
+                </a:solidFill>
+                <a:latin typeface="+mj-lt"/>
+                <a:ea typeface="+mj-ea"/>
+                <a:cs typeface="+mj-cs"/>
+              </a:defRPr>
+            </a:lvl1pPr>
+          </a:lstStyle>
+          <a:p>
+            <a:r>
+              <a:rPr lang="de-DE" sz="3600" b="1" dirty="0"/>
+              <a:t>Manual data analysis</a:t>
+            </a:r>
+            <a:endParaRPr lang="en-US" sz="3600" b="1" dirty="0"/>
+          </a:p>
+        </p:txBody>
+      </p:sp>
+      <p:sp>
+        <p:nvSpPr>
+          <p:cNvPr id="5" name="TextBox 4">
+            <a:extLst>
+              <a:ext uri="{FF2B5EF4-FFF2-40B4-BE49-F238E27FC236}">
+                <a16:creationId xmlns:a16="http://schemas.microsoft.com/office/drawing/2014/main" id="{67E0C5C6-EB33-4650-A043-FE38D96EF6FC}"/>
+              </a:ext>
+            </a:extLst>
+          </p:cNvPr>
+          <p:cNvSpPr txBox="1"/>
+          <p:nvPr/>
+        </p:nvSpPr>
+        <p:spPr>
+          <a:xfrm>
+            <a:off x="76200" y="494046"/>
+            <a:ext cx="2384981" cy="369332"/>
+          </a:xfrm>
+          <a:prstGeom prst="rect">
+            <a:avLst/>
+          </a:prstGeom>
+          <a:noFill/>
+        </p:spPr>
+        <p:txBody>
+          <a:bodyPr wrap="square" rtlCol="0">
+            <a:spAutoFit/>
+          </a:bodyPr>
+          <a:lstStyle/>
+          <a:p>
+            <a:r>
+              <a:rPr lang="de-DE" dirty="0"/>
+              <a:t>Stand: 03.11.21</a:t>
+            </a:r>
+            <a:endParaRPr lang="en-US" dirty="0"/>
+          </a:p>
+        </p:txBody>
+      </p:sp>
+      <p:sp>
+        <p:nvSpPr>
+          <p:cNvPr id="6" name="TextBox 5">
+            <a:extLst>
+              <a:ext uri="{FF2B5EF4-FFF2-40B4-BE49-F238E27FC236}">
+                <a16:creationId xmlns:a16="http://schemas.microsoft.com/office/drawing/2014/main" id="{EC34FB0F-A9E2-4B61-89D3-56A4495D901D}"/>
+              </a:ext>
+            </a:extLst>
+          </p:cNvPr>
+          <p:cNvSpPr txBox="1"/>
+          <p:nvPr/>
+        </p:nvSpPr>
+        <p:spPr>
+          <a:xfrm>
+            <a:off x="405352" y="1150070"/>
+            <a:ext cx="4609707" cy="923330"/>
+          </a:xfrm>
+          <a:prstGeom prst="rect">
+            <a:avLst/>
+          </a:prstGeom>
+          <a:noFill/>
+        </p:spPr>
+        <p:txBody>
+          <a:bodyPr wrap="square" rtlCol="0">
+            <a:spAutoFit/>
+          </a:bodyPr>
+          <a:lstStyle/>
+          <a:p>
+            <a:r>
+              <a:rPr lang="de-DE" b="1" u="sng" dirty="0"/>
+              <a:t>To-Do:</a:t>
+            </a:r>
+          </a:p>
+          <a:p>
+            <a:r>
+              <a:rPr lang="de-DE" dirty="0"/>
+              <a:t>- Check out datasets in database to see by which rules datasets were included</a:t>
+            </a:r>
+            <a:endParaRPr lang="en-US" dirty="0"/>
+          </a:p>
+        </p:txBody>
+      </p:sp>
+      <p:sp>
+        <p:nvSpPr>
+          <p:cNvPr id="7" name="TextBox 6">
+            <a:extLst>
+              <a:ext uri="{FF2B5EF4-FFF2-40B4-BE49-F238E27FC236}">
+                <a16:creationId xmlns:a16="http://schemas.microsoft.com/office/drawing/2014/main" id="{C5D41B3F-EBFD-4839-B91E-90DFA47B8330}"/>
+              </a:ext>
+            </a:extLst>
+          </p:cNvPr>
+          <p:cNvSpPr txBox="1"/>
+          <p:nvPr/>
+        </p:nvSpPr>
+        <p:spPr>
+          <a:xfrm>
+            <a:off x="405352" y="2476277"/>
+            <a:ext cx="4609707" cy="2862322"/>
+          </a:xfrm>
+          <a:prstGeom prst="rect">
+            <a:avLst/>
+          </a:prstGeom>
+          <a:noFill/>
+        </p:spPr>
+        <p:txBody>
+          <a:bodyPr wrap="square" rtlCol="0">
+            <a:spAutoFit/>
+          </a:bodyPr>
+          <a:lstStyle/>
+          <a:p>
+            <a:r>
+              <a:rPr lang="de-DE" b="1" u="sng" dirty="0"/>
+              <a:t>Rules:</a:t>
+            </a:r>
+          </a:p>
+          <a:p>
+            <a:pPr marL="342900" indent="-342900">
+              <a:buAutoNum type="arabicParenR"/>
+            </a:pPr>
+            <a:r>
+              <a:rPr lang="en-US" dirty="0"/>
+              <a:t>if reference provide gene set (usually supplemental files or figs), take it; </a:t>
+            </a:r>
+          </a:p>
+          <a:p>
+            <a:pPr marL="342900" indent="-342900">
+              <a:buAutoNum type="arabicParenR"/>
+            </a:pPr>
+            <a:r>
+              <a:rPr lang="en-US" dirty="0"/>
+              <a:t>otherwise check GSE if they provide </a:t>
+            </a:r>
+            <a:r>
+              <a:rPr lang="en-US" dirty="0" err="1"/>
+              <a:t>geneset</a:t>
+            </a:r>
+            <a:r>
+              <a:rPr lang="en-US" dirty="0"/>
+              <a:t> in GSE; </a:t>
+            </a:r>
+          </a:p>
+          <a:p>
+            <a:pPr marL="342900" indent="-342900">
+              <a:buAutoNum type="arabicParenR"/>
+            </a:pPr>
+            <a:r>
+              <a:rPr lang="en-US" dirty="0"/>
+              <a:t>if you can't find gene set in reference or GSE, do the analysis yourself to get the gene set.</a:t>
+            </a:r>
+          </a:p>
+          <a:p>
+            <a:pPr marL="342900" indent="-342900">
+              <a:buAutoNum type="arabicParenR"/>
+            </a:pPr>
+            <a:r>
+              <a:rPr lang="en-US" dirty="0"/>
+              <a:t>Check </a:t>
+            </a:r>
+            <a:r>
+              <a:rPr lang="en-US" dirty="0" err="1"/>
+              <a:t>WormBase</a:t>
+            </a:r>
+            <a:r>
+              <a:rPr lang="en-US" dirty="0"/>
+              <a:t> Version -&gt; check gene name assignment</a:t>
+            </a:r>
+          </a:p>
+        </p:txBody>
+      </p:sp>
+      <p:sp>
+        <p:nvSpPr>
+          <p:cNvPr id="8" name="TextBox 7">
+            <a:extLst>
+              <a:ext uri="{FF2B5EF4-FFF2-40B4-BE49-F238E27FC236}">
+                <a16:creationId xmlns:a16="http://schemas.microsoft.com/office/drawing/2014/main" id="{B93F274A-F1D2-4329-B5AF-041B8650392C}"/>
+              </a:ext>
+            </a:extLst>
+          </p:cNvPr>
+          <p:cNvSpPr txBox="1"/>
+          <p:nvPr/>
+        </p:nvSpPr>
+        <p:spPr>
+          <a:xfrm>
+            <a:off x="5848546" y="136525"/>
+            <a:ext cx="4609707" cy="1200329"/>
+          </a:xfrm>
+          <a:prstGeom prst="rect">
+            <a:avLst/>
+          </a:prstGeom>
+          <a:noFill/>
+        </p:spPr>
+        <p:txBody>
+          <a:bodyPr wrap="square" rtlCol="0">
+            <a:spAutoFit/>
+          </a:bodyPr>
+          <a:lstStyle/>
+          <a:p>
+            <a:r>
+              <a:rPr lang="de-DE" b="1" u="sng" dirty="0"/>
+              <a:t>Gene expression profiling by array:</a:t>
+            </a:r>
+          </a:p>
+          <a:p>
+            <a:pPr marL="285750" indent="-285750">
+              <a:buFontTx/>
+              <a:buChar char="-"/>
+            </a:pPr>
+            <a:r>
+              <a:rPr lang="de-DE" dirty="0"/>
+              <a:t>E.g. ChiP-Seq</a:t>
+            </a:r>
+          </a:p>
+          <a:p>
+            <a:pPr marL="285750" indent="-285750">
+              <a:buFontTx/>
+              <a:buChar char="-"/>
+            </a:pPr>
+            <a:r>
+              <a:rPr lang="de-DE" dirty="0"/>
+              <a:t>Datasets per GSM in GEO</a:t>
+            </a:r>
+          </a:p>
+          <a:p>
+            <a:pPr marL="285750" indent="-285750">
+              <a:buFontTx/>
+              <a:buChar char="-"/>
+            </a:pPr>
+            <a:r>
+              <a:rPr lang="de-DE" dirty="0"/>
+              <a:t>Dataset consists of counts </a:t>
+            </a:r>
+          </a:p>
+        </p:txBody>
+      </p:sp>
+      <p:sp>
+        <p:nvSpPr>
+          <p:cNvPr id="9" name="TextBox 8">
+            <a:extLst>
+              <a:ext uri="{FF2B5EF4-FFF2-40B4-BE49-F238E27FC236}">
+                <a16:creationId xmlns:a16="http://schemas.microsoft.com/office/drawing/2014/main" id="{B2443EFD-DDE4-403D-8DE0-CCDE771A8042}"/>
+              </a:ext>
+            </a:extLst>
+          </p:cNvPr>
+          <p:cNvSpPr txBox="1"/>
+          <p:nvPr/>
+        </p:nvSpPr>
+        <p:spPr>
+          <a:xfrm>
+            <a:off x="5848546" y="2354605"/>
+            <a:ext cx="4609707" cy="1754326"/>
+          </a:xfrm>
+          <a:prstGeom prst="rect">
+            <a:avLst/>
+          </a:prstGeom>
+          <a:noFill/>
+        </p:spPr>
+        <p:txBody>
+          <a:bodyPr wrap="square" rtlCol="0">
+            <a:spAutoFit/>
+          </a:bodyPr>
+          <a:lstStyle/>
+          <a:p>
+            <a:r>
+              <a:rPr lang="de-DE" b="1" u="sng" dirty="0"/>
+              <a:t>Gene expression profiling by high-throughput sequencing:</a:t>
+            </a:r>
+          </a:p>
+          <a:p>
+            <a:pPr marL="285750" indent="-285750">
+              <a:buFontTx/>
+              <a:buChar char="-"/>
+            </a:pPr>
+            <a:r>
+              <a:rPr lang="de-DE" dirty="0"/>
+              <a:t>E.g. RNA-Seq</a:t>
+            </a:r>
+          </a:p>
+          <a:p>
+            <a:pPr marL="285750" indent="-285750">
+              <a:buFontTx/>
+              <a:buChar char="-"/>
+            </a:pPr>
+            <a:r>
+              <a:rPr lang="de-DE" dirty="0"/>
+              <a:t>Dataset consists of normalized DeSeq counts</a:t>
+            </a:r>
+          </a:p>
+          <a:p>
+            <a:pPr marL="285750" indent="-285750">
+              <a:buFontTx/>
+              <a:buChar char="-"/>
+            </a:pPr>
+            <a:r>
+              <a:rPr lang="de-DE" dirty="0"/>
+              <a:t>Log2 ratio </a:t>
+            </a:r>
+          </a:p>
+        </p:txBody>
+      </p:sp>
+    </p:spTree>
+    <p:extLst>
+      <p:ext uri="{BB962C8B-B14F-4D97-AF65-F5344CB8AC3E}">
+        <p14:creationId xmlns:p14="http://schemas.microsoft.com/office/powerpoint/2010/main" val="4158310092"/>
+      </p:ext>
+    </p:extLst>
+  </p:cSld>
+  <p:clrMapOvr>
+    <a:masterClrMapping/>
+  </p:clrMapOvr>
+</p:sld>
+</file>
+
 <file path=ppt/slides/slide4.xml><?xml version="1.0" encoding="utf-8"?>
 <p:sld xmlns:a="http://schemas.openxmlformats.org/drawingml/2006/main" xmlns:r="http://schemas.openxmlformats.org/officeDocument/2006/relationships" xmlns:p="http://schemas.openxmlformats.org/presentationml/2006/main">
   <p:cSld>
@@ -16864,7 +21777,7 @@
           <a:p>
             <a:fld id="{42D72C0A-7FAF-444B-9537-35FFF7603B2C}" type="datetime1">
               <a:rPr lang="en-US" smtClean="0"/>
-              <a:t>2/17/2022</a:t>
+              <a:t>2/24/2022</a:t>
             </a:fld>
             <a:endParaRPr lang="en-US"/>
           </a:p>
@@ -17072,7 +21985,7 @@
           <a:p>
             <a:fld id="{A5F007CA-CC09-4561-9FCD-CE44B6E86F3A}" type="datetime1">
               <a:rPr lang="en-US" smtClean="0"/>
-              <a:t>2/17/2022</a:t>
+              <a:t>2/24/2022</a:t>
             </a:fld>
             <a:endParaRPr lang="en-US"/>
           </a:p>
@@ -17672,7 +22585,7 @@
           <a:p>
             <a:fld id="{FC869165-E4FA-4AC3-B6F6-7C413C044D79}" type="datetime1">
               <a:rPr lang="en-US" smtClean="0"/>
-              <a:t>2/17/2022</a:t>
+              <a:t>2/24/2022</a:t>
             </a:fld>
             <a:endParaRPr lang="en-US"/>
           </a:p>
@@ -18870,7 +23783,7 @@
           <a:p>
             <a:fld id="{FC869165-E4FA-4AC3-B6F6-7C413C044D79}" type="datetime1">
               <a:rPr lang="en-US" smtClean="0"/>
-              <a:t>2/17/2022</a:t>
+              <a:t>2/24/2022</a:t>
             </a:fld>
             <a:endParaRPr lang="en-US"/>
           </a:p>
@@ -19107,7 +24020,7 @@
           <a:p>
             <a:fld id="{FC869165-E4FA-4AC3-B6F6-7C413C044D79}" type="datetime1">
               <a:rPr lang="en-US" smtClean="0"/>
-              <a:t>2/17/2022</a:t>
+              <a:t>2/24/2022</a:t>
             </a:fld>
             <a:endParaRPr lang="en-US" dirty="0"/>
           </a:p>
@@ -20143,7 +25056,7 @@
           <a:p>
             <a:fld id="{FC869165-E4FA-4AC3-B6F6-7C413C044D79}" type="datetime1">
               <a:rPr lang="en-US" smtClean="0"/>
-              <a:t>2/17/2022</a:t>
+              <a:t>2/24/2022</a:t>
             </a:fld>
             <a:endParaRPr lang="en-US"/>
           </a:p>
